--- a/examples/EVG_example.pptx
+++ b/examples/EVG_example.pptx
@@ -5,7 +5,7 @@
     <p:sldMasterId id="2147483648" r:id="rId1"/>
   </p:sldMasterIdLst>
   <p:sldIdLst>
-    <p:sldId id="1740534709" r:id="rId6"/>
+    <p:sldId id="208640287" r:id="rId6"/>
   </p:sldIdLst>
   <p:sldSz cx="12192000" cy="6858000"/>
   <p:notesSz cx="6858000" cy="9144000"/>

--- a/examples/EVG_example.pptx
+++ b/examples/EVG_example.pptx
@@ -2,19 +2,19 @@
 <file path=ppt/presentation.xml><?xml version="1.0" encoding="utf-8"?>
 <p:presentation xmlns:r="http://schemas.openxmlformats.org/officeDocument/2006/relationships" xmlns:a="http://schemas.openxmlformats.org/drawingml/2006/main" xmlns:p="http://schemas.openxmlformats.org/presentationml/2006/main" xmlns:mc="http://schemas.openxmlformats.org/markup-compatibility/2006" xmlns:c="http://schemas.openxmlformats.org/drawingml/2006/chart" xmlns:ns6="http://schemas.openxmlformats.org/drawingml/2006/chartDrawing" xmlns:dgm="http://schemas.openxmlformats.org/drawingml/2006/diagram" xmlns:pic="http://schemas.openxmlformats.org/drawingml/2006/picture" xmlns:wp="http://schemas.openxmlformats.org/drawingml/2006/wordprocessingDrawing" xmlns:xdr="http://schemas.openxmlformats.org/drawingml/2006/spreadsheetDrawing" xmlns:ns11="http://schemas.openxmlformats.org/drawingml/2006/compatibility" xmlns:ns12="http://schemas.openxmlformats.org/drawingml/2006/lockedCanvas" saveSubsetFonts="true">
   <p:sldMasterIdLst>
-    <p:sldMasterId id="2147483648" r:id="rId1"/>
+    <p:sldMasterId r:id="rId1" id="2147483648"/>
   </p:sldMasterIdLst>
   <p:sldIdLst>
-    <p:sldId id="208640287" r:id="rId6"/>
+    <p:sldId r:id="rId6" id="1547175412"/>
   </p:sldIdLst>
-  <p:sldSz cx="12192000" cy="6858000"/>
-  <p:notesSz cx="6858000" cy="9144000"/>
+  <p:sldSz cy="6858000" cx="12192000"/>
+  <p:notesSz cy="9144000" cx="6858000"/>
   <p:defaultTextStyle>
     <a:defPPr>
       <a:defRPr lang="fr-FR"/>
     </a:defPPr>
-    <a:lvl1pPr marL="0" algn="l" defTabSz="914400" rtl="false" eaLnBrk="true" latinLnBrk="false" hangingPunct="true">
-      <a:defRPr sz="1800" kern="1200">
+    <a:lvl1pPr hangingPunct="true" latinLnBrk="false" eaLnBrk="true" rtl="false" defTabSz="914400" algn="l" marL="0">
+      <a:defRPr kern="1200" sz="1800">
         <a:solidFill>
           <a:schemeClr val="tx1"/>
         </a:solidFill>
@@ -23,8 +23,8 @@
         <a:cs typeface="+mn-cs"/>
       </a:defRPr>
     </a:lvl1pPr>
-    <a:lvl2pPr marL="457200" algn="l" defTabSz="914400" rtl="false" eaLnBrk="true" latinLnBrk="false" hangingPunct="true">
-      <a:defRPr sz="1800" kern="1200">
+    <a:lvl2pPr hangingPunct="true" latinLnBrk="false" eaLnBrk="true" rtl="false" defTabSz="914400" algn="l" marL="457200">
+      <a:defRPr kern="1200" sz="1800">
         <a:solidFill>
           <a:schemeClr val="tx1"/>
         </a:solidFill>
@@ -33,8 +33,8 @@
         <a:cs typeface="+mn-cs"/>
       </a:defRPr>
     </a:lvl2pPr>
-    <a:lvl3pPr marL="914400" algn="l" defTabSz="914400" rtl="false" eaLnBrk="true" latinLnBrk="false" hangingPunct="true">
-      <a:defRPr sz="1800" kern="1200">
+    <a:lvl3pPr hangingPunct="true" latinLnBrk="false" eaLnBrk="true" rtl="false" defTabSz="914400" algn="l" marL="914400">
+      <a:defRPr kern="1200" sz="1800">
         <a:solidFill>
           <a:schemeClr val="tx1"/>
         </a:solidFill>
@@ -43,8 +43,8 @@
         <a:cs typeface="+mn-cs"/>
       </a:defRPr>
     </a:lvl3pPr>
-    <a:lvl4pPr marL="1371600" algn="l" defTabSz="914400" rtl="false" eaLnBrk="true" latinLnBrk="false" hangingPunct="true">
-      <a:defRPr sz="1800" kern="1200">
+    <a:lvl4pPr hangingPunct="true" latinLnBrk="false" eaLnBrk="true" rtl="false" defTabSz="914400" algn="l" marL="1371600">
+      <a:defRPr kern="1200" sz="1800">
         <a:solidFill>
           <a:schemeClr val="tx1"/>
         </a:solidFill>
@@ -53,8 +53,8 @@
         <a:cs typeface="+mn-cs"/>
       </a:defRPr>
     </a:lvl4pPr>
-    <a:lvl5pPr marL="1828800" algn="l" defTabSz="914400" rtl="false" eaLnBrk="true" latinLnBrk="false" hangingPunct="true">
-      <a:defRPr sz="1800" kern="1200">
+    <a:lvl5pPr hangingPunct="true" latinLnBrk="false" eaLnBrk="true" rtl="false" defTabSz="914400" algn="l" marL="1828800">
+      <a:defRPr kern="1200" sz="1800">
         <a:solidFill>
           <a:schemeClr val="tx1"/>
         </a:solidFill>
@@ -63,8 +63,8 @@
         <a:cs typeface="+mn-cs"/>
       </a:defRPr>
     </a:lvl5pPr>
-    <a:lvl6pPr marL="2286000" algn="l" defTabSz="914400" rtl="false" eaLnBrk="true" latinLnBrk="false" hangingPunct="true">
-      <a:defRPr sz="1800" kern="1200">
+    <a:lvl6pPr hangingPunct="true" latinLnBrk="false" eaLnBrk="true" rtl="false" defTabSz="914400" algn="l" marL="2286000">
+      <a:defRPr kern="1200" sz="1800">
         <a:solidFill>
           <a:schemeClr val="tx1"/>
         </a:solidFill>
@@ -73,8 +73,8 @@
         <a:cs typeface="+mn-cs"/>
       </a:defRPr>
     </a:lvl6pPr>
-    <a:lvl7pPr marL="2743200" algn="l" defTabSz="914400" rtl="false" eaLnBrk="true" latinLnBrk="false" hangingPunct="true">
-      <a:defRPr sz="1800" kern="1200">
+    <a:lvl7pPr hangingPunct="true" latinLnBrk="false" eaLnBrk="true" rtl="false" defTabSz="914400" algn="l" marL="2743200">
+      <a:defRPr kern="1200" sz="1800">
         <a:solidFill>
           <a:schemeClr val="tx1"/>
         </a:solidFill>
@@ -83,8 +83,8 @@
         <a:cs typeface="+mn-cs"/>
       </a:defRPr>
     </a:lvl7pPr>
-    <a:lvl8pPr marL="3200400" algn="l" defTabSz="914400" rtl="false" eaLnBrk="true" latinLnBrk="false" hangingPunct="true">
-      <a:defRPr sz="1800" kern="1200">
+    <a:lvl8pPr hangingPunct="true" latinLnBrk="false" eaLnBrk="true" rtl="false" defTabSz="914400" algn="l" marL="3200400">
+      <a:defRPr kern="1200" sz="1800">
         <a:solidFill>
           <a:schemeClr val="tx1"/>
         </a:solidFill>
@@ -93,8 +93,8 @@
         <a:cs typeface="+mn-cs"/>
       </a:defRPr>
     </a:lvl8pPr>
-    <a:lvl9pPr marL="3657600" algn="l" defTabSz="914400" rtl="false" eaLnBrk="true" latinLnBrk="false" hangingPunct="true">
-      <a:defRPr sz="1800" kern="1200">
+    <a:lvl9pPr hangingPunct="true" latinLnBrk="false" eaLnBrk="true" rtl="false" defTabSz="914400" algn="l" marL="3657600">
+      <a:defRPr kern="1200" sz="1800">
         <a:solidFill>
           <a:schemeClr val="tx1"/>
         </a:solidFill>
@@ -113,25 +113,25 @@
 </file>
 
 <file path=ppt/slideLayouts/slideLayout1.xml><?xml version="1.0" encoding="utf-8"?>
-<p:sldLayout xmlns:r="http://schemas.openxmlformats.org/officeDocument/2006/relationships" xmlns:a="http://schemas.openxmlformats.org/drawingml/2006/main" xmlns:p="http://schemas.openxmlformats.org/presentationml/2006/main" xmlns:mc="http://schemas.openxmlformats.org/markup-compatibility/2006" xmlns:c="http://schemas.openxmlformats.org/drawingml/2006/chart" xmlns:ns6="http://schemas.openxmlformats.org/drawingml/2006/chartDrawing" xmlns:dgm="http://schemas.openxmlformats.org/drawingml/2006/diagram" xmlns:pic="http://schemas.openxmlformats.org/drawingml/2006/picture" xmlns:wp="http://schemas.openxmlformats.org/drawingml/2006/wordprocessingDrawing" xmlns:xdr="http://schemas.openxmlformats.org/drawingml/2006/spreadsheetDrawing" xmlns:ns11="http://schemas.openxmlformats.org/drawingml/2006/compatibility" xmlns:ns12="http://schemas.openxmlformats.org/drawingml/2006/lockedCanvas" type="title" preserve="true">
+<p:sldLayout xmlns:r="http://schemas.openxmlformats.org/officeDocument/2006/relationships" xmlns:a="http://schemas.openxmlformats.org/drawingml/2006/main" xmlns:p="http://schemas.openxmlformats.org/presentationml/2006/main" xmlns:mc="http://schemas.openxmlformats.org/markup-compatibility/2006" xmlns:c="http://schemas.openxmlformats.org/drawingml/2006/chart" xmlns:ns6="http://schemas.openxmlformats.org/drawingml/2006/chartDrawing" xmlns:dgm="http://schemas.openxmlformats.org/drawingml/2006/diagram" xmlns:pic="http://schemas.openxmlformats.org/drawingml/2006/picture" xmlns:wp="http://schemas.openxmlformats.org/drawingml/2006/wordprocessingDrawing" xmlns:xdr="http://schemas.openxmlformats.org/drawingml/2006/spreadsheetDrawing" xmlns:ns11="http://schemas.openxmlformats.org/drawingml/2006/compatibility" xmlns:ns12="http://schemas.openxmlformats.org/drawingml/2006/lockedCanvas" preserve="true" type="title">
   <p:cSld name="Title Slide">
     <p:spTree>
       <p:nvGrpSpPr>
-        <p:cNvPr id="1" name=""/>
+        <p:cNvPr name="" id="1"/>
         <p:cNvGrpSpPr/>
         <p:nvPr/>
       </p:nvGrpSpPr>
       <p:grpSpPr>
         <a:xfrm>
-          <a:off x="0" y="0"/>
-          <a:ext cx="0" cy="0"/>
-          <a:chOff x="0" y="0"/>
-          <a:chExt cx="0" cy="0"/>
+          <a:off y="0" x="0"/>
+          <a:ext cy="0" cx="0"/>
+          <a:chOff y="0" x="0"/>
+          <a:chExt cy="0" cx="0"/>
         </a:xfrm>
       </p:grpSpPr>
       <p:sp>
         <p:nvSpPr>
-          <p:cNvPr id="2" name="Titre 1"/>
+          <p:cNvPr name="Titre 1" id="2"/>
           <p:cNvSpPr>
             <a:spLocks noGrp="true"/>
           </p:cNvSpPr>
@@ -141,8 +141,8 @@
         </p:nvSpPr>
         <p:spPr>
           <a:xfrm>
-            <a:off x="1524000" y="1122363"/>
-            <a:ext cx="9144000" cy="2387600"/>
+            <a:off y="1122363" x="1524000"/>
+            <a:ext cy="2387600" cx="9144000"/>
           </a:xfrm>
         </p:spPr>
         <p:txBody>
@@ -154,7 +154,7 @@
           </a:lstStyle>
           <a:p>
             <a:r>
-              <a:rPr lang="fr-FR" smtClean="false"/>
+              <a:rPr smtClean="false" lang="fr-FR"/>
               <a:t>Modifiez le style du titre</a:t>
             </a:r>
             <a:endParaRPr lang="fr-FR"/>
@@ -163,63 +163,63 @@
       </p:sp>
       <p:sp>
         <p:nvSpPr>
-          <p:cNvPr id="3" name="Sous-titre 2"/>
+          <p:cNvPr name="Sous-titre 2" id="3"/>
           <p:cNvSpPr>
             <a:spLocks noGrp="true"/>
           </p:cNvSpPr>
           <p:nvPr>
-            <p:ph type="subTitle" idx="1"/>
+            <p:ph idx="1" type="subTitle"/>
           </p:nvPr>
         </p:nvSpPr>
         <p:spPr>
           <a:xfrm>
-            <a:off x="1524000" y="3602038"/>
-            <a:ext cx="9144000" cy="1655762"/>
+            <a:off y="3602038" x="1524000"/>
+            <a:ext cy="1655762" cx="9144000"/>
           </a:xfrm>
         </p:spPr>
         <p:txBody>
           <a:bodyPr/>
           <a:lstStyle>
-            <a:lvl1pPr marL="0" indent="0" algn="ctr">
+            <a:lvl1pPr algn="ctr" indent="0" marL="0">
               <a:buNone/>
               <a:defRPr sz="2400"/>
             </a:lvl1pPr>
-            <a:lvl2pPr marL="457200" indent="0" algn="ctr">
+            <a:lvl2pPr algn="ctr" indent="0" marL="457200">
               <a:buNone/>
               <a:defRPr sz="2000"/>
             </a:lvl2pPr>
-            <a:lvl3pPr marL="914400" indent="0" algn="ctr">
+            <a:lvl3pPr algn="ctr" indent="0" marL="914400">
               <a:buNone/>
               <a:defRPr sz="1800"/>
             </a:lvl3pPr>
-            <a:lvl4pPr marL="1371600" indent="0" algn="ctr">
+            <a:lvl4pPr algn="ctr" indent="0" marL="1371600">
               <a:buNone/>
               <a:defRPr sz="1600"/>
             </a:lvl4pPr>
-            <a:lvl5pPr marL="1828800" indent="0" algn="ctr">
+            <a:lvl5pPr algn="ctr" indent="0" marL="1828800">
               <a:buNone/>
               <a:defRPr sz="1600"/>
             </a:lvl5pPr>
-            <a:lvl6pPr marL="2286000" indent="0" algn="ctr">
+            <a:lvl6pPr algn="ctr" indent="0" marL="2286000">
               <a:buNone/>
               <a:defRPr sz="1600"/>
             </a:lvl6pPr>
-            <a:lvl7pPr marL="2743200" indent="0" algn="ctr">
+            <a:lvl7pPr algn="ctr" indent="0" marL="2743200">
               <a:buNone/>
               <a:defRPr sz="1600"/>
             </a:lvl7pPr>
-            <a:lvl8pPr marL="3200400" indent="0" algn="ctr">
+            <a:lvl8pPr algn="ctr" indent="0" marL="3200400">
               <a:buNone/>
               <a:defRPr sz="1600"/>
             </a:lvl8pPr>
-            <a:lvl9pPr marL="3657600" indent="0" algn="ctr">
+            <a:lvl9pPr algn="ctr" indent="0" marL="3657600">
               <a:buNone/>
               <a:defRPr sz="1600"/>
             </a:lvl9pPr>
           </a:lstStyle>
           <a:p>
             <a:r>
-              <a:rPr lang="fr-FR" smtClean="false"/>
+              <a:rPr smtClean="false" lang="fr-FR"/>
               <a:t>Modifiez le style des sous-titres du masque</a:t>
             </a:r>
             <a:endParaRPr lang="fr-FR"/>
@@ -228,12 +228,12 @@
       </p:sp>
       <p:sp>
         <p:nvSpPr>
-          <p:cNvPr id="4" name="Espace réservé de la date 3"/>
+          <p:cNvPr name="Espace réservé de la date 3" id="4"/>
           <p:cNvSpPr>
             <a:spLocks noGrp="true"/>
           </p:cNvSpPr>
           <p:nvPr>
-            <p:ph type="dt" sz="half" idx="10"/>
+            <p:ph idx="10" sz="half" type="dt"/>
           </p:nvPr>
         </p:nvSpPr>
         <p:spPr/>
@@ -241,8 +241,8 @@
           <a:bodyPr/>
           <a:lstStyle/>
           <a:p>
-            <a:fld id="{CE3110EA-6548-4EF6-B0A9-8F847AEECEDD}" type="datetimeFigureOut">
-              <a:rPr lang="fr-FR" smtClean="false"/>
+            <a:fld type="datetimeFigureOut" id="{CE3110EA-6548-4EF6-B0A9-8F847AEECEDD}">
+              <a:rPr smtClean="false" lang="fr-FR"/>
               <a:t>07/12/2013</a:t>
             </a:fld>
             <a:endParaRPr lang="fr-FR"/>
@@ -251,12 +251,12 @@
       </p:sp>
       <p:sp>
         <p:nvSpPr>
-          <p:cNvPr id="5" name="Espace réservé du pied de page 4"/>
+          <p:cNvPr name="Espace réservé du pied de page 4" id="5"/>
           <p:cNvSpPr>
             <a:spLocks noGrp="true"/>
           </p:cNvSpPr>
           <p:nvPr>
-            <p:ph type="ftr" sz="quarter" idx="11"/>
+            <p:ph idx="11" sz="quarter" type="ftr"/>
           </p:nvPr>
         </p:nvSpPr>
         <p:spPr/>
@@ -270,12 +270,12 @@
       </p:sp>
       <p:sp>
         <p:nvSpPr>
-          <p:cNvPr id="6" name="Espace réservé du numéro de diapositive 5"/>
+          <p:cNvPr name="Espace réservé du numéro de diapositive 5" id="6"/>
           <p:cNvSpPr>
             <a:spLocks noGrp="true"/>
           </p:cNvSpPr>
           <p:nvPr>
-            <p:ph type="sldNum" sz="quarter" idx="12"/>
+            <p:ph idx="12" sz="quarter" type="sldNum"/>
           </p:nvPr>
         </p:nvSpPr>
         <p:spPr/>
@@ -283,8 +283,8 @@
           <a:bodyPr/>
           <a:lstStyle/>
           <a:p>
-            <a:fld id="{C47AABF0-D73A-43C1-84CC-8A30B6535388}" type="slidenum">
-              <a:rPr lang="fr-FR" smtClean="false"/>
+            <a:fld type="slidenum" id="{C47AABF0-D73A-43C1-84CC-8A30B6535388}">
+              <a:rPr smtClean="false" lang="fr-FR"/>
               <a:t>‹N°›</a:t>
             </a:fld>
             <a:endParaRPr lang="fr-FR"/>
@@ -304,7 +304,7 @@
   <p:timing>
     <p:tnLst>
       <p:par>
-        <p:cTn id="1" dur="indefinite" restart="never" nodeType="tmRoot"/>
+        <p:cTn nodeType="tmRoot" restart="never" dur="indefinite" id="1"/>
       </p:par>
     </p:tnLst>
   </p:timing>
@@ -312,36 +312,36 @@
 </file>
 
 <file path=ppt/slideLayouts/slideLayout10.xml><?xml version="1.0" encoding="utf-8"?>
-<p:sldLayout xmlns:r="http://schemas.openxmlformats.org/officeDocument/2006/relationships" xmlns:a="http://schemas.openxmlformats.org/drawingml/2006/main" xmlns:p="http://schemas.openxmlformats.org/presentationml/2006/main" xmlns:mc="http://schemas.openxmlformats.org/markup-compatibility/2006" xmlns:c="http://schemas.openxmlformats.org/drawingml/2006/chart" xmlns:ns6="http://schemas.openxmlformats.org/drawingml/2006/chartDrawing" xmlns:dgm="http://schemas.openxmlformats.org/drawingml/2006/diagram" xmlns:pic="http://schemas.openxmlformats.org/drawingml/2006/picture" xmlns:wp="http://schemas.openxmlformats.org/drawingml/2006/wordprocessingDrawing" xmlns:xdr="http://schemas.openxmlformats.org/drawingml/2006/spreadsheetDrawing" xmlns:ns11="http://schemas.openxmlformats.org/drawingml/2006/compatibility" xmlns:ns12="http://schemas.openxmlformats.org/drawingml/2006/lockedCanvas" type="vertTitleAndTx" preserve="true">
+<p:sldLayout xmlns:r="http://schemas.openxmlformats.org/officeDocument/2006/relationships" xmlns:a="http://schemas.openxmlformats.org/drawingml/2006/main" xmlns:p="http://schemas.openxmlformats.org/presentationml/2006/main" xmlns:mc="http://schemas.openxmlformats.org/markup-compatibility/2006" xmlns:c="http://schemas.openxmlformats.org/drawingml/2006/chart" xmlns:ns6="http://schemas.openxmlformats.org/drawingml/2006/chartDrawing" xmlns:dgm="http://schemas.openxmlformats.org/drawingml/2006/diagram" xmlns:pic="http://schemas.openxmlformats.org/drawingml/2006/picture" xmlns:wp="http://schemas.openxmlformats.org/drawingml/2006/wordprocessingDrawing" xmlns:xdr="http://schemas.openxmlformats.org/drawingml/2006/spreadsheetDrawing" xmlns:ns11="http://schemas.openxmlformats.org/drawingml/2006/compatibility" xmlns:ns12="http://schemas.openxmlformats.org/drawingml/2006/lockedCanvas" preserve="true" type="vertTitleAndTx">
   <p:cSld name="Vertical Title and Text">
     <p:spTree>
       <p:nvGrpSpPr>
-        <p:cNvPr id="1" name=""/>
+        <p:cNvPr name="" id="1"/>
         <p:cNvGrpSpPr/>
         <p:nvPr/>
       </p:nvGrpSpPr>
       <p:grpSpPr>
         <a:xfrm>
-          <a:off x="0" y="0"/>
-          <a:ext cx="0" cy="0"/>
-          <a:chOff x="0" y="0"/>
-          <a:chExt cx="0" cy="0"/>
+          <a:off y="0" x="0"/>
+          <a:ext cy="0" cx="0"/>
+          <a:chOff y="0" x="0"/>
+          <a:chExt cy="0" cx="0"/>
         </a:xfrm>
       </p:grpSpPr>
       <p:sp>
         <p:nvSpPr>
-          <p:cNvPr id="2" name="Titre vertical 1"/>
+          <p:cNvPr name="Titre vertical 1" id="2"/>
           <p:cNvSpPr>
             <a:spLocks noGrp="true"/>
           </p:cNvSpPr>
           <p:nvPr>
-            <p:ph type="title" orient="vert"/>
+            <p:ph orient="vert" type="title"/>
           </p:nvPr>
         </p:nvSpPr>
         <p:spPr>
           <a:xfrm>
-            <a:off x="8724900" y="365125"/>
-            <a:ext cx="2628900" cy="5811838"/>
+            <a:off y="365125" x="8724900"/>
+            <a:ext cy="5811838" cx="2628900"/>
           </a:xfrm>
         </p:spPr>
         <p:txBody>
@@ -349,7 +349,7 @@
           <a:lstStyle/>
           <a:p>
             <a:r>
-              <a:rPr lang="fr-FR" smtClean="false"/>
+              <a:rPr smtClean="false" lang="fr-FR"/>
               <a:t>Modifiez le style du titre</a:t>
             </a:r>
             <a:endParaRPr lang="fr-FR"/>
@@ -358,18 +358,18 @@
       </p:sp>
       <p:sp>
         <p:nvSpPr>
-          <p:cNvPr id="3" name="Espace réservé du texte vertical 2"/>
+          <p:cNvPr name="Espace réservé du texte vertical 2" id="3"/>
           <p:cNvSpPr>
             <a:spLocks noGrp="true"/>
           </p:cNvSpPr>
           <p:nvPr>
-            <p:ph type="body" orient="vert" idx="1"/>
+            <p:ph idx="1" orient="vert" type="body"/>
           </p:nvPr>
         </p:nvSpPr>
         <p:spPr>
           <a:xfrm>
-            <a:off x="838200" y="365125"/>
-            <a:ext cx="7734300" cy="5811838"/>
+            <a:off y="365125" x="838200"/>
+            <a:ext cy="5811838" cx="7734300"/>
           </a:xfrm>
         </p:spPr>
         <p:txBody>
@@ -378,35 +378,35 @@
           <a:p>
             <a:pPr lvl="0"/>
             <a:r>
-              <a:rPr lang="fr-FR" smtClean="false"/>
+              <a:rPr smtClean="false" lang="fr-FR"/>
               <a:t>Modifiez les styles du texte du masque</a:t>
             </a:r>
           </a:p>
           <a:p>
             <a:pPr lvl="1"/>
             <a:r>
-              <a:rPr lang="fr-FR" smtClean="false"/>
+              <a:rPr smtClean="false" lang="fr-FR"/>
               <a:t>Deuxième niveau</a:t>
             </a:r>
           </a:p>
           <a:p>
             <a:pPr lvl="2"/>
             <a:r>
-              <a:rPr lang="fr-FR" smtClean="false"/>
+              <a:rPr smtClean="false" lang="fr-FR"/>
               <a:t>Troisième niveau</a:t>
             </a:r>
           </a:p>
           <a:p>
             <a:pPr lvl="3"/>
             <a:r>
-              <a:rPr lang="fr-FR" smtClean="false"/>
+              <a:rPr smtClean="false" lang="fr-FR"/>
               <a:t>Quatrième niveau</a:t>
             </a:r>
           </a:p>
           <a:p>
             <a:pPr lvl="4"/>
             <a:r>
-              <a:rPr lang="fr-FR" smtClean="false"/>
+              <a:rPr smtClean="false" lang="fr-FR"/>
               <a:t>Cinquième niveau</a:t>
             </a:r>
             <a:endParaRPr lang="fr-FR"/>
@@ -415,12 +415,12 @@
       </p:sp>
       <p:sp>
         <p:nvSpPr>
-          <p:cNvPr id="4" name="Espace réservé de la date 3"/>
+          <p:cNvPr name="Espace réservé de la date 3" id="4"/>
           <p:cNvSpPr>
             <a:spLocks noGrp="true"/>
           </p:cNvSpPr>
           <p:nvPr>
-            <p:ph type="dt" sz="half" idx="10"/>
+            <p:ph idx="10" sz="half" type="dt"/>
           </p:nvPr>
         </p:nvSpPr>
         <p:spPr/>
@@ -428,8 +428,8 @@
           <a:bodyPr/>
           <a:lstStyle/>
           <a:p>
-            <a:fld id="{CE3110EA-6548-4EF6-B0A9-8F847AEECEDD}" type="datetimeFigureOut">
-              <a:rPr lang="fr-FR" smtClean="false"/>
+            <a:fld type="datetimeFigureOut" id="{CE3110EA-6548-4EF6-B0A9-8F847AEECEDD}">
+              <a:rPr smtClean="false" lang="fr-FR"/>
               <a:t>07/12/2013</a:t>
             </a:fld>
             <a:endParaRPr lang="fr-FR"/>
@@ -438,12 +438,12 @@
       </p:sp>
       <p:sp>
         <p:nvSpPr>
-          <p:cNvPr id="5" name="Espace réservé du pied de page 4"/>
+          <p:cNvPr name="Espace réservé du pied de page 4" id="5"/>
           <p:cNvSpPr>
             <a:spLocks noGrp="true"/>
           </p:cNvSpPr>
           <p:nvPr>
-            <p:ph type="ftr" sz="quarter" idx="11"/>
+            <p:ph idx="11" sz="quarter" type="ftr"/>
           </p:nvPr>
         </p:nvSpPr>
         <p:spPr/>
@@ -457,12 +457,12 @@
       </p:sp>
       <p:sp>
         <p:nvSpPr>
-          <p:cNvPr id="6" name="Espace réservé du numéro de diapositive 5"/>
+          <p:cNvPr name="Espace réservé du numéro de diapositive 5" id="6"/>
           <p:cNvSpPr>
             <a:spLocks noGrp="true"/>
           </p:cNvSpPr>
           <p:nvPr>
-            <p:ph type="sldNum" sz="quarter" idx="12"/>
+            <p:ph idx="12" sz="quarter" type="sldNum"/>
           </p:nvPr>
         </p:nvSpPr>
         <p:spPr/>
@@ -470,8 +470,8 @@
           <a:bodyPr/>
           <a:lstStyle/>
           <a:p>
-            <a:fld id="{C47AABF0-D73A-43C1-84CC-8A30B6535388}" type="slidenum">
-              <a:rPr lang="fr-FR" smtClean="false"/>
+            <a:fld type="slidenum" id="{C47AABF0-D73A-43C1-84CC-8A30B6535388}">
+              <a:rPr smtClean="false" lang="fr-FR"/>
               <a:t>‹N°›</a:t>
             </a:fld>
             <a:endParaRPr lang="fr-FR"/>
@@ -491,7 +491,7 @@
   <p:timing>
     <p:tnLst>
       <p:par>
-        <p:cTn id="1" dur="indefinite" restart="never" nodeType="tmRoot"/>
+        <p:cTn nodeType="tmRoot" restart="never" dur="indefinite" id="1"/>
       </p:par>
     </p:tnLst>
   </p:timing>
@@ -499,25 +499,25 @@
 </file>
 
 <file path=ppt/slideLayouts/slideLayout2.xml><?xml version="1.0" encoding="utf-8"?>
-<p:sldLayout xmlns:r="http://schemas.openxmlformats.org/officeDocument/2006/relationships" xmlns:a="http://schemas.openxmlformats.org/drawingml/2006/main" xmlns:p="http://schemas.openxmlformats.org/presentationml/2006/main" xmlns:mc="http://schemas.openxmlformats.org/markup-compatibility/2006" xmlns:c="http://schemas.openxmlformats.org/drawingml/2006/chart" xmlns:ns6="http://schemas.openxmlformats.org/drawingml/2006/chartDrawing" xmlns:dgm="http://schemas.openxmlformats.org/drawingml/2006/diagram" xmlns:pic="http://schemas.openxmlformats.org/drawingml/2006/picture" xmlns:wp="http://schemas.openxmlformats.org/drawingml/2006/wordprocessingDrawing" xmlns:xdr="http://schemas.openxmlformats.org/drawingml/2006/spreadsheetDrawing" xmlns:ns11="http://schemas.openxmlformats.org/drawingml/2006/compatibility" xmlns:ns12="http://schemas.openxmlformats.org/drawingml/2006/lockedCanvas" type="obj" preserve="true">
+<p:sldLayout xmlns:r="http://schemas.openxmlformats.org/officeDocument/2006/relationships" xmlns:a="http://schemas.openxmlformats.org/drawingml/2006/main" xmlns:p="http://schemas.openxmlformats.org/presentationml/2006/main" xmlns:mc="http://schemas.openxmlformats.org/markup-compatibility/2006" xmlns:c="http://schemas.openxmlformats.org/drawingml/2006/chart" xmlns:ns6="http://schemas.openxmlformats.org/drawingml/2006/chartDrawing" xmlns:dgm="http://schemas.openxmlformats.org/drawingml/2006/diagram" xmlns:pic="http://schemas.openxmlformats.org/drawingml/2006/picture" xmlns:wp="http://schemas.openxmlformats.org/drawingml/2006/wordprocessingDrawing" xmlns:xdr="http://schemas.openxmlformats.org/drawingml/2006/spreadsheetDrawing" xmlns:ns11="http://schemas.openxmlformats.org/drawingml/2006/compatibility" xmlns:ns12="http://schemas.openxmlformats.org/drawingml/2006/lockedCanvas" preserve="true" type="obj">
   <p:cSld name="Title and Content">
     <p:spTree>
       <p:nvGrpSpPr>
-        <p:cNvPr id="1" name=""/>
+        <p:cNvPr name="" id="1"/>
         <p:cNvGrpSpPr/>
         <p:nvPr/>
       </p:nvGrpSpPr>
       <p:grpSpPr>
         <a:xfrm>
-          <a:off x="0" y="0"/>
-          <a:ext cx="0" cy="0"/>
-          <a:chOff x="0" y="0"/>
-          <a:chExt cx="0" cy="0"/>
+          <a:off y="0" x="0"/>
+          <a:ext cy="0" cx="0"/>
+          <a:chOff y="0" x="0"/>
+          <a:chExt cy="0" cx="0"/>
         </a:xfrm>
       </p:grpSpPr>
       <p:sp>
         <p:nvSpPr>
-          <p:cNvPr id="2" name="Titre 1"/>
+          <p:cNvPr name="Titre 1" id="2"/>
           <p:cNvSpPr>
             <a:spLocks noGrp="true"/>
           </p:cNvSpPr>
@@ -531,7 +531,7 @@
           <a:lstStyle/>
           <a:p>
             <a:r>
-              <a:rPr lang="fr-FR" smtClean="false"/>
+              <a:rPr smtClean="false" lang="fr-FR"/>
               <a:t>Modifiez le style du titre</a:t>
             </a:r>
             <a:endParaRPr lang="fr-FR"/>
@@ -540,7 +540,7 @@
       </p:sp>
       <p:sp>
         <p:nvSpPr>
-          <p:cNvPr id="3" name="Espace réservé du contenu 2"/>
+          <p:cNvPr name="Espace réservé du contenu 2" id="3"/>
           <p:cNvSpPr>
             <a:spLocks noGrp="true"/>
           </p:cNvSpPr>
@@ -550,8 +550,8 @@
         </p:nvSpPr>
         <p:spPr>
           <a:xfrm>
-            <a:off x="838200" y="1825625"/>
-            <a:ext cx="10515600" cy="4351338"/>
+            <a:off y="1825625" x="838200"/>
+            <a:ext cy="4351338" cx="10515600"/>
           </a:xfrm>
         </p:spPr>
         <p:txBody>
@@ -560,35 +560,35 @@
           <a:p>
             <a:pPr lvl="0"/>
             <a:r>
-              <a:rPr lang="fr-FR" smtClean="false"/>
+              <a:rPr smtClean="false" lang="fr-FR"/>
               <a:t>Modifiez les styles du texte du masque</a:t>
             </a:r>
           </a:p>
           <a:p>
             <a:pPr lvl="1"/>
             <a:r>
-              <a:rPr lang="fr-FR" smtClean="false"/>
+              <a:rPr smtClean="false" lang="fr-FR"/>
               <a:t>Deuxième niveau</a:t>
             </a:r>
           </a:p>
           <a:p>
             <a:pPr lvl="2"/>
             <a:r>
-              <a:rPr lang="fr-FR" smtClean="false"/>
+              <a:rPr smtClean="false" lang="fr-FR"/>
               <a:t>Troisième niveau</a:t>
             </a:r>
           </a:p>
           <a:p>
             <a:pPr lvl="3"/>
             <a:r>
-              <a:rPr lang="fr-FR" smtClean="false"/>
+              <a:rPr smtClean="false" lang="fr-FR"/>
               <a:t>Quatrième niveau</a:t>
             </a:r>
           </a:p>
           <a:p>
             <a:pPr lvl="4"/>
             <a:r>
-              <a:rPr lang="fr-FR" smtClean="false"/>
+              <a:rPr smtClean="false" lang="fr-FR"/>
               <a:t>Cinquième niveau</a:t>
             </a:r>
             <a:endParaRPr lang="fr-FR"/>
@@ -597,12 +597,12 @@
       </p:sp>
       <p:sp>
         <p:nvSpPr>
-          <p:cNvPr id="4" name="Espace réservé de la date 3"/>
+          <p:cNvPr name="Espace réservé de la date 3" id="4"/>
           <p:cNvSpPr>
             <a:spLocks noGrp="true"/>
           </p:cNvSpPr>
           <p:nvPr>
-            <p:ph type="dt" sz="half" idx="10"/>
+            <p:ph idx="10" sz="half" type="dt"/>
           </p:nvPr>
         </p:nvSpPr>
         <p:spPr/>
@@ -610,8 +610,8 @@
           <a:bodyPr/>
           <a:lstStyle/>
           <a:p>
-            <a:fld id="{CE3110EA-6548-4EF6-B0A9-8F847AEECEDD}" type="datetimeFigureOut">
-              <a:rPr lang="fr-FR" smtClean="false"/>
+            <a:fld type="datetimeFigureOut" id="{CE3110EA-6548-4EF6-B0A9-8F847AEECEDD}">
+              <a:rPr smtClean="false" lang="fr-FR"/>
               <a:t>07/12/2013</a:t>
             </a:fld>
             <a:endParaRPr lang="fr-FR"/>
@@ -620,12 +620,12 @@
       </p:sp>
       <p:sp>
         <p:nvSpPr>
-          <p:cNvPr id="5" name="Espace réservé du pied de page 4"/>
+          <p:cNvPr name="Espace réservé du pied de page 4" id="5"/>
           <p:cNvSpPr>
             <a:spLocks noGrp="true"/>
           </p:cNvSpPr>
           <p:nvPr>
-            <p:ph type="ftr" sz="quarter" idx="11"/>
+            <p:ph idx="11" sz="quarter" type="ftr"/>
           </p:nvPr>
         </p:nvSpPr>
         <p:spPr/>
@@ -639,12 +639,12 @@
       </p:sp>
       <p:sp>
         <p:nvSpPr>
-          <p:cNvPr id="6" name="Espace réservé du numéro de diapositive 5"/>
+          <p:cNvPr name="Espace réservé du numéro de diapositive 5" id="6"/>
           <p:cNvSpPr>
             <a:spLocks noGrp="true"/>
           </p:cNvSpPr>
           <p:nvPr>
-            <p:ph type="sldNum" sz="quarter" idx="12"/>
+            <p:ph idx="12" sz="quarter" type="sldNum"/>
           </p:nvPr>
         </p:nvSpPr>
         <p:spPr/>
@@ -652,8 +652,8 @@
           <a:bodyPr/>
           <a:lstStyle/>
           <a:p>
-            <a:fld id="{C47AABF0-D73A-43C1-84CC-8A30B6535388}" type="slidenum">
-              <a:rPr lang="fr-FR" smtClean="false"/>
+            <a:fld type="slidenum" id="{C47AABF0-D73A-43C1-84CC-8A30B6535388}">
+              <a:rPr smtClean="false" lang="fr-FR"/>
               <a:t>‹N°›</a:t>
             </a:fld>
             <a:endParaRPr lang="fr-FR"/>
@@ -673,7 +673,7 @@
   <p:timing>
     <p:tnLst>
       <p:par>
-        <p:cTn id="1" dur="indefinite" restart="never" nodeType="tmRoot"/>
+        <p:cTn nodeType="tmRoot" restart="never" dur="indefinite" id="1"/>
       </p:par>
     </p:tnLst>
   </p:timing>
@@ -681,25 +681,25 @@
 </file>
 
 <file path=ppt/slideLayouts/slideLayout3.xml><?xml version="1.0" encoding="utf-8"?>
-<p:sldLayout xmlns:r="http://schemas.openxmlformats.org/officeDocument/2006/relationships" xmlns:a="http://schemas.openxmlformats.org/drawingml/2006/main" xmlns:p="http://schemas.openxmlformats.org/presentationml/2006/main" xmlns:mc="http://schemas.openxmlformats.org/markup-compatibility/2006" xmlns:c="http://schemas.openxmlformats.org/drawingml/2006/chart" xmlns:ns6="http://schemas.openxmlformats.org/drawingml/2006/chartDrawing" xmlns:dgm="http://schemas.openxmlformats.org/drawingml/2006/diagram" xmlns:pic="http://schemas.openxmlformats.org/drawingml/2006/picture" xmlns:wp="http://schemas.openxmlformats.org/drawingml/2006/wordprocessingDrawing" xmlns:xdr="http://schemas.openxmlformats.org/drawingml/2006/spreadsheetDrawing" xmlns:ns11="http://schemas.openxmlformats.org/drawingml/2006/compatibility" xmlns:ns12="http://schemas.openxmlformats.org/drawingml/2006/lockedCanvas" type="secHead" preserve="true">
+<p:sldLayout xmlns:r="http://schemas.openxmlformats.org/officeDocument/2006/relationships" xmlns:a="http://schemas.openxmlformats.org/drawingml/2006/main" xmlns:p="http://schemas.openxmlformats.org/presentationml/2006/main" xmlns:mc="http://schemas.openxmlformats.org/markup-compatibility/2006" xmlns:c="http://schemas.openxmlformats.org/drawingml/2006/chart" xmlns:ns6="http://schemas.openxmlformats.org/drawingml/2006/chartDrawing" xmlns:dgm="http://schemas.openxmlformats.org/drawingml/2006/diagram" xmlns:pic="http://schemas.openxmlformats.org/drawingml/2006/picture" xmlns:wp="http://schemas.openxmlformats.org/drawingml/2006/wordprocessingDrawing" xmlns:xdr="http://schemas.openxmlformats.org/drawingml/2006/spreadsheetDrawing" xmlns:ns11="http://schemas.openxmlformats.org/drawingml/2006/compatibility" xmlns:ns12="http://schemas.openxmlformats.org/drawingml/2006/lockedCanvas" preserve="true" type="secHead">
   <p:cSld name="Section Header">
     <p:spTree>
       <p:nvGrpSpPr>
-        <p:cNvPr id="1" name=""/>
+        <p:cNvPr name="" id="1"/>
         <p:cNvGrpSpPr/>
         <p:nvPr/>
       </p:nvGrpSpPr>
       <p:grpSpPr>
         <a:xfrm>
-          <a:off x="0" y="0"/>
-          <a:ext cx="0" cy="0"/>
-          <a:chOff x="0" y="0"/>
-          <a:chExt cx="0" cy="0"/>
+          <a:off y="0" x="0"/>
+          <a:ext cy="0" cx="0"/>
+          <a:chOff y="0" x="0"/>
+          <a:chExt cy="0" cx="0"/>
         </a:xfrm>
       </p:grpSpPr>
       <p:sp>
         <p:nvSpPr>
-          <p:cNvPr id="2" name="Titre 1"/>
+          <p:cNvPr name="Titre 1" id="2"/>
           <p:cNvSpPr>
             <a:spLocks noGrp="true"/>
           </p:cNvSpPr>
@@ -709,8 +709,8 @@
         </p:nvSpPr>
         <p:spPr>
           <a:xfrm>
-            <a:off x="831850" y="1709738"/>
-            <a:ext cx="10515600" cy="2852737"/>
+            <a:off y="1709738" x="831850"/>
+            <a:ext cy="2852737" cx="10515600"/>
           </a:xfrm>
         </p:spPr>
         <p:txBody>
@@ -722,7 +722,7 @@
           </a:lstStyle>
           <a:p>
             <a:r>
-              <a:rPr lang="fr-FR" smtClean="false"/>
+              <a:rPr smtClean="false" lang="fr-FR"/>
               <a:t>Modifiez le style du titre</a:t>
             </a:r>
             <a:endParaRPr lang="fr-FR"/>
@@ -731,24 +731,24 @@
       </p:sp>
       <p:sp>
         <p:nvSpPr>
-          <p:cNvPr id="3" name="Espace réservé du texte 2"/>
+          <p:cNvPr name="Espace réservé du texte 2" id="3"/>
           <p:cNvSpPr>
             <a:spLocks noGrp="true"/>
           </p:cNvSpPr>
           <p:nvPr>
-            <p:ph type="body" idx="1"/>
+            <p:ph idx="1" type="body"/>
           </p:nvPr>
         </p:nvSpPr>
         <p:spPr>
           <a:xfrm>
-            <a:off x="831850" y="4589463"/>
-            <a:ext cx="10515600" cy="1500187"/>
+            <a:off y="4589463" x="831850"/>
+            <a:ext cy="1500187" cx="10515600"/>
           </a:xfrm>
         </p:spPr>
         <p:txBody>
           <a:bodyPr/>
           <a:lstStyle>
-            <a:lvl1pPr marL="0" indent="0">
+            <a:lvl1pPr indent="0" marL="0">
               <a:buNone/>
               <a:defRPr sz="2400">
                 <a:solidFill>
@@ -758,7 +758,7 @@
                 </a:solidFill>
               </a:defRPr>
             </a:lvl1pPr>
-            <a:lvl2pPr marL="457200" indent="0">
+            <a:lvl2pPr indent="0" marL="457200">
               <a:buNone/>
               <a:defRPr sz="2000">
                 <a:solidFill>
@@ -768,7 +768,7 @@
                 </a:solidFill>
               </a:defRPr>
             </a:lvl2pPr>
-            <a:lvl3pPr marL="914400" indent="0">
+            <a:lvl3pPr indent="0" marL="914400">
               <a:buNone/>
               <a:defRPr sz="1800">
                 <a:solidFill>
@@ -778,7 +778,7 @@
                 </a:solidFill>
               </a:defRPr>
             </a:lvl3pPr>
-            <a:lvl4pPr marL="1371600" indent="0">
+            <a:lvl4pPr indent="0" marL="1371600">
               <a:buNone/>
               <a:defRPr sz="1600">
                 <a:solidFill>
@@ -788,7 +788,7 @@
                 </a:solidFill>
               </a:defRPr>
             </a:lvl4pPr>
-            <a:lvl5pPr marL="1828800" indent="0">
+            <a:lvl5pPr indent="0" marL="1828800">
               <a:buNone/>
               <a:defRPr sz="1600">
                 <a:solidFill>
@@ -798,7 +798,7 @@
                 </a:solidFill>
               </a:defRPr>
             </a:lvl5pPr>
-            <a:lvl6pPr marL="2286000" indent="0">
+            <a:lvl6pPr indent="0" marL="2286000">
               <a:buNone/>
               <a:defRPr sz="1600">
                 <a:solidFill>
@@ -808,7 +808,7 @@
                 </a:solidFill>
               </a:defRPr>
             </a:lvl6pPr>
-            <a:lvl7pPr marL="2743200" indent="0">
+            <a:lvl7pPr indent="0" marL="2743200">
               <a:buNone/>
               <a:defRPr sz="1600">
                 <a:solidFill>
@@ -818,7 +818,7 @@
                 </a:solidFill>
               </a:defRPr>
             </a:lvl7pPr>
-            <a:lvl8pPr marL="3200400" indent="0">
+            <a:lvl8pPr indent="0" marL="3200400">
               <a:buNone/>
               <a:defRPr sz="1600">
                 <a:solidFill>
@@ -828,7 +828,7 @@
                 </a:solidFill>
               </a:defRPr>
             </a:lvl8pPr>
-            <a:lvl9pPr marL="3657600" indent="0">
+            <a:lvl9pPr indent="0" marL="3657600">
               <a:buNone/>
               <a:defRPr sz="1600">
                 <a:solidFill>
@@ -842,7 +842,7 @@
           <a:p>
             <a:pPr lvl="0"/>
             <a:r>
-              <a:rPr lang="fr-FR" smtClean="false"/>
+              <a:rPr smtClean="false" lang="fr-FR"/>
               <a:t>Modifiez les styles du texte du masque</a:t>
             </a:r>
           </a:p>
@@ -850,12 +850,12 @@
       </p:sp>
       <p:sp>
         <p:nvSpPr>
-          <p:cNvPr id="4" name="Espace réservé de la date 3"/>
+          <p:cNvPr name="Espace réservé de la date 3" id="4"/>
           <p:cNvSpPr>
             <a:spLocks noGrp="true"/>
           </p:cNvSpPr>
           <p:nvPr>
-            <p:ph type="dt" sz="half" idx="10"/>
+            <p:ph idx="10" sz="half" type="dt"/>
           </p:nvPr>
         </p:nvSpPr>
         <p:spPr/>
@@ -863,8 +863,8 @@
           <a:bodyPr/>
           <a:lstStyle/>
           <a:p>
-            <a:fld id="{CE3110EA-6548-4EF6-B0A9-8F847AEECEDD}" type="datetimeFigureOut">
-              <a:rPr lang="fr-FR" smtClean="false"/>
+            <a:fld type="datetimeFigureOut" id="{CE3110EA-6548-4EF6-B0A9-8F847AEECEDD}">
+              <a:rPr smtClean="false" lang="fr-FR"/>
               <a:t>07/12/2013</a:t>
             </a:fld>
             <a:endParaRPr lang="fr-FR"/>
@@ -873,12 +873,12 @@
       </p:sp>
       <p:sp>
         <p:nvSpPr>
-          <p:cNvPr id="5" name="Espace réservé du pied de page 4"/>
+          <p:cNvPr name="Espace réservé du pied de page 4" id="5"/>
           <p:cNvSpPr>
             <a:spLocks noGrp="true"/>
           </p:cNvSpPr>
           <p:nvPr>
-            <p:ph type="ftr" sz="quarter" idx="11"/>
+            <p:ph idx="11" sz="quarter" type="ftr"/>
           </p:nvPr>
         </p:nvSpPr>
         <p:spPr/>
@@ -892,12 +892,12 @@
       </p:sp>
       <p:sp>
         <p:nvSpPr>
-          <p:cNvPr id="6" name="Espace réservé du numéro de diapositive 5"/>
+          <p:cNvPr name="Espace réservé du numéro de diapositive 5" id="6"/>
           <p:cNvSpPr>
             <a:spLocks noGrp="true"/>
           </p:cNvSpPr>
           <p:nvPr>
-            <p:ph type="sldNum" sz="quarter" idx="12"/>
+            <p:ph idx="12" sz="quarter" type="sldNum"/>
           </p:nvPr>
         </p:nvSpPr>
         <p:spPr/>
@@ -905,8 +905,8 @@
           <a:bodyPr/>
           <a:lstStyle/>
           <a:p>
-            <a:fld id="{C47AABF0-D73A-43C1-84CC-8A30B6535388}" type="slidenum">
-              <a:rPr lang="fr-FR" smtClean="false"/>
+            <a:fld type="slidenum" id="{C47AABF0-D73A-43C1-84CC-8A30B6535388}">
+              <a:rPr smtClean="false" lang="fr-FR"/>
               <a:t>‹N°›</a:t>
             </a:fld>
             <a:endParaRPr lang="fr-FR"/>
@@ -926,7 +926,7 @@
   <p:timing>
     <p:tnLst>
       <p:par>
-        <p:cTn id="1" dur="indefinite" restart="never" nodeType="tmRoot"/>
+        <p:cTn nodeType="tmRoot" restart="never" dur="indefinite" id="1"/>
       </p:par>
     </p:tnLst>
   </p:timing>
@@ -934,25 +934,25 @@
 </file>
 
 <file path=ppt/slideLayouts/slideLayout4.xml><?xml version="1.0" encoding="utf-8"?>
-<p:sldLayout xmlns:r="http://schemas.openxmlformats.org/officeDocument/2006/relationships" xmlns:a="http://schemas.openxmlformats.org/drawingml/2006/main" xmlns:p="http://schemas.openxmlformats.org/presentationml/2006/main" xmlns:mc="http://schemas.openxmlformats.org/markup-compatibility/2006" xmlns:c="http://schemas.openxmlformats.org/drawingml/2006/chart" xmlns:ns6="http://schemas.openxmlformats.org/drawingml/2006/chartDrawing" xmlns:dgm="http://schemas.openxmlformats.org/drawingml/2006/diagram" xmlns:pic="http://schemas.openxmlformats.org/drawingml/2006/picture" xmlns:wp="http://schemas.openxmlformats.org/drawingml/2006/wordprocessingDrawing" xmlns:xdr="http://schemas.openxmlformats.org/drawingml/2006/spreadsheetDrawing" xmlns:ns11="http://schemas.openxmlformats.org/drawingml/2006/compatibility" xmlns:ns12="http://schemas.openxmlformats.org/drawingml/2006/lockedCanvas" type="twoObj" preserve="true">
+<p:sldLayout xmlns:r="http://schemas.openxmlformats.org/officeDocument/2006/relationships" xmlns:a="http://schemas.openxmlformats.org/drawingml/2006/main" xmlns:p="http://schemas.openxmlformats.org/presentationml/2006/main" xmlns:mc="http://schemas.openxmlformats.org/markup-compatibility/2006" xmlns:c="http://schemas.openxmlformats.org/drawingml/2006/chart" xmlns:ns6="http://schemas.openxmlformats.org/drawingml/2006/chartDrawing" xmlns:dgm="http://schemas.openxmlformats.org/drawingml/2006/diagram" xmlns:pic="http://schemas.openxmlformats.org/drawingml/2006/picture" xmlns:wp="http://schemas.openxmlformats.org/drawingml/2006/wordprocessingDrawing" xmlns:xdr="http://schemas.openxmlformats.org/drawingml/2006/spreadsheetDrawing" xmlns:ns11="http://schemas.openxmlformats.org/drawingml/2006/compatibility" xmlns:ns12="http://schemas.openxmlformats.org/drawingml/2006/lockedCanvas" preserve="true" type="twoObj">
   <p:cSld name="Two Content">
     <p:spTree>
       <p:nvGrpSpPr>
-        <p:cNvPr id="1" name=""/>
+        <p:cNvPr name="" id="1"/>
         <p:cNvGrpSpPr/>
         <p:nvPr/>
       </p:nvGrpSpPr>
       <p:grpSpPr>
         <a:xfrm>
-          <a:off x="0" y="0"/>
-          <a:ext cx="0" cy="0"/>
-          <a:chOff x="0" y="0"/>
-          <a:chExt cx="0" cy="0"/>
+          <a:off y="0" x="0"/>
+          <a:ext cy="0" cx="0"/>
+          <a:chOff y="0" x="0"/>
+          <a:chExt cy="0" cx="0"/>
         </a:xfrm>
       </p:grpSpPr>
       <p:sp>
         <p:nvSpPr>
-          <p:cNvPr id="2" name="Titre 1"/>
+          <p:cNvPr name="Titre 1" id="2"/>
           <p:cNvSpPr>
             <a:spLocks noGrp="true"/>
           </p:cNvSpPr>
@@ -966,7 +966,7 @@
           <a:lstStyle/>
           <a:p>
             <a:r>
-              <a:rPr lang="fr-FR" smtClean="false"/>
+              <a:rPr smtClean="false" lang="fr-FR"/>
               <a:t>Modifiez le style du titre</a:t>
             </a:r>
             <a:endParaRPr lang="fr-FR"/>
@@ -975,18 +975,18 @@
       </p:sp>
       <p:sp>
         <p:nvSpPr>
-          <p:cNvPr id="3" name="Espace réservé du contenu 2"/>
+          <p:cNvPr name="Espace réservé du contenu 2" id="3"/>
           <p:cNvSpPr>
             <a:spLocks noGrp="true"/>
           </p:cNvSpPr>
           <p:nvPr>
-            <p:ph sz="half" idx="1"/>
+            <p:ph idx="1" sz="half"/>
           </p:nvPr>
         </p:nvSpPr>
         <p:spPr>
           <a:xfrm>
-            <a:off x="838200" y="1825625"/>
-            <a:ext cx="5181600" cy="4351338"/>
+            <a:off y="1825625" x="838200"/>
+            <a:ext cy="4351338" cx="5181600"/>
           </a:xfrm>
         </p:spPr>
         <p:txBody>
@@ -995,35 +995,35 @@
           <a:p>
             <a:pPr lvl="0"/>
             <a:r>
-              <a:rPr lang="fr-FR" smtClean="false"/>
+              <a:rPr smtClean="false" lang="fr-FR"/>
               <a:t>Modifiez les styles du texte du masque</a:t>
             </a:r>
           </a:p>
           <a:p>
             <a:pPr lvl="1"/>
             <a:r>
-              <a:rPr lang="fr-FR" smtClean="false"/>
+              <a:rPr smtClean="false" lang="fr-FR"/>
               <a:t>Deuxième niveau</a:t>
             </a:r>
           </a:p>
           <a:p>
             <a:pPr lvl="2"/>
             <a:r>
-              <a:rPr lang="fr-FR" smtClean="false"/>
+              <a:rPr smtClean="false" lang="fr-FR"/>
               <a:t>Troisième niveau</a:t>
             </a:r>
           </a:p>
           <a:p>
             <a:pPr lvl="3"/>
             <a:r>
-              <a:rPr lang="fr-FR" smtClean="false"/>
+              <a:rPr smtClean="false" lang="fr-FR"/>
               <a:t>Quatrième niveau</a:t>
             </a:r>
           </a:p>
           <a:p>
             <a:pPr lvl="4"/>
             <a:r>
-              <a:rPr lang="fr-FR" smtClean="false"/>
+              <a:rPr smtClean="false" lang="fr-FR"/>
               <a:t>Cinquième niveau</a:t>
             </a:r>
             <a:endParaRPr lang="fr-FR"/>
@@ -1032,18 +1032,18 @@
       </p:sp>
       <p:sp>
         <p:nvSpPr>
-          <p:cNvPr id="4" name="Espace réservé du contenu 3"/>
+          <p:cNvPr name="Espace réservé du contenu 3" id="4"/>
           <p:cNvSpPr>
             <a:spLocks noGrp="true"/>
           </p:cNvSpPr>
           <p:nvPr>
-            <p:ph sz="half" idx="2"/>
+            <p:ph idx="2" sz="half"/>
           </p:nvPr>
         </p:nvSpPr>
         <p:spPr>
           <a:xfrm>
-            <a:off x="6172200" y="1825625"/>
-            <a:ext cx="5181600" cy="4351338"/>
+            <a:off y="1825625" x="6172200"/>
+            <a:ext cy="4351338" cx="5181600"/>
           </a:xfrm>
         </p:spPr>
         <p:txBody>
@@ -1052,35 +1052,35 @@
           <a:p>
             <a:pPr lvl="0"/>
             <a:r>
-              <a:rPr lang="fr-FR" smtClean="false"/>
+              <a:rPr smtClean="false" lang="fr-FR"/>
               <a:t>Modifiez les styles du texte du masque</a:t>
             </a:r>
           </a:p>
           <a:p>
             <a:pPr lvl="1"/>
             <a:r>
-              <a:rPr lang="fr-FR" smtClean="false"/>
+              <a:rPr smtClean="false" lang="fr-FR"/>
               <a:t>Deuxième niveau</a:t>
             </a:r>
           </a:p>
           <a:p>
             <a:pPr lvl="2"/>
             <a:r>
-              <a:rPr lang="fr-FR" smtClean="false"/>
+              <a:rPr smtClean="false" lang="fr-FR"/>
               <a:t>Troisième niveau</a:t>
             </a:r>
           </a:p>
           <a:p>
             <a:pPr lvl="3"/>
             <a:r>
-              <a:rPr lang="fr-FR" smtClean="false"/>
+              <a:rPr smtClean="false" lang="fr-FR"/>
               <a:t>Quatrième niveau</a:t>
             </a:r>
           </a:p>
           <a:p>
             <a:pPr lvl="4"/>
             <a:r>
-              <a:rPr lang="fr-FR" smtClean="false"/>
+              <a:rPr smtClean="false" lang="fr-FR"/>
               <a:t>Cinquième niveau</a:t>
             </a:r>
             <a:endParaRPr lang="fr-FR"/>
@@ -1089,12 +1089,12 @@
       </p:sp>
       <p:sp>
         <p:nvSpPr>
-          <p:cNvPr id="5" name="Espace réservé de la date 4"/>
+          <p:cNvPr name="Espace réservé de la date 4" id="5"/>
           <p:cNvSpPr>
             <a:spLocks noGrp="true"/>
           </p:cNvSpPr>
           <p:nvPr>
-            <p:ph type="dt" sz="half" idx="10"/>
+            <p:ph idx="10" sz="half" type="dt"/>
           </p:nvPr>
         </p:nvSpPr>
         <p:spPr/>
@@ -1102,8 +1102,8 @@
           <a:bodyPr/>
           <a:lstStyle/>
           <a:p>
-            <a:fld id="{CE3110EA-6548-4EF6-B0A9-8F847AEECEDD}" type="datetimeFigureOut">
-              <a:rPr lang="fr-FR" smtClean="false"/>
+            <a:fld type="datetimeFigureOut" id="{CE3110EA-6548-4EF6-B0A9-8F847AEECEDD}">
+              <a:rPr smtClean="false" lang="fr-FR"/>
               <a:t>07/12/2013</a:t>
             </a:fld>
             <a:endParaRPr lang="fr-FR"/>
@@ -1112,12 +1112,12 @@
       </p:sp>
       <p:sp>
         <p:nvSpPr>
-          <p:cNvPr id="7" name="Espace réservé du numéro de diapositive 6"/>
+          <p:cNvPr name="Espace réservé du numéro de diapositive 6" id="7"/>
           <p:cNvSpPr>
             <a:spLocks noGrp="true"/>
           </p:cNvSpPr>
           <p:nvPr>
-            <p:ph type="sldNum" sz="quarter" idx="12"/>
+            <p:ph idx="12" sz="quarter" type="sldNum"/>
           </p:nvPr>
         </p:nvSpPr>
         <p:spPr/>
@@ -1125,8 +1125,8 @@
           <a:bodyPr/>
           <a:lstStyle/>
           <a:p>
-            <a:fld id="{C47AABF0-D73A-43C1-84CC-8A30B6535388}" type="slidenum">
-              <a:rPr lang="fr-FR" smtClean="false"/>
+            <a:fld type="slidenum" id="{C47AABF0-D73A-43C1-84CC-8A30B6535388}">
+              <a:rPr smtClean="false" lang="fr-FR"/>
               <a:t>‹N°›</a:t>
             </a:fld>
             <a:endParaRPr lang="fr-FR"/>
@@ -1135,12 +1135,12 @@
       </p:sp>
       <p:sp>
         <p:nvSpPr>
-          <p:cNvPr id="6" name="Espace réservé du pied de page 5"/>
+          <p:cNvPr name="Espace réservé du pied de page 5" id="6"/>
           <p:cNvSpPr>
             <a:spLocks noGrp="true"/>
           </p:cNvSpPr>
           <p:nvPr>
-            <p:ph type="ftr" sz="quarter" idx="13"/>
+            <p:ph idx="13" sz="quarter" type="ftr"/>
           </p:nvPr>
         </p:nvSpPr>
         <p:spPr/>
@@ -1165,7 +1165,7 @@
   <p:timing>
     <p:tnLst>
       <p:par>
-        <p:cTn id="1" dur="indefinite" restart="never" nodeType="tmRoot"/>
+        <p:cTn nodeType="tmRoot" restart="never" dur="indefinite" id="1"/>
       </p:par>
     </p:tnLst>
   </p:timing>
@@ -1173,25 +1173,25 @@
 </file>
 
 <file path=ppt/slideLayouts/slideLayout5.xml><?xml version="1.0" encoding="utf-8"?>
-<p:sldLayout xmlns:r="http://schemas.openxmlformats.org/officeDocument/2006/relationships" xmlns:a="http://schemas.openxmlformats.org/drawingml/2006/main" xmlns:p="http://schemas.openxmlformats.org/presentationml/2006/main" xmlns:mc="http://schemas.openxmlformats.org/markup-compatibility/2006" xmlns:c="http://schemas.openxmlformats.org/drawingml/2006/chart" xmlns:ns6="http://schemas.openxmlformats.org/drawingml/2006/chartDrawing" xmlns:dgm="http://schemas.openxmlformats.org/drawingml/2006/diagram" xmlns:pic="http://schemas.openxmlformats.org/drawingml/2006/picture" xmlns:wp="http://schemas.openxmlformats.org/drawingml/2006/wordprocessingDrawing" xmlns:xdr="http://schemas.openxmlformats.org/drawingml/2006/spreadsheetDrawing" xmlns:ns11="http://schemas.openxmlformats.org/drawingml/2006/compatibility" xmlns:ns12="http://schemas.openxmlformats.org/drawingml/2006/lockedCanvas" type="twoTxTwoObj" preserve="true">
+<p:sldLayout xmlns:r="http://schemas.openxmlformats.org/officeDocument/2006/relationships" xmlns:a="http://schemas.openxmlformats.org/drawingml/2006/main" xmlns:p="http://schemas.openxmlformats.org/presentationml/2006/main" xmlns:mc="http://schemas.openxmlformats.org/markup-compatibility/2006" xmlns:c="http://schemas.openxmlformats.org/drawingml/2006/chart" xmlns:ns6="http://schemas.openxmlformats.org/drawingml/2006/chartDrawing" xmlns:dgm="http://schemas.openxmlformats.org/drawingml/2006/diagram" xmlns:pic="http://schemas.openxmlformats.org/drawingml/2006/picture" xmlns:wp="http://schemas.openxmlformats.org/drawingml/2006/wordprocessingDrawing" xmlns:xdr="http://schemas.openxmlformats.org/drawingml/2006/spreadsheetDrawing" xmlns:ns11="http://schemas.openxmlformats.org/drawingml/2006/compatibility" xmlns:ns12="http://schemas.openxmlformats.org/drawingml/2006/lockedCanvas" preserve="true" type="twoTxTwoObj">
   <p:cSld name="Comparison">
     <p:spTree>
       <p:nvGrpSpPr>
-        <p:cNvPr id="1" name=""/>
+        <p:cNvPr name="" id="1"/>
         <p:cNvGrpSpPr/>
         <p:nvPr/>
       </p:nvGrpSpPr>
       <p:grpSpPr>
         <a:xfrm>
-          <a:off x="0" y="0"/>
-          <a:ext cx="0" cy="0"/>
-          <a:chOff x="0" y="0"/>
-          <a:chExt cx="0" cy="0"/>
+          <a:off y="0" x="0"/>
+          <a:ext cy="0" cx="0"/>
+          <a:chOff y="0" x="0"/>
+          <a:chExt cy="0" cx="0"/>
         </a:xfrm>
       </p:grpSpPr>
       <p:sp>
         <p:nvSpPr>
-          <p:cNvPr id="2" name="Titre 1"/>
+          <p:cNvPr name="Titre 1" id="2"/>
           <p:cNvSpPr>
             <a:spLocks noGrp="true"/>
           </p:cNvSpPr>
@@ -1201,8 +1201,8 @@
         </p:nvSpPr>
         <p:spPr>
           <a:xfrm>
-            <a:off x="839788" y="365125"/>
-            <a:ext cx="10515600" cy="1325563"/>
+            <a:off y="365125" x="839788"/>
+            <a:ext cy="1325563" cx="10515600"/>
           </a:xfrm>
         </p:spPr>
         <p:txBody>
@@ -1210,7 +1210,7 @@
           <a:lstStyle/>
           <a:p>
             <a:r>
-              <a:rPr lang="fr-FR" smtClean="false"/>
+              <a:rPr smtClean="false" lang="fr-FR"/>
               <a:t>Modifiez le style du titre</a:t>
             </a:r>
             <a:endParaRPr lang="fr-FR"/>
@@ -1219,64 +1219,64 @@
       </p:sp>
       <p:sp>
         <p:nvSpPr>
-          <p:cNvPr id="3" name="Espace réservé du texte 2"/>
+          <p:cNvPr name="Espace réservé du texte 2" id="3"/>
           <p:cNvSpPr>
             <a:spLocks noGrp="true"/>
           </p:cNvSpPr>
           <p:nvPr>
-            <p:ph type="body" idx="1"/>
+            <p:ph idx="1" type="body"/>
           </p:nvPr>
         </p:nvSpPr>
         <p:spPr>
           <a:xfrm>
-            <a:off x="839788" y="1681163"/>
-            <a:ext cx="5157787" cy="823912"/>
+            <a:off y="1681163" x="839788"/>
+            <a:ext cy="823912" cx="5157787"/>
           </a:xfrm>
         </p:spPr>
         <p:txBody>
           <a:bodyPr anchor="b"/>
           <a:lstStyle>
-            <a:lvl1pPr marL="0" indent="0">
+            <a:lvl1pPr indent="0" marL="0">
               <a:buNone/>
-              <a:defRPr sz="2400" b="true"/>
+              <a:defRPr b="true" sz="2400"/>
             </a:lvl1pPr>
-            <a:lvl2pPr marL="457200" indent="0">
+            <a:lvl2pPr indent="0" marL="457200">
               <a:buNone/>
-              <a:defRPr sz="2000" b="true"/>
+              <a:defRPr b="true" sz="2000"/>
             </a:lvl2pPr>
-            <a:lvl3pPr marL="914400" indent="0">
+            <a:lvl3pPr indent="0" marL="914400">
               <a:buNone/>
-              <a:defRPr sz="1800" b="true"/>
+              <a:defRPr b="true" sz="1800"/>
             </a:lvl3pPr>
-            <a:lvl4pPr marL="1371600" indent="0">
+            <a:lvl4pPr indent="0" marL="1371600">
               <a:buNone/>
-              <a:defRPr sz="1600" b="true"/>
+              <a:defRPr b="true" sz="1600"/>
             </a:lvl4pPr>
-            <a:lvl5pPr marL="1828800" indent="0">
+            <a:lvl5pPr indent="0" marL="1828800">
               <a:buNone/>
-              <a:defRPr sz="1600" b="true"/>
+              <a:defRPr b="true" sz="1600"/>
             </a:lvl5pPr>
-            <a:lvl6pPr marL="2286000" indent="0">
+            <a:lvl6pPr indent="0" marL="2286000">
               <a:buNone/>
-              <a:defRPr sz="1600" b="true"/>
+              <a:defRPr b="true" sz="1600"/>
             </a:lvl6pPr>
-            <a:lvl7pPr marL="2743200" indent="0">
+            <a:lvl7pPr indent="0" marL="2743200">
               <a:buNone/>
-              <a:defRPr sz="1600" b="true"/>
+              <a:defRPr b="true" sz="1600"/>
             </a:lvl7pPr>
-            <a:lvl8pPr marL="3200400" indent="0">
+            <a:lvl8pPr indent="0" marL="3200400">
               <a:buNone/>
-              <a:defRPr sz="1600" b="true"/>
+              <a:defRPr b="true" sz="1600"/>
             </a:lvl8pPr>
-            <a:lvl9pPr marL="3657600" indent="0">
+            <a:lvl9pPr indent="0" marL="3657600">
               <a:buNone/>
-              <a:defRPr sz="1600" b="true"/>
+              <a:defRPr b="true" sz="1600"/>
             </a:lvl9pPr>
           </a:lstStyle>
           <a:p>
             <a:pPr lvl="0"/>
             <a:r>
-              <a:rPr lang="fr-FR" smtClean="false"/>
+              <a:rPr smtClean="false" lang="fr-FR"/>
               <a:t>Modifiez les styles du texte du masque</a:t>
             </a:r>
           </a:p>
@@ -1284,18 +1284,18 @@
       </p:sp>
       <p:sp>
         <p:nvSpPr>
-          <p:cNvPr id="4" name="Espace réservé du contenu 3"/>
+          <p:cNvPr name="Espace réservé du contenu 3" id="4"/>
           <p:cNvSpPr>
             <a:spLocks noGrp="true"/>
           </p:cNvSpPr>
           <p:nvPr>
-            <p:ph sz="half" idx="2"/>
+            <p:ph idx="2" sz="half"/>
           </p:nvPr>
         </p:nvSpPr>
         <p:spPr>
           <a:xfrm>
-            <a:off x="839788" y="2505075"/>
-            <a:ext cx="5157787" cy="3684588"/>
+            <a:off y="2505075" x="839788"/>
+            <a:ext cy="3684588" cx="5157787"/>
           </a:xfrm>
         </p:spPr>
         <p:txBody>
@@ -1304,35 +1304,35 @@
           <a:p>
             <a:pPr lvl="0"/>
             <a:r>
-              <a:rPr lang="fr-FR" smtClean="false"/>
+              <a:rPr smtClean="false" lang="fr-FR"/>
               <a:t>Modifiez les styles du texte du masque</a:t>
             </a:r>
           </a:p>
           <a:p>
             <a:pPr lvl="1"/>
             <a:r>
-              <a:rPr lang="fr-FR" smtClean="false"/>
+              <a:rPr smtClean="false" lang="fr-FR"/>
               <a:t>Deuxième niveau</a:t>
             </a:r>
           </a:p>
           <a:p>
             <a:pPr lvl="2"/>
             <a:r>
-              <a:rPr lang="fr-FR" smtClean="false"/>
+              <a:rPr smtClean="false" lang="fr-FR"/>
               <a:t>Troisième niveau</a:t>
             </a:r>
           </a:p>
           <a:p>
             <a:pPr lvl="3"/>
             <a:r>
-              <a:rPr lang="fr-FR" smtClean="false"/>
+              <a:rPr smtClean="false" lang="fr-FR"/>
               <a:t>Quatrième niveau</a:t>
             </a:r>
           </a:p>
           <a:p>
             <a:pPr lvl="4"/>
             <a:r>
-              <a:rPr lang="fr-FR" smtClean="false"/>
+              <a:rPr smtClean="false" lang="fr-FR"/>
               <a:t>Cinquième niveau</a:t>
             </a:r>
             <a:endParaRPr lang="fr-FR"/>
@@ -1341,64 +1341,64 @@
       </p:sp>
       <p:sp>
         <p:nvSpPr>
-          <p:cNvPr id="5" name="Espace réservé du texte 4"/>
+          <p:cNvPr name="Espace réservé du texte 4" id="5"/>
           <p:cNvSpPr>
             <a:spLocks noGrp="true"/>
           </p:cNvSpPr>
           <p:nvPr>
-            <p:ph type="body" sz="quarter" idx="3"/>
+            <p:ph idx="3" sz="quarter" type="body"/>
           </p:nvPr>
         </p:nvSpPr>
         <p:spPr>
           <a:xfrm>
-            <a:off x="6172200" y="1681163"/>
-            <a:ext cx="5183188" cy="823912"/>
+            <a:off y="1681163" x="6172200"/>
+            <a:ext cy="823912" cx="5183188"/>
           </a:xfrm>
         </p:spPr>
         <p:txBody>
           <a:bodyPr anchor="b"/>
           <a:lstStyle>
-            <a:lvl1pPr marL="0" indent="0">
+            <a:lvl1pPr indent="0" marL="0">
               <a:buNone/>
-              <a:defRPr sz="2400" b="true"/>
+              <a:defRPr b="true" sz="2400"/>
             </a:lvl1pPr>
-            <a:lvl2pPr marL="457200" indent="0">
+            <a:lvl2pPr indent="0" marL="457200">
               <a:buNone/>
-              <a:defRPr sz="2000" b="true"/>
+              <a:defRPr b="true" sz="2000"/>
             </a:lvl2pPr>
-            <a:lvl3pPr marL="914400" indent="0">
+            <a:lvl3pPr indent="0" marL="914400">
               <a:buNone/>
-              <a:defRPr sz="1800" b="true"/>
+              <a:defRPr b="true" sz="1800"/>
             </a:lvl3pPr>
-            <a:lvl4pPr marL="1371600" indent="0">
+            <a:lvl4pPr indent="0" marL="1371600">
               <a:buNone/>
-              <a:defRPr sz="1600" b="true"/>
+              <a:defRPr b="true" sz="1600"/>
             </a:lvl4pPr>
-            <a:lvl5pPr marL="1828800" indent="0">
+            <a:lvl5pPr indent="0" marL="1828800">
               <a:buNone/>
-              <a:defRPr sz="1600" b="true"/>
+              <a:defRPr b="true" sz="1600"/>
             </a:lvl5pPr>
-            <a:lvl6pPr marL="2286000" indent="0">
+            <a:lvl6pPr indent="0" marL="2286000">
               <a:buNone/>
-              <a:defRPr sz="1600" b="true"/>
+              <a:defRPr b="true" sz="1600"/>
             </a:lvl6pPr>
-            <a:lvl7pPr marL="2743200" indent="0">
+            <a:lvl7pPr indent="0" marL="2743200">
               <a:buNone/>
-              <a:defRPr sz="1600" b="true"/>
+              <a:defRPr b="true" sz="1600"/>
             </a:lvl7pPr>
-            <a:lvl8pPr marL="3200400" indent="0">
+            <a:lvl8pPr indent="0" marL="3200400">
               <a:buNone/>
-              <a:defRPr sz="1600" b="true"/>
+              <a:defRPr b="true" sz="1600"/>
             </a:lvl8pPr>
-            <a:lvl9pPr marL="3657600" indent="0">
+            <a:lvl9pPr indent="0" marL="3657600">
               <a:buNone/>
-              <a:defRPr sz="1600" b="true"/>
+              <a:defRPr b="true" sz="1600"/>
             </a:lvl9pPr>
           </a:lstStyle>
           <a:p>
             <a:pPr lvl="0"/>
             <a:r>
-              <a:rPr lang="fr-FR" smtClean="false"/>
+              <a:rPr smtClean="false" lang="fr-FR"/>
               <a:t>Modifiez les styles du texte du masque</a:t>
             </a:r>
           </a:p>
@@ -1406,18 +1406,18 @@
       </p:sp>
       <p:sp>
         <p:nvSpPr>
-          <p:cNvPr id="6" name="Espace réservé du contenu 5"/>
+          <p:cNvPr name="Espace réservé du contenu 5" id="6"/>
           <p:cNvSpPr>
             <a:spLocks noGrp="true"/>
           </p:cNvSpPr>
           <p:nvPr>
-            <p:ph sz="quarter" idx="4"/>
+            <p:ph idx="4" sz="quarter"/>
           </p:nvPr>
         </p:nvSpPr>
         <p:spPr>
           <a:xfrm>
-            <a:off x="6172200" y="2505075"/>
-            <a:ext cx="5183188" cy="3684588"/>
+            <a:off y="2505075" x="6172200"/>
+            <a:ext cy="3684588" cx="5183188"/>
           </a:xfrm>
         </p:spPr>
         <p:txBody>
@@ -1426,35 +1426,35 @@
           <a:p>
             <a:pPr lvl="0"/>
             <a:r>
-              <a:rPr lang="fr-FR" smtClean="false"/>
+              <a:rPr smtClean="false" lang="fr-FR"/>
               <a:t>Modifiez les styles du texte du masque</a:t>
             </a:r>
           </a:p>
           <a:p>
             <a:pPr lvl="1"/>
             <a:r>
-              <a:rPr lang="fr-FR" smtClean="false"/>
+              <a:rPr smtClean="false" lang="fr-FR"/>
               <a:t>Deuxième niveau</a:t>
             </a:r>
           </a:p>
           <a:p>
             <a:pPr lvl="2"/>
             <a:r>
-              <a:rPr lang="fr-FR" smtClean="false"/>
+              <a:rPr smtClean="false" lang="fr-FR"/>
               <a:t>Troisième niveau</a:t>
             </a:r>
           </a:p>
           <a:p>
             <a:pPr lvl="3"/>
             <a:r>
-              <a:rPr lang="fr-FR" smtClean="false"/>
+              <a:rPr smtClean="false" lang="fr-FR"/>
               <a:t>Quatrième niveau</a:t>
             </a:r>
           </a:p>
           <a:p>
             <a:pPr lvl="4"/>
             <a:r>
-              <a:rPr lang="fr-FR" smtClean="false"/>
+              <a:rPr smtClean="false" lang="fr-FR"/>
               <a:t>Cinquième niveau</a:t>
             </a:r>
             <a:endParaRPr lang="fr-FR"/>
@@ -1463,12 +1463,12 @@
       </p:sp>
       <p:sp>
         <p:nvSpPr>
-          <p:cNvPr id="7" name="Espace réservé de la date 6"/>
+          <p:cNvPr name="Espace réservé de la date 6" id="7"/>
           <p:cNvSpPr>
             <a:spLocks noGrp="true"/>
           </p:cNvSpPr>
           <p:nvPr>
-            <p:ph type="dt" sz="half" idx="10"/>
+            <p:ph idx="10" sz="half" type="dt"/>
           </p:nvPr>
         </p:nvSpPr>
         <p:spPr/>
@@ -1476,8 +1476,8 @@
           <a:bodyPr/>
           <a:lstStyle/>
           <a:p>
-            <a:fld id="{CE3110EA-6548-4EF6-B0A9-8F847AEECEDD}" type="datetimeFigureOut">
-              <a:rPr lang="fr-FR" smtClean="false"/>
+            <a:fld type="datetimeFigureOut" id="{CE3110EA-6548-4EF6-B0A9-8F847AEECEDD}">
+              <a:rPr smtClean="false" lang="fr-FR"/>
               <a:t>07/12/2013</a:t>
             </a:fld>
             <a:endParaRPr lang="fr-FR"/>
@@ -1486,12 +1486,12 @@
       </p:sp>
       <p:sp>
         <p:nvSpPr>
-          <p:cNvPr id="9" name="Espace réservé du numéro de diapositive 8"/>
+          <p:cNvPr name="Espace réservé du numéro de diapositive 8" id="9"/>
           <p:cNvSpPr>
             <a:spLocks noGrp="true"/>
           </p:cNvSpPr>
           <p:nvPr>
-            <p:ph type="sldNum" sz="quarter" idx="12"/>
+            <p:ph idx="12" sz="quarter" type="sldNum"/>
           </p:nvPr>
         </p:nvSpPr>
         <p:spPr/>
@@ -1499,8 +1499,8 @@
           <a:bodyPr/>
           <a:lstStyle/>
           <a:p>
-            <a:fld id="{C47AABF0-D73A-43C1-84CC-8A30B6535388}" type="slidenum">
-              <a:rPr lang="fr-FR" smtClean="false"/>
+            <a:fld type="slidenum" id="{C47AABF0-D73A-43C1-84CC-8A30B6535388}">
+              <a:rPr smtClean="false" lang="fr-FR"/>
               <a:t>‹N°›</a:t>
             </a:fld>
             <a:endParaRPr lang="fr-FR"/>
@@ -1520,7 +1520,7 @@
   <p:timing>
     <p:tnLst>
       <p:par>
-        <p:cTn id="1" dur="indefinite" restart="never" nodeType="tmRoot"/>
+        <p:cTn nodeType="tmRoot" restart="never" dur="indefinite" id="1"/>
       </p:par>
     </p:tnLst>
   </p:timing>
@@ -1528,25 +1528,25 @@
 </file>
 
 <file path=ppt/slideLayouts/slideLayout6.xml><?xml version="1.0" encoding="utf-8"?>
-<p:sldLayout xmlns:r="http://schemas.openxmlformats.org/officeDocument/2006/relationships" xmlns:a="http://schemas.openxmlformats.org/drawingml/2006/main" xmlns:p="http://schemas.openxmlformats.org/presentationml/2006/main" xmlns:mc="http://schemas.openxmlformats.org/markup-compatibility/2006" xmlns:c="http://schemas.openxmlformats.org/drawingml/2006/chart" xmlns:ns6="http://schemas.openxmlformats.org/drawingml/2006/chartDrawing" xmlns:dgm="http://schemas.openxmlformats.org/drawingml/2006/diagram" xmlns:pic="http://schemas.openxmlformats.org/drawingml/2006/picture" xmlns:wp="http://schemas.openxmlformats.org/drawingml/2006/wordprocessingDrawing" xmlns:xdr="http://schemas.openxmlformats.org/drawingml/2006/spreadsheetDrawing" xmlns:ns11="http://schemas.openxmlformats.org/drawingml/2006/compatibility" xmlns:ns12="http://schemas.openxmlformats.org/drawingml/2006/lockedCanvas" type="titleOnly" preserve="true">
+<p:sldLayout xmlns:r="http://schemas.openxmlformats.org/officeDocument/2006/relationships" xmlns:a="http://schemas.openxmlformats.org/drawingml/2006/main" xmlns:p="http://schemas.openxmlformats.org/presentationml/2006/main" xmlns:mc="http://schemas.openxmlformats.org/markup-compatibility/2006" xmlns:c="http://schemas.openxmlformats.org/drawingml/2006/chart" xmlns:ns6="http://schemas.openxmlformats.org/drawingml/2006/chartDrawing" xmlns:dgm="http://schemas.openxmlformats.org/drawingml/2006/diagram" xmlns:pic="http://schemas.openxmlformats.org/drawingml/2006/picture" xmlns:wp="http://schemas.openxmlformats.org/drawingml/2006/wordprocessingDrawing" xmlns:xdr="http://schemas.openxmlformats.org/drawingml/2006/spreadsheetDrawing" xmlns:ns11="http://schemas.openxmlformats.org/drawingml/2006/compatibility" xmlns:ns12="http://schemas.openxmlformats.org/drawingml/2006/lockedCanvas" preserve="true" type="titleOnly">
   <p:cSld name="Title Only">
     <p:spTree>
       <p:nvGrpSpPr>
-        <p:cNvPr id="1" name=""/>
+        <p:cNvPr name="" id="1"/>
         <p:cNvGrpSpPr/>
         <p:nvPr/>
       </p:nvGrpSpPr>
       <p:grpSpPr>
         <a:xfrm>
-          <a:off x="0" y="0"/>
-          <a:ext cx="0" cy="0"/>
-          <a:chOff x="0" y="0"/>
-          <a:chExt cx="0" cy="0"/>
+          <a:off y="0" x="0"/>
+          <a:ext cy="0" cx="0"/>
+          <a:chOff y="0" x="0"/>
+          <a:chExt cy="0" cx="0"/>
         </a:xfrm>
       </p:grpSpPr>
       <p:sp>
         <p:nvSpPr>
-          <p:cNvPr id="2" name="Titre 1"/>
+          <p:cNvPr name="Titre 1" id="2"/>
           <p:cNvSpPr>
             <a:spLocks noGrp="true"/>
           </p:cNvSpPr>
@@ -1560,7 +1560,7 @@
           <a:lstStyle/>
           <a:p>
             <a:r>
-              <a:rPr lang="fr-FR" smtClean="false"/>
+              <a:rPr smtClean="false" lang="fr-FR"/>
               <a:t>Modifiez le style du titre</a:t>
             </a:r>
             <a:endParaRPr lang="fr-FR"/>
@@ -1569,12 +1569,12 @@
       </p:sp>
       <p:sp>
         <p:nvSpPr>
-          <p:cNvPr id="3" name="Espace réservé de la date 2"/>
+          <p:cNvPr name="Espace réservé de la date 2" id="3"/>
           <p:cNvSpPr>
             <a:spLocks noGrp="true"/>
           </p:cNvSpPr>
           <p:nvPr>
-            <p:ph type="dt" sz="half" idx="10"/>
+            <p:ph idx="10" sz="half" type="dt"/>
           </p:nvPr>
         </p:nvSpPr>
         <p:spPr/>
@@ -1582,8 +1582,8 @@
           <a:bodyPr/>
           <a:lstStyle/>
           <a:p>
-            <a:fld id="{CE3110EA-6548-4EF6-B0A9-8F847AEECEDD}" type="datetimeFigureOut">
-              <a:rPr lang="fr-FR" smtClean="false"/>
+            <a:fld type="datetimeFigureOut" id="{CE3110EA-6548-4EF6-B0A9-8F847AEECEDD}">
+              <a:rPr smtClean="false" lang="fr-FR"/>
               <a:t>07/12/2013</a:t>
             </a:fld>
             <a:endParaRPr lang="fr-FR"/>
@@ -1592,12 +1592,12 @@
       </p:sp>
       <p:sp>
         <p:nvSpPr>
-          <p:cNvPr id="4" name="Espace réservé du pied de page 3"/>
+          <p:cNvPr name="Espace réservé du pied de page 3" id="4"/>
           <p:cNvSpPr>
             <a:spLocks noGrp="true"/>
           </p:cNvSpPr>
           <p:nvPr>
-            <p:ph type="ftr" sz="quarter" idx="11"/>
+            <p:ph idx="11" sz="quarter" type="ftr"/>
           </p:nvPr>
         </p:nvSpPr>
         <p:spPr/>
@@ -1611,12 +1611,12 @@
       </p:sp>
       <p:sp>
         <p:nvSpPr>
-          <p:cNvPr id="5" name="Espace réservé du numéro de diapositive 4"/>
+          <p:cNvPr name="Espace réservé du numéro de diapositive 4" id="5"/>
           <p:cNvSpPr>
             <a:spLocks noGrp="true"/>
           </p:cNvSpPr>
           <p:nvPr>
-            <p:ph type="sldNum" sz="quarter" idx="12"/>
+            <p:ph idx="12" sz="quarter" type="sldNum"/>
           </p:nvPr>
         </p:nvSpPr>
         <p:spPr/>
@@ -1624,8 +1624,8 @@
           <a:bodyPr/>
           <a:lstStyle/>
           <a:p>
-            <a:fld id="{C47AABF0-D73A-43C1-84CC-8A30B6535388}" type="slidenum">
-              <a:rPr lang="fr-FR" smtClean="false"/>
+            <a:fld type="slidenum" id="{C47AABF0-D73A-43C1-84CC-8A30B6535388}">
+              <a:rPr smtClean="false" lang="fr-FR"/>
               <a:t>‹N°›</a:t>
             </a:fld>
             <a:endParaRPr lang="fr-FR"/>
@@ -1645,7 +1645,7 @@
   <p:timing>
     <p:tnLst>
       <p:par>
-        <p:cTn id="1" dur="indefinite" restart="never" nodeType="tmRoot"/>
+        <p:cTn nodeType="tmRoot" restart="never" dur="indefinite" id="1"/>
       </p:par>
     </p:tnLst>
   </p:timing>
@@ -1653,30 +1653,30 @@
 </file>
 
 <file path=ppt/slideLayouts/slideLayout7.xml><?xml version="1.0" encoding="utf-8"?>
-<p:sldLayout xmlns:r="http://schemas.openxmlformats.org/officeDocument/2006/relationships" xmlns:a="http://schemas.openxmlformats.org/drawingml/2006/main" xmlns:p="http://schemas.openxmlformats.org/presentationml/2006/main" xmlns:mc="http://schemas.openxmlformats.org/markup-compatibility/2006" xmlns:c="http://schemas.openxmlformats.org/drawingml/2006/chart" xmlns:ns6="http://schemas.openxmlformats.org/drawingml/2006/chartDrawing" xmlns:dgm="http://schemas.openxmlformats.org/drawingml/2006/diagram" xmlns:pic="http://schemas.openxmlformats.org/drawingml/2006/picture" xmlns:wp="http://schemas.openxmlformats.org/drawingml/2006/wordprocessingDrawing" xmlns:xdr="http://schemas.openxmlformats.org/drawingml/2006/spreadsheetDrawing" xmlns:ns11="http://schemas.openxmlformats.org/drawingml/2006/compatibility" xmlns:ns12="http://schemas.openxmlformats.org/drawingml/2006/lockedCanvas" type="blank" preserve="true">
+<p:sldLayout xmlns:r="http://schemas.openxmlformats.org/officeDocument/2006/relationships" xmlns:a="http://schemas.openxmlformats.org/drawingml/2006/main" xmlns:p="http://schemas.openxmlformats.org/presentationml/2006/main" xmlns:mc="http://schemas.openxmlformats.org/markup-compatibility/2006" xmlns:c="http://schemas.openxmlformats.org/drawingml/2006/chart" xmlns:ns6="http://schemas.openxmlformats.org/drawingml/2006/chartDrawing" xmlns:dgm="http://schemas.openxmlformats.org/drawingml/2006/diagram" xmlns:pic="http://schemas.openxmlformats.org/drawingml/2006/picture" xmlns:wp="http://schemas.openxmlformats.org/drawingml/2006/wordprocessingDrawing" xmlns:xdr="http://schemas.openxmlformats.org/drawingml/2006/spreadsheetDrawing" xmlns:ns11="http://schemas.openxmlformats.org/drawingml/2006/compatibility" xmlns:ns12="http://schemas.openxmlformats.org/drawingml/2006/lockedCanvas" preserve="true" type="blank">
   <p:cSld name="Blank">
     <p:spTree>
       <p:nvGrpSpPr>
-        <p:cNvPr id="1" name=""/>
+        <p:cNvPr name="" id="1"/>
         <p:cNvGrpSpPr/>
         <p:nvPr/>
       </p:nvGrpSpPr>
       <p:grpSpPr>
         <a:xfrm>
-          <a:off x="0" y="0"/>
-          <a:ext cx="0" cy="0"/>
-          <a:chOff x="0" y="0"/>
-          <a:chExt cx="0" cy="0"/>
+          <a:off y="0" x="0"/>
+          <a:ext cy="0" cx="0"/>
+          <a:chOff y="0" x="0"/>
+          <a:chExt cy="0" cx="0"/>
         </a:xfrm>
       </p:grpSpPr>
       <p:sp>
         <p:nvSpPr>
-          <p:cNvPr id="2" name="Espace réservé de la date 1"/>
+          <p:cNvPr name="Espace réservé de la date 1" id="2"/>
           <p:cNvSpPr>
             <a:spLocks noGrp="true"/>
           </p:cNvSpPr>
           <p:nvPr>
-            <p:ph type="dt" sz="half" idx="10"/>
+            <p:ph idx="10" sz="half" type="dt"/>
           </p:nvPr>
         </p:nvSpPr>
         <p:spPr/>
@@ -1684,8 +1684,8 @@
           <a:bodyPr/>
           <a:lstStyle/>
           <a:p>
-            <a:fld id="{CE3110EA-6548-4EF6-B0A9-8F847AEECEDD}" type="datetimeFigureOut">
-              <a:rPr lang="fr-FR" smtClean="false"/>
+            <a:fld type="datetimeFigureOut" id="{CE3110EA-6548-4EF6-B0A9-8F847AEECEDD}">
+              <a:rPr smtClean="false" lang="fr-FR"/>
               <a:t>07/12/2013</a:t>
             </a:fld>
             <a:endParaRPr lang="fr-FR"/>
@@ -1694,12 +1694,12 @@
       </p:sp>
       <p:sp>
         <p:nvSpPr>
-          <p:cNvPr id="3" name="Espace réservé du pied de page 2"/>
+          <p:cNvPr name="Espace réservé du pied de page 2" id="3"/>
           <p:cNvSpPr>
             <a:spLocks noGrp="true"/>
           </p:cNvSpPr>
           <p:nvPr>
-            <p:ph type="ftr" sz="quarter" idx="11"/>
+            <p:ph idx="11" sz="quarter" type="ftr"/>
           </p:nvPr>
         </p:nvSpPr>
         <p:spPr/>
@@ -1713,12 +1713,12 @@
       </p:sp>
       <p:sp>
         <p:nvSpPr>
-          <p:cNvPr id="4" name="Espace réservé du numéro de diapositive 3"/>
+          <p:cNvPr name="Espace réservé du numéro de diapositive 3" id="4"/>
           <p:cNvSpPr>
             <a:spLocks noGrp="true"/>
           </p:cNvSpPr>
           <p:nvPr>
-            <p:ph type="sldNum" sz="quarter" idx="12"/>
+            <p:ph idx="12" sz="quarter" type="sldNum"/>
           </p:nvPr>
         </p:nvSpPr>
         <p:spPr/>
@@ -1726,8 +1726,8 @@
           <a:bodyPr/>
           <a:lstStyle/>
           <a:p>
-            <a:fld id="{C47AABF0-D73A-43C1-84CC-8A30B6535388}" type="slidenum">
-              <a:rPr lang="fr-FR" smtClean="false"/>
+            <a:fld type="slidenum" id="{C47AABF0-D73A-43C1-84CC-8A30B6535388}">
+              <a:rPr smtClean="false" lang="fr-FR"/>
               <a:t>‹N°›</a:t>
             </a:fld>
             <a:endParaRPr lang="fr-FR"/>
@@ -1747,7 +1747,7 @@
   <p:timing>
     <p:tnLst>
       <p:par>
-        <p:cTn id="1" dur="indefinite" restart="never" nodeType="tmRoot"/>
+        <p:cTn nodeType="tmRoot" restart="never" dur="indefinite" id="1"/>
       </p:par>
     </p:tnLst>
   </p:timing>
@@ -1755,25 +1755,25 @@
 </file>
 
 <file path=ppt/slideLayouts/slideLayout8.xml><?xml version="1.0" encoding="utf-8"?>
-<p:sldLayout xmlns:r="http://schemas.openxmlformats.org/officeDocument/2006/relationships" xmlns:a="http://schemas.openxmlformats.org/drawingml/2006/main" xmlns:p="http://schemas.openxmlformats.org/presentationml/2006/main" xmlns:mc="http://schemas.openxmlformats.org/markup-compatibility/2006" xmlns:c="http://schemas.openxmlformats.org/drawingml/2006/chart" xmlns:ns6="http://schemas.openxmlformats.org/drawingml/2006/chartDrawing" xmlns:dgm="http://schemas.openxmlformats.org/drawingml/2006/diagram" xmlns:pic="http://schemas.openxmlformats.org/drawingml/2006/picture" xmlns:wp="http://schemas.openxmlformats.org/drawingml/2006/wordprocessingDrawing" xmlns:xdr="http://schemas.openxmlformats.org/drawingml/2006/spreadsheetDrawing" xmlns:ns11="http://schemas.openxmlformats.org/drawingml/2006/compatibility" xmlns:ns12="http://schemas.openxmlformats.org/drawingml/2006/lockedCanvas" type="objTx" preserve="true">
+<p:sldLayout xmlns:r="http://schemas.openxmlformats.org/officeDocument/2006/relationships" xmlns:a="http://schemas.openxmlformats.org/drawingml/2006/main" xmlns:p="http://schemas.openxmlformats.org/presentationml/2006/main" xmlns:mc="http://schemas.openxmlformats.org/markup-compatibility/2006" xmlns:c="http://schemas.openxmlformats.org/drawingml/2006/chart" xmlns:ns6="http://schemas.openxmlformats.org/drawingml/2006/chartDrawing" xmlns:dgm="http://schemas.openxmlformats.org/drawingml/2006/diagram" xmlns:pic="http://schemas.openxmlformats.org/drawingml/2006/picture" xmlns:wp="http://schemas.openxmlformats.org/drawingml/2006/wordprocessingDrawing" xmlns:xdr="http://schemas.openxmlformats.org/drawingml/2006/spreadsheetDrawing" xmlns:ns11="http://schemas.openxmlformats.org/drawingml/2006/compatibility" xmlns:ns12="http://schemas.openxmlformats.org/drawingml/2006/lockedCanvas" preserve="true" type="objTx">
   <p:cSld name="Content with Caption">
     <p:spTree>
       <p:nvGrpSpPr>
-        <p:cNvPr id="1" name=""/>
+        <p:cNvPr name="" id="1"/>
         <p:cNvGrpSpPr/>
         <p:nvPr/>
       </p:nvGrpSpPr>
       <p:grpSpPr>
         <a:xfrm>
-          <a:off x="0" y="0"/>
-          <a:ext cx="0" cy="0"/>
-          <a:chOff x="0" y="0"/>
-          <a:chExt cx="0" cy="0"/>
+          <a:off y="0" x="0"/>
+          <a:ext cy="0" cx="0"/>
+          <a:chOff y="0" x="0"/>
+          <a:chExt cy="0" cx="0"/>
         </a:xfrm>
       </p:grpSpPr>
       <p:sp>
         <p:nvSpPr>
-          <p:cNvPr id="2" name="Titre 1"/>
+          <p:cNvPr name="Titre 1" id="2"/>
           <p:cNvSpPr>
             <a:spLocks noGrp="true"/>
           </p:cNvSpPr>
@@ -1783,8 +1783,8 @@
         </p:nvSpPr>
         <p:spPr>
           <a:xfrm>
-            <a:off x="839788" y="457200"/>
-            <a:ext cx="3932237" cy="1600200"/>
+            <a:off y="457200" x="839788"/>
+            <a:ext cy="1600200" cx="3932237"/>
           </a:xfrm>
         </p:spPr>
         <p:txBody>
@@ -1796,7 +1796,7 @@
           </a:lstStyle>
           <a:p>
             <a:r>
-              <a:rPr lang="fr-FR" smtClean="false"/>
+              <a:rPr smtClean="false" lang="fr-FR"/>
               <a:t>Modifiez le style du titre</a:t>
             </a:r>
             <a:endParaRPr lang="fr-FR"/>
@@ -1805,7 +1805,7 @@
       </p:sp>
       <p:sp>
         <p:nvSpPr>
-          <p:cNvPr id="3" name="Espace réservé du contenu 2"/>
+          <p:cNvPr name="Espace réservé du contenu 2" id="3"/>
           <p:cNvSpPr>
             <a:spLocks noGrp="true"/>
           </p:cNvSpPr>
@@ -1815,8 +1815,8 @@
         </p:nvSpPr>
         <p:spPr>
           <a:xfrm>
-            <a:off x="5183188" y="987425"/>
-            <a:ext cx="6172200" cy="4873625"/>
+            <a:off y="987425" x="5183188"/>
+            <a:ext cy="4873625" cx="6172200"/>
           </a:xfrm>
         </p:spPr>
         <p:txBody>
@@ -1853,35 +1853,35 @@
           <a:p>
             <a:pPr lvl="0"/>
             <a:r>
-              <a:rPr lang="fr-FR" smtClean="false"/>
+              <a:rPr smtClean="false" lang="fr-FR"/>
               <a:t>Modifiez les styles du texte du masque</a:t>
             </a:r>
           </a:p>
           <a:p>
             <a:pPr lvl="1"/>
             <a:r>
-              <a:rPr lang="fr-FR" smtClean="false"/>
+              <a:rPr smtClean="false" lang="fr-FR"/>
               <a:t>Deuxième niveau</a:t>
             </a:r>
           </a:p>
           <a:p>
             <a:pPr lvl="2"/>
             <a:r>
-              <a:rPr lang="fr-FR" smtClean="false"/>
+              <a:rPr smtClean="false" lang="fr-FR"/>
               <a:t>Troisième niveau</a:t>
             </a:r>
           </a:p>
           <a:p>
             <a:pPr lvl="3"/>
             <a:r>
-              <a:rPr lang="fr-FR" smtClean="false"/>
+              <a:rPr smtClean="false" lang="fr-FR"/>
               <a:t>Quatrième niveau</a:t>
             </a:r>
           </a:p>
           <a:p>
             <a:pPr lvl="4"/>
             <a:r>
-              <a:rPr lang="fr-FR" smtClean="false"/>
+              <a:rPr smtClean="false" lang="fr-FR"/>
               <a:t>Cinquième niveau</a:t>
             </a:r>
             <a:endParaRPr lang="fr-FR"/>
@@ -1890,56 +1890,56 @@
       </p:sp>
       <p:sp>
         <p:nvSpPr>
-          <p:cNvPr id="4" name="Espace réservé du texte 3"/>
+          <p:cNvPr name="Espace réservé du texte 3" id="4"/>
           <p:cNvSpPr>
             <a:spLocks noGrp="true"/>
           </p:cNvSpPr>
           <p:nvPr>
-            <p:ph type="body" sz="half" idx="2"/>
+            <p:ph idx="2" sz="half" type="body"/>
           </p:nvPr>
         </p:nvSpPr>
         <p:spPr>
           <a:xfrm>
-            <a:off x="839788" y="2057400"/>
-            <a:ext cx="3932237" cy="3811588"/>
+            <a:off y="2057400" x="839788"/>
+            <a:ext cy="3811588" cx="3932237"/>
           </a:xfrm>
         </p:spPr>
         <p:txBody>
           <a:bodyPr/>
           <a:lstStyle>
-            <a:lvl1pPr marL="0" indent="0">
+            <a:lvl1pPr indent="0" marL="0">
               <a:buNone/>
               <a:defRPr sz="1600"/>
             </a:lvl1pPr>
-            <a:lvl2pPr marL="457200" indent="0">
+            <a:lvl2pPr indent="0" marL="457200">
               <a:buNone/>
               <a:defRPr sz="1400"/>
             </a:lvl2pPr>
-            <a:lvl3pPr marL="914400" indent="0">
+            <a:lvl3pPr indent="0" marL="914400">
               <a:buNone/>
               <a:defRPr sz="1200"/>
             </a:lvl3pPr>
-            <a:lvl4pPr marL="1371600" indent="0">
+            <a:lvl4pPr indent="0" marL="1371600">
               <a:buNone/>
               <a:defRPr sz="1000"/>
             </a:lvl4pPr>
-            <a:lvl5pPr marL="1828800" indent="0">
+            <a:lvl5pPr indent="0" marL="1828800">
               <a:buNone/>
               <a:defRPr sz="1000"/>
             </a:lvl5pPr>
-            <a:lvl6pPr marL="2286000" indent="0">
+            <a:lvl6pPr indent="0" marL="2286000">
               <a:buNone/>
               <a:defRPr sz="1000"/>
             </a:lvl6pPr>
-            <a:lvl7pPr marL="2743200" indent="0">
+            <a:lvl7pPr indent="0" marL="2743200">
               <a:buNone/>
               <a:defRPr sz="1000"/>
             </a:lvl7pPr>
-            <a:lvl8pPr marL="3200400" indent="0">
+            <a:lvl8pPr indent="0" marL="3200400">
               <a:buNone/>
               <a:defRPr sz="1000"/>
             </a:lvl8pPr>
-            <a:lvl9pPr marL="3657600" indent="0">
+            <a:lvl9pPr indent="0" marL="3657600">
               <a:buNone/>
               <a:defRPr sz="1000"/>
             </a:lvl9pPr>
@@ -1947,7 +1947,7 @@
           <a:p>
             <a:pPr lvl="0"/>
             <a:r>
-              <a:rPr lang="fr-FR" smtClean="false"/>
+              <a:rPr smtClean="false" lang="fr-FR"/>
               <a:t>Modifiez les styles du texte du masque</a:t>
             </a:r>
           </a:p>
@@ -1955,12 +1955,12 @@
       </p:sp>
       <p:sp>
         <p:nvSpPr>
-          <p:cNvPr id="5" name="Espace réservé de la date 4"/>
+          <p:cNvPr name="Espace réservé de la date 4" id="5"/>
           <p:cNvSpPr>
             <a:spLocks noGrp="true"/>
           </p:cNvSpPr>
           <p:nvPr>
-            <p:ph type="dt" sz="half" idx="10"/>
+            <p:ph idx="10" sz="half" type="dt"/>
           </p:nvPr>
         </p:nvSpPr>
         <p:spPr/>
@@ -1968,8 +1968,8 @@
           <a:bodyPr/>
           <a:lstStyle/>
           <a:p>
-            <a:fld id="{CE3110EA-6548-4EF6-B0A9-8F847AEECEDD}" type="datetimeFigureOut">
-              <a:rPr lang="fr-FR" smtClean="false"/>
+            <a:fld type="datetimeFigureOut" id="{CE3110EA-6548-4EF6-B0A9-8F847AEECEDD}">
+              <a:rPr smtClean="false" lang="fr-FR"/>
               <a:t>07/12/2013</a:t>
             </a:fld>
             <a:endParaRPr lang="fr-FR"/>
@@ -1978,12 +1978,12 @@
       </p:sp>
       <p:sp>
         <p:nvSpPr>
-          <p:cNvPr id="6" name="Espace réservé du pied de page 5"/>
+          <p:cNvPr name="Espace réservé du pied de page 5" id="6"/>
           <p:cNvSpPr>
             <a:spLocks noGrp="true"/>
           </p:cNvSpPr>
           <p:nvPr>
-            <p:ph type="ftr" sz="quarter" idx="11"/>
+            <p:ph idx="11" sz="quarter" type="ftr"/>
           </p:nvPr>
         </p:nvSpPr>
         <p:spPr/>
@@ -1997,12 +1997,12 @@
       </p:sp>
       <p:sp>
         <p:nvSpPr>
-          <p:cNvPr id="7" name="Espace réservé du numéro de diapositive 6"/>
+          <p:cNvPr name="Espace réservé du numéro de diapositive 6" id="7"/>
           <p:cNvSpPr>
             <a:spLocks noGrp="true"/>
           </p:cNvSpPr>
           <p:nvPr>
-            <p:ph type="sldNum" sz="quarter" idx="12"/>
+            <p:ph idx="12" sz="quarter" type="sldNum"/>
           </p:nvPr>
         </p:nvSpPr>
         <p:spPr/>
@@ -2010,8 +2010,8 @@
           <a:bodyPr/>
           <a:lstStyle/>
           <a:p>
-            <a:fld id="{C47AABF0-D73A-43C1-84CC-8A30B6535388}" type="slidenum">
-              <a:rPr lang="fr-FR" smtClean="false"/>
+            <a:fld type="slidenum" id="{C47AABF0-D73A-43C1-84CC-8A30B6535388}">
+              <a:rPr smtClean="false" lang="fr-FR"/>
               <a:t>‹N°›</a:t>
             </a:fld>
             <a:endParaRPr lang="fr-FR"/>
@@ -2031,7 +2031,7 @@
   <p:timing>
     <p:tnLst>
       <p:par>
-        <p:cTn id="1" dur="indefinite" restart="never" nodeType="tmRoot"/>
+        <p:cTn nodeType="tmRoot" restart="never" dur="indefinite" id="1"/>
       </p:par>
     </p:tnLst>
   </p:timing>
@@ -2039,25 +2039,25 @@
 </file>
 
 <file path=ppt/slideLayouts/slideLayout9.xml><?xml version="1.0" encoding="utf-8"?>
-<p:sldLayout xmlns:r="http://schemas.openxmlformats.org/officeDocument/2006/relationships" xmlns:a="http://schemas.openxmlformats.org/drawingml/2006/main" xmlns:p="http://schemas.openxmlformats.org/presentationml/2006/main" xmlns:mc="http://schemas.openxmlformats.org/markup-compatibility/2006" xmlns:c="http://schemas.openxmlformats.org/drawingml/2006/chart" xmlns:ns6="http://schemas.openxmlformats.org/drawingml/2006/chartDrawing" xmlns:dgm="http://schemas.openxmlformats.org/drawingml/2006/diagram" xmlns:pic="http://schemas.openxmlformats.org/drawingml/2006/picture" xmlns:wp="http://schemas.openxmlformats.org/drawingml/2006/wordprocessingDrawing" xmlns:xdr="http://schemas.openxmlformats.org/drawingml/2006/spreadsheetDrawing" xmlns:ns11="http://schemas.openxmlformats.org/drawingml/2006/compatibility" xmlns:ns12="http://schemas.openxmlformats.org/drawingml/2006/lockedCanvas" type="vertTx" preserve="true">
+<p:sldLayout xmlns:r="http://schemas.openxmlformats.org/officeDocument/2006/relationships" xmlns:a="http://schemas.openxmlformats.org/drawingml/2006/main" xmlns:p="http://schemas.openxmlformats.org/presentationml/2006/main" xmlns:mc="http://schemas.openxmlformats.org/markup-compatibility/2006" xmlns:c="http://schemas.openxmlformats.org/drawingml/2006/chart" xmlns:ns6="http://schemas.openxmlformats.org/drawingml/2006/chartDrawing" xmlns:dgm="http://schemas.openxmlformats.org/drawingml/2006/diagram" xmlns:pic="http://schemas.openxmlformats.org/drawingml/2006/picture" xmlns:wp="http://schemas.openxmlformats.org/drawingml/2006/wordprocessingDrawing" xmlns:xdr="http://schemas.openxmlformats.org/drawingml/2006/spreadsheetDrawing" xmlns:ns11="http://schemas.openxmlformats.org/drawingml/2006/compatibility" xmlns:ns12="http://schemas.openxmlformats.org/drawingml/2006/lockedCanvas" preserve="true" type="vertTx">
   <p:cSld name="Title and Vertical Text">
     <p:spTree>
       <p:nvGrpSpPr>
-        <p:cNvPr id="1" name=""/>
+        <p:cNvPr name="" id="1"/>
         <p:cNvGrpSpPr/>
         <p:nvPr/>
       </p:nvGrpSpPr>
       <p:grpSpPr>
         <a:xfrm>
-          <a:off x="0" y="0"/>
-          <a:ext cx="0" cy="0"/>
-          <a:chOff x="0" y="0"/>
-          <a:chExt cx="0" cy="0"/>
+          <a:off y="0" x="0"/>
+          <a:ext cy="0" cx="0"/>
+          <a:chOff y="0" x="0"/>
+          <a:chExt cy="0" cx="0"/>
         </a:xfrm>
       </p:grpSpPr>
       <p:sp>
         <p:nvSpPr>
-          <p:cNvPr id="2" name="Titre 1"/>
+          <p:cNvPr name="Titre 1" id="2"/>
           <p:cNvSpPr>
             <a:spLocks noGrp="true"/>
           </p:cNvSpPr>
@@ -2071,7 +2071,7 @@
           <a:lstStyle/>
           <a:p>
             <a:r>
-              <a:rPr lang="fr-FR" smtClean="false"/>
+              <a:rPr smtClean="false" lang="fr-FR"/>
               <a:t>Modifiez le style du titre</a:t>
             </a:r>
             <a:endParaRPr lang="fr-FR"/>
@@ -2080,12 +2080,12 @@
       </p:sp>
       <p:sp>
         <p:nvSpPr>
-          <p:cNvPr id="3" name="Espace réservé du texte vertical 2"/>
+          <p:cNvPr name="Espace réservé du texte vertical 2" id="3"/>
           <p:cNvSpPr>
             <a:spLocks noGrp="true"/>
           </p:cNvSpPr>
           <p:nvPr>
-            <p:ph type="body" orient="vert" idx="1"/>
+            <p:ph idx="1" orient="vert" type="body"/>
           </p:nvPr>
         </p:nvSpPr>
         <p:spPr/>
@@ -2095,35 +2095,35 @@
           <a:p>
             <a:pPr lvl="0"/>
             <a:r>
-              <a:rPr lang="fr-FR" smtClean="false"/>
+              <a:rPr smtClean="false" lang="fr-FR"/>
               <a:t>Modifiez les styles du texte du masque</a:t>
             </a:r>
           </a:p>
           <a:p>
             <a:pPr lvl="1"/>
             <a:r>
-              <a:rPr lang="fr-FR" smtClean="false"/>
+              <a:rPr smtClean="false" lang="fr-FR"/>
               <a:t>Deuxième niveau</a:t>
             </a:r>
           </a:p>
           <a:p>
             <a:pPr lvl="2"/>
             <a:r>
-              <a:rPr lang="fr-FR" smtClean="false"/>
+              <a:rPr smtClean="false" lang="fr-FR"/>
               <a:t>Troisième niveau</a:t>
             </a:r>
           </a:p>
           <a:p>
             <a:pPr lvl="3"/>
             <a:r>
-              <a:rPr lang="fr-FR" smtClean="false"/>
+              <a:rPr smtClean="false" lang="fr-FR"/>
               <a:t>Quatrième niveau</a:t>
             </a:r>
           </a:p>
           <a:p>
             <a:pPr lvl="4"/>
             <a:r>
-              <a:rPr lang="fr-FR" smtClean="false"/>
+              <a:rPr smtClean="false" lang="fr-FR"/>
               <a:t>Cinquième niveau</a:t>
             </a:r>
             <a:endParaRPr lang="fr-FR"/>
@@ -2132,12 +2132,12 @@
       </p:sp>
       <p:sp>
         <p:nvSpPr>
-          <p:cNvPr id="4" name="Espace réservé de la date 3"/>
+          <p:cNvPr name="Espace réservé de la date 3" id="4"/>
           <p:cNvSpPr>
             <a:spLocks noGrp="true"/>
           </p:cNvSpPr>
           <p:nvPr>
-            <p:ph type="dt" sz="half" idx="10"/>
+            <p:ph idx="10" sz="half" type="dt"/>
           </p:nvPr>
         </p:nvSpPr>
         <p:spPr/>
@@ -2145,8 +2145,8 @@
           <a:bodyPr/>
           <a:lstStyle/>
           <a:p>
-            <a:fld id="{CE3110EA-6548-4EF6-B0A9-8F847AEECEDD}" type="datetimeFigureOut">
-              <a:rPr lang="fr-FR" smtClean="false"/>
+            <a:fld type="datetimeFigureOut" id="{CE3110EA-6548-4EF6-B0A9-8F847AEECEDD}">
+              <a:rPr smtClean="false" lang="fr-FR"/>
               <a:t>07/12/2013</a:t>
             </a:fld>
             <a:endParaRPr lang="fr-FR"/>
@@ -2155,12 +2155,12 @@
       </p:sp>
       <p:sp>
         <p:nvSpPr>
-          <p:cNvPr id="5" name="Espace réservé du pied de page 4"/>
+          <p:cNvPr name="Espace réservé du pied de page 4" id="5"/>
           <p:cNvSpPr>
             <a:spLocks noGrp="true"/>
           </p:cNvSpPr>
           <p:nvPr>
-            <p:ph type="ftr" sz="quarter" idx="11"/>
+            <p:ph idx="11" sz="quarter" type="ftr"/>
           </p:nvPr>
         </p:nvSpPr>
         <p:spPr/>
@@ -2174,12 +2174,12 @@
       </p:sp>
       <p:sp>
         <p:nvSpPr>
-          <p:cNvPr id="6" name="Espace réservé du numéro de diapositive 5"/>
+          <p:cNvPr name="Espace réservé du numéro de diapositive 5" id="6"/>
           <p:cNvSpPr>
             <a:spLocks noGrp="true"/>
           </p:cNvSpPr>
           <p:nvPr>
-            <p:ph type="sldNum" sz="quarter" idx="12"/>
+            <p:ph idx="12" sz="quarter" type="sldNum"/>
           </p:nvPr>
         </p:nvSpPr>
         <p:spPr/>
@@ -2187,8 +2187,8 @@
           <a:bodyPr/>
           <a:lstStyle/>
           <a:p>
-            <a:fld id="{C47AABF0-D73A-43C1-84CC-8A30B6535388}" type="slidenum">
-              <a:rPr lang="fr-FR" smtClean="false"/>
+            <a:fld type="slidenum" id="{C47AABF0-D73A-43C1-84CC-8A30B6535388}">
+              <a:rPr smtClean="false" lang="fr-FR"/>
               <a:t>‹N°›</a:t>
             </a:fld>
             <a:endParaRPr lang="fr-FR"/>
@@ -2208,7 +2208,7 @@
   <p:timing>
     <p:tnLst>
       <p:par>
-        <p:cTn id="1" dur="indefinite" restart="never" nodeType="tmRoot"/>
+        <p:cTn nodeType="tmRoot" restart="never" dur="indefinite" id="1"/>
       </p:par>
     </p:tnLst>
   </p:timing>
@@ -2225,21 +2225,21 @@
     </p:bg>
     <p:spTree>
       <p:nvGrpSpPr>
-        <p:cNvPr id="1" name=""/>
+        <p:cNvPr name="" id="1"/>
         <p:cNvGrpSpPr/>
         <p:nvPr/>
       </p:nvGrpSpPr>
       <p:grpSpPr>
         <a:xfrm>
-          <a:off x="0" y="0"/>
-          <a:ext cx="0" cy="0"/>
-          <a:chOff x="0" y="0"/>
-          <a:chExt cx="0" cy="0"/>
+          <a:off y="0" x="0"/>
+          <a:ext cy="0" cx="0"/>
+          <a:chOff y="0" x="0"/>
+          <a:chExt cy="0" cx="0"/>
         </a:xfrm>
       </p:grpSpPr>
       <p:sp>
         <p:nvSpPr>
-          <p:cNvPr id="2" name="Espace réservé du titre 1"/>
+          <p:cNvPr name="Espace réservé du titre 1" id="2"/>
           <p:cNvSpPr>
             <a:spLocks noGrp="true"/>
           </p:cNvSpPr>
@@ -2249,21 +2249,21 @@
         </p:nvSpPr>
         <p:spPr>
           <a:xfrm>
-            <a:off x="838200" y="360000"/>
-            <a:ext cx="10515600" cy="1325563"/>
+            <a:off y="360000" x="838200"/>
+            <a:ext cy="1325563" cx="10515600"/>
           </a:xfrm>
           <a:prstGeom prst="rect">
             <a:avLst/>
           </a:prstGeom>
         </p:spPr>
         <p:txBody>
-          <a:bodyPr vert="horz" lIns="91440" tIns="45720" rIns="91440" bIns="45720" rtlCol="false" anchor="ctr">
+          <a:bodyPr anchor="ctr" rtlCol="false" bIns="45720" rIns="91440" tIns="45720" lIns="91440" vert="horz">
             <a:normAutofit/>
           </a:bodyPr>
           <a:lstStyle/>
           <a:p>
             <a:r>
-              <a:rPr lang="fr-FR" smtClean="false"/>
+              <a:rPr smtClean="false" lang="fr-FR"/>
               <a:t>Modifiez le style du titre</a:t>
             </a:r>
             <a:endParaRPr lang="fr-FR"/>
@@ -2272,60 +2272,60 @@
       </p:sp>
       <p:sp>
         <p:nvSpPr>
-          <p:cNvPr id="3" name="Espace réservé du texte 2"/>
+          <p:cNvPr name="Espace réservé du texte 2" id="3"/>
           <p:cNvSpPr>
             <a:spLocks noGrp="true"/>
           </p:cNvSpPr>
           <p:nvPr>
-            <p:ph type="body" idx="1"/>
+            <p:ph idx="1" type="body"/>
           </p:nvPr>
         </p:nvSpPr>
         <p:spPr>
           <a:xfrm>
-            <a:off x="838200" y="1825625"/>
-            <a:ext cx="10515600" cy="4351338"/>
+            <a:off y="1825625" x="838200"/>
+            <a:ext cy="4351338" cx="10515600"/>
           </a:xfrm>
           <a:prstGeom prst="rect">
             <a:avLst/>
           </a:prstGeom>
         </p:spPr>
         <p:txBody>
-          <a:bodyPr vert="horz" lIns="91440" tIns="45720" rIns="91440" bIns="45720" rtlCol="false">
+          <a:bodyPr rtlCol="false" bIns="45720" rIns="91440" tIns="45720" lIns="91440" vert="horz">
             <a:normAutofit/>
           </a:bodyPr>
           <a:lstStyle/>
           <a:p>
             <a:pPr lvl="0"/>
             <a:r>
-              <a:rPr lang="fr-FR" smtClean="false"/>
+              <a:rPr smtClean="false" lang="fr-FR"/>
               <a:t>Modifiez les styles du texte du masque</a:t>
             </a:r>
           </a:p>
           <a:p>
             <a:pPr lvl="1"/>
             <a:r>
-              <a:rPr lang="fr-FR" smtClean="false"/>
+              <a:rPr smtClean="false" lang="fr-FR"/>
               <a:t>Deuxième niveau</a:t>
             </a:r>
           </a:p>
           <a:p>
             <a:pPr lvl="2"/>
             <a:r>
-              <a:rPr lang="fr-FR" smtClean="false"/>
+              <a:rPr smtClean="false" lang="fr-FR"/>
               <a:t>Troisième niveau</a:t>
             </a:r>
           </a:p>
           <a:p>
             <a:pPr lvl="3"/>
             <a:r>
-              <a:rPr lang="fr-FR" smtClean="false"/>
+              <a:rPr smtClean="false" lang="fr-FR"/>
               <a:t>Quatrième niveau</a:t>
             </a:r>
           </a:p>
           <a:p>
             <a:pPr lvl="4"/>
             <a:r>
-              <a:rPr lang="fr-FR" smtClean="false"/>
+              <a:rPr smtClean="false" lang="fr-FR"/>
               <a:t>Cinquième niveau</a:t>
             </a:r>
             <a:endParaRPr lang="fr-FR"/>
@@ -2334,25 +2334,25 @@
       </p:sp>
       <p:sp>
         <p:nvSpPr>
-          <p:cNvPr id="4" name="Espace réservé de la date 3"/>
+          <p:cNvPr name="Espace réservé de la date 3" id="4"/>
           <p:cNvSpPr>
             <a:spLocks noGrp="true"/>
           </p:cNvSpPr>
           <p:nvPr>
-            <p:ph type="dt" sz="half" idx="2"/>
+            <p:ph idx="2" sz="half" type="dt"/>
           </p:nvPr>
         </p:nvSpPr>
         <p:spPr>
           <a:xfrm>
-            <a:off x="838200" y="6356350"/>
-            <a:ext cx="2743200" cy="365125"/>
+            <a:off y="6356350" x="838200"/>
+            <a:ext cy="365125" cx="2743200"/>
           </a:xfrm>
           <a:prstGeom prst="rect">
             <a:avLst/>
           </a:prstGeom>
         </p:spPr>
         <p:txBody>
-          <a:bodyPr vert="horz" lIns="91440" tIns="45720" rIns="91440" bIns="45720" rtlCol="false" anchor="ctr"/>
+          <a:bodyPr anchor="ctr" rtlCol="false" bIns="45720" rIns="91440" tIns="45720" lIns="91440" vert="horz"/>
           <a:lstStyle>
             <a:lvl1pPr algn="l">
               <a:defRPr sz="1200">
@@ -2365,8 +2365,8 @@
             </a:lvl1pPr>
           </a:lstStyle>
           <a:p>
-            <a:fld id="{CE3110EA-6548-4EF6-B0A9-8F847AEECEDD}" type="datetimeFigureOut">
-              <a:rPr lang="fr-FR" smtClean="false"/>
+            <a:fld type="datetimeFigureOut" id="{CE3110EA-6548-4EF6-B0A9-8F847AEECEDD}">
+              <a:rPr smtClean="false" lang="fr-FR"/>
               <a:t>07/12/2013</a:t>
             </a:fld>
             <a:endParaRPr lang="fr-FR"/>
@@ -2375,25 +2375,25 @@
       </p:sp>
       <p:sp>
         <p:nvSpPr>
-          <p:cNvPr id="5" name="Espace réservé du pied de page 4"/>
+          <p:cNvPr name="Espace réservé du pied de page 4" id="5"/>
           <p:cNvSpPr>
             <a:spLocks noGrp="true"/>
           </p:cNvSpPr>
           <p:nvPr>
-            <p:ph type="ftr" sz="quarter" idx="3"/>
+            <p:ph idx="3" sz="quarter" type="ftr"/>
           </p:nvPr>
         </p:nvSpPr>
         <p:spPr>
           <a:xfrm>
-            <a:off x="4038600" y="6356350"/>
-            <a:ext cx="4114800" cy="365125"/>
+            <a:off y="6356350" x="4038600"/>
+            <a:ext cy="365125" cx="4114800"/>
           </a:xfrm>
           <a:prstGeom prst="rect">
             <a:avLst/>
           </a:prstGeom>
         </p:spPr>
         <p:txBody>
-          <a:bodyPr vert="horz" lIns="91440" tIns="45720" rIns="91440" bIns="45720" rtlCol="false" anchor="ctr"/>
+          <a:bodyPr anchor="ctr" rtlCol="false" bIns="45720" rIns="91440" tIns="45720" lIns="91440" vert="horz"/>
           <a:lstStyle>
             <a:lvl1pPr algn="ctr">
               <a:defRPr sz="1200">
@@ -2412,25 +2412,25 @@
       </p:sp>
       <p:sp>
         <p:nvSpPr>
-          <p:cNvPr id="6" name="Espace réservé du numéro de diapositive 5"/>
+          <p:cNvPr name="Espace réservé du numéro de diapositive 5" id="6"/>
           <p:cNvSpPr>
             <a:spLocks noGrp="true"/>
           </p:cNvSpPr>
           <p:nvPr>
-            <p:ph type="sldNum" sz="quarter" idx="4"/>
+            <p:ph idx="4" sz="quarter" type="sldNum"/>
           </p:nvPr>
         </p:nvSpPr>
         <p:spPr>
           <a:xfrm>
-            <a:off x="8610600" y="6356350"/>
-            <a:ext cx="2743200" cy="365125"/>
+            <a:off y="6356350" x="8610600"/>
+            <a:ext cy="365125" cx="2743200"/>
           </a:xfrm>
           <a:prstGeom prst="rect">
             <a:avLst/>
           </a:prstGeom>
         </p:spPr>
         <p:txBody>
-          <a:bodyPr vert="horz" lIns="91440" tIns="45720" rIns="91440" bIns="45720" rtlCol="false" anchor="ctr"/>
+          <a:bodyPr anchor="ctr" rtlCol="false" bIns="45720" rIns="91440" tIns="45720" lIns="91440" vert="horz"/>
           <a:lstStyle>
             <a:lvl1pPr algn="r">
               <a:defRPr sz="1200">
@@ -2443,8 +2443,8 @@
             </a:lvl1pPr>
           </a:lstStyle>
           <a:p>
-            <a:fld id="{C47AABF0-D73A-43C1-84CC-8A30B6535388}" type="slidenum">
-              <a:rPr lang="fr-FR" smtClean="false"/>
+            <a:fld type="slidenum" id="{C47AABF0-D73A-43C1-84CC-8A30B6535388}">
+              <a:rPr smtClean="false" lang="fr-FR"/>
               <a:t>‹N°›</a:t>
             </a:fld>
             <a:endParaRPr lang="fr-FR"/>
@@ -2458,29 +2458,29 @@
       </p:ext>
     </p:extLst>
   </p:cSld>
-  <p:clrMap bg1="lt1" tx1="dk1" bg2="lt2" tx2="dk2" accent1="accent1" accent2="accent2" accent3="accent3" accent4="accent4" accent5="accent5" accent6="accent6" hlink="hlink" folHlink="folHlink"/>
+  <p:clrMap folHlink="folHlink" hlink="hlink" accent6="accent6" accent5="accent5" accent4="accent4" accent3="accent3" accent2="accent2" accent1="accent1" tx2="dk2" bg2="lt2" tx1="dk1" bg1="lt1"/>
   <p:sldLayoutIdLst>
-    <p:sldLayoutId id="2147483649" r:id="rId1"/>
-    <p:sldLayoutId id="2147483650" r:id="rId2"/>
-    <p:sldLayoutId id="2147483651" r:id="rId3"/>
-    <p:sldLayoutId id="2147483652" r:id="rId4"/>
-    <p:sldLayoutId id="2147483653" r:id="rId5"/>
-    <p:sldLayoutId id="2147483654" r:id="rId6"/>
-    <p:sldLayoutId id="2147483655" r:id="rId7"/>
-    <p:sldLayoutId id="2147483656" r:id="rId8"/>
-    <p:sldLayoutId id="2147483658" r:id="rId9"/>
-    <p:sldLayoutId id="2147483659" r:id="rId10"/>
+    <p:sldLayoutId r:id="rId1" id="2147483649"/>
+    <p:sldLayoutId r:id="rId2" id="2147483650"/>
+    <p:sldLayoutId r:id="rId3" id="2147483651"/>
+    <p:sldLayoutId r:id="rId4" id="2147483652"/>
+    <p:sldLayoutId r:id="rId5" id="2147483653"/>
+    <p:sldLayoutId r:id="rId6" id="2147483654"/>
+    <p:sldLayoutId r:id="rId7" id="2147483655"/>
+    <p:sldLayoutId r:id="rId8" id="2147483656"/>
+    <p:sldLayoutId r:id="rId9" id="2147483658"/>
+    <p:sldLayoutId r:id="rId10" id="2147483659"/>
   </p:sldLayoutIdLst>
   <p:timing>
     <p:tnLst>
       <p:par>
-        <p:cTn id="1" dur="indefinite" restart="never" nodeType="tmRoot"/>
+        <p:cTn nodeType="tmRoot" restart="never" dur="indefinite" id="1"/>
       </p:par>
     </p:tnLst>
   </p:timing>
   <p:txStyles>
     <p:titleStyle>
-      <a:lvl1pPr algn="l" defTabSz="914400" rtl="false" eaLnBrk="true" latinLnBrk="false" hangingPunct="true">
+      <a:lvl1pPr hangingPunct="true" latinLnBrk="false" eaLnBrk="true" rtl="false" defTabSz="914400" algn="l">
         <a:lnSpc>
           <a:spcPct val="90000"/>
         </a:lnSpc>
@@ -2488,7 +2488,7 @@
           <a:spcPct val="0"/>
         </a:spcBef>
         <a:buNone/>
-        <a:defRPr sz="4400" kern="1200">
+        <a:defRPr kern="1200" sz="4400">
           <a:solidFill>
             <a:schemeClr val="tx1"/>
           </a:solidFill>
@@ -2499,16 +2499,16 @@
       </a:lvl1pPr>
     </p:titleStyle>
     <p:bodyStyle>
-      <a:lvl1pPr marL="228600" indent="-228600" algn="l" defTabSz="914400" rtl="false" eaLnBrk="true" latinLnBrk="false" hangingPunct="true">
+      <a:lvl1pPr hangingPunct="true" latinLnBrk="false" eaLnBrk="true" rtl="false" defTabSz="914400" algn="l" indent="-228600" marL="228600">
         <a:lnSpc>
           <a:spcPct val="90000"/>
         </a:lnSpc>
         <a:spcBef>
           <a:spcPts val="1000"/>
         </a:spcBef>
-        <a:buFont typeface="Arial" panose="020B0604020202020204" pitchFamily="34" charset="0"/>
+        <a:buFont charset="0" pitchFamily="34" panose="020B0604020202020204" typeface="Arial"/>
         <a:buChar char="•"/>
-        <a:defRPr sz="2800" kern="1200">
+        <a:defRPr kern="1200" sz="2800">
           <a:solidFill>
             <a:schemeClr val="tx1"/>
           </a:solidFill>
@@ -2517,16 +2517,16 @@
           <a:cs typeface="+mn-cs"/>
         </a:defRPr>
       </a:lvl1pPr>
-      <a:lvl2pPr marL="685800" indent="-228600" algn="l" defTabSz="914400" rtl="false" eaLnBrk="true" latinLnBrk="false" hangingPunct="true">
+      <a:lvl2pPr hangingPunct="true" latinLnBrk="false" eaLnBrk="true" rtl="false" defTabSz="914400" algn="l" indent="-228600" marL="685800">
         <a:lnSpc>
           <a:spcPct val="90000"/>
         </a:lnSpc>
         <a:spcBef>
           <a:spcPts val="500"/>
         </a:spcBef>
-        <a:buFont typeface="Arial" panose="020B0604020202020204" pitchFamily="34" charset="0"/>
+        <a:buFont charset="0" pitchFamily="34" panose="020B0604020202020204" typeface="Arial"/>
         <a:buChar char="•"/>
-        <a:defRPr sz="2400" kern="1200">
+        <a:defRPr kern="1200" sz="2400">
           <a:solidFill>
             <a:schemeClr val="tx1"/>
           </a:solidFill>
@@ -2535,16 +2535,16 @@
           <a:cs typeface="+mn-cs"/>
         </a:defRPr>
       </a:lvl2pPr>
-      <a:lvl3pPr marL="1143000" indent="-228600" algn="l" defTabSz="914400" rtl="false" eaLnBrk="true" latinLnBrk="false" hangingPunct="true">
+      <a:lvl3pPr hangingPunct="true" latinLnBrk="false" eaLnBrk="true" rtl="false" defTabSz="914400" algn="l" indent="-228600" marL="1143000">
         <a:lnSpc>
           <a:spcPct val="90000"/>
         </a:lnSpc>
         <a:spcBef>
           <a:spcPts val="500"/>
         </a:spcBef>
-        <a:buFont typeface="Arial" panose="020B0604020202020204" pitchFamily="34" charset="0"/>
+        <a:buFont charset="0" pitchFamily="34" panose="020B0604020202020204" typeface="Arial"/>
         <a:buChar char="•"/>
-        <a:defRPr sz="2000" kern="1200">
+        <a:defRPr kern="1200" sz="2000">
           <a:solidFill>
             <a:schemeClr val="tx1"/>
           </a:solidFill>
@@ -2553,16 +2553,16 @@
           <a:cs typeface="+mn-cs"/>
         </a:defRPr>
       </a:lvl3pPr>
-      <a:lvl4pPr marL="1600200" indent="-228600" algn="l" defTabSz="914400" rtl="false" eaLnBrk="true" latinLnBrk="false" hangingPunct="true">
+      <a:lvl4pPr hangingPunct="true" latinLnBrk="false" eaLnBrk="true" rtl="false" defTabSz="914400" algn="l" indent="-228600" marL="1600200">
         <a:lnSpc>
           <a:spcPct val="90000"/>
         </a:lnSpc>
         <a:spcBef>
           <a:spcPts val="500"/>
         </a:spcBef>
-        <a:buFont typeface="Arial" panose="020B0604020202020204" pitchFamily="34" charset="0"/>
+        <a:buFont charset="0" pitchFamily="34" panose="020B0604020202020204" typeface="Arial"/>
         <a:buChar char="•"/>
-        <a:defRPr sz="1800" kern="1200">
+        <a:defRPr kern="1200" sz="1800">
           <a:solidFill>
             <a:schemeClr val="tx1"/>
           </a:solidFill>
@@ -2571,16 +2571,16 @@
           <a:cs typeface="+mn-cs"/>
         </a:defRPr>
       </a:lvl4pPr>
-      <a:lvl5pPr marL="2057400" indent="-228600" algn="l" defTabSz="914400" rtl="false" eaLnBrk="true" latinLnBrk="false" hangingPunct="true">
+      <a:lvl5pPr hangingPunct="true" latinLnBrk="false" eaLnBrk="true" rtl="false" defTabSz="914400" algn="l" indent="-228600" marL="2057400">
         <a:lnSpc>
           <a:spcPct val="90000"/>
         </a:lnSpc>
         <a:spcBef>
           <a:spcPts val="500"/>
         </a:spcBef>
-        <a:buFont typeface="Arial" panose="020B0604020202020204" pitchFamily="34" charset="0"/>
+        <a:buFont charset="0" pitchFamily="34" panose="020B0604020202020204" typeface="Arial"/>
         <a:buChar char="•"/>
-        <a:defRPr sz="1800" kern="1200">
+        <a:defRPr kern="1200" sz="1800">
           <a:solidFill>
             <a:schemeClr val="tx1"/>
           </a:solidFill>
@@ -2589,16 +2589,16 @@
           <a:cs typeface="+mn-cs"/>
         </a:defRPr>
       </a:lvl5pPr>
-      <a:lvl6pPr marL="2514600" indent="-228600" algn="l" defTabSz="914400" rtl="false" eaLnBrk="true" latinLnBrk="false" hangingPunct="true">
+      <a:lvl6pPr hangingPunct="true" latinLnBrk="false" eaLnBrk="true" rtl="false" defTabSz="914400" algn="l" indent="-228600" marL="2514600">
         <a:lnSpc>
           <a:spcPct val="90000"/>
         </a:lnSpc>
         <a:spcBef>
           <a:spcPts val="500"/>
         </a:spcBef>
-        <a:buFont typeface="Arial" panose="020B0604020202020204" pitchFamily="34" charset="0"/>
+        <a:buFont charset="0" pitchFamily="34" panose="020B0604020202020204" typeface="Arial"/>
         <a:buChar char="•"/>
-        <a:defRPr sz="1800" kern="1200">
+        <a:defRPr kern="1200" sz="1800">
           <a:solidFill>
             <a:schemeClr val="tx1"/>
           </a:solidFill>
@@ -2607,16 +2607,16 @@
           <a:cs typeface="+mn-cs"/>
         </a:defRPr>
       </a:lvl6pPr>
-      <a:lvl7pPr marL="2971800" indent="-228600" algn="l" defTabSz="914400" rtl="false" eaLnBrk="true" latinLnBrk="false" hangingPunct="true">
+      <a:lvl7pPr hangingPunct="true" latinLnBrk="false" eaLnBrk="true" rtl="false" defTabSz="914400" algn="l" indent="-228600" marL="2971800">
         <a:lnSpc>
           <a:spcPct val="90000"/>
         </a:lnSpc>
         <a:spcBef>
           <a:spcPts val="500"/>
         </a:spcBef>
-        <a:buFont typeface="Arial" panose="020B0604020202020204" pitchFamily="34" charset="0"/>
+        <a:buFont charset="0" pitchFamily="34" panose="020B0604020202020204" typeface="Arial"/>
         <a:buChar char="•"/>
-        <a:defRPr sz="1800" kern="1200">
+        <a:defRPr kern="1200" sz="1800">
           <a:solidFill>
             <a:schemeClr val="tx1"/>
           </a:solidFill>
@@ -2625,16 +2625,16 @@
           <a:cs typeface="+mn-cs"/>
         </a:defRPr>
       </a:lvl7pPr>
-      <a:lvl8pPr marL="3429000" indent="-228600" algn="l" defTabSz="914400" rtl="false" eaLnBrk="true" latinLnBrk="false" hangingPunct="true">
+      <a:lvl8pPr hangingPunct="true" latinLnBrk="false" eaLnBrk="true" rtl="false" defTabSz="914400" algn="l" indent="-228600" marL="3429000">
         <a:lnSpc>
           <a:spcPct val="90000"/>
         </a:lnSpc>
         <a:spcBef>
           <a:spcPts val="500"/>
         </a:spcBef>
-        <a:buFont typeface="Arial" panose="020B0604020202020204" pitchFamily="34" charset="0"/>
+        <a:buFont charset="0" pitchFamily="34" panose="020B0604020202020204" typeface="Arial"/>
         <a:buChar char="•"/>
-        <a:defRPr sz="1800" kern="1200">
+        <a:defRPr kern="1200" sz="1800">
           <a:solidFill>
             <a:schemeClr val="tx1"/>
           </a:solidFill>
@@ -2643,16 +2643,16 @@
           <a:cs typeface="+mn-cs"/>
         </a:defRPr>
       </a:lvl8pPr>
-      <a:lvl9pPr marL="3886200" indent="-228600" algn="l" defTabSz="914400" rtl="false" eaLnBrk="true" latinLnBrk="false" hangingPunct="true">
+      <a:lvl9pPr hangingPunct="true" latinLnBrk="false" eaLnBrk="true" rtl="false" defTabSz="914400" algn="l" indent="-228600" marL="3886200">
         <a:lnSpc>
           <a:spcPct val="90000"/>
         </a:lnSpc>
         <a:spcBef>
           <a:spcPts val="500"/>
         </a:spcBef>
-        <a:buFont typeface="Arial" panose="020B0604020202020204" pitchFamily="34" charset="0"/>
+        <a:buFont charset="0" pitchFamily="34" panose="020B0604020202020204" typeface="Arial"/>
         <a:buChar char="•"/>
-        <a:defRPr sz="1800" kern="1200">
+        <a:defRPr kern="1200" sz="1800">
           <a:solidFill>
             <a:schemeClr val="tx1"/>
           </a:solidFill>
@@ -2666,8 +2666,8 @@
       <a:defPPr>
         <a:defRPr lang="fr-FR"/>
       </a:defPPr>
-      <a:lvl1pPr marL="0" algn="l" defTabSz="914400" rtl="false" eaLnBrk="true" latinLnBrk="false" hangingPunct="true">
-        <a:defRPr sz="1800" kern="1200">
+      <a:lvl1pPr hangingPunct="true" latinLnBrk="false" eaLnBrk="true" rtl="false" defTabSz="914400" algn="l" marL="0">
+        <a:defRPr kern="1200" sz="1800">
           <a:solidFill>
             <a:schemeClr val="tx1"/>
           </a:solidFill>
@@ -2676,8 +2676,8 @@
           <a:cs typeface="+mn-cs"/>
         </a:defRPr>
       </a:lvl1pPr>
-      <a:lvl2pPr marL="457200" algn="l" defTabSz="914400" rtl="false" eaLnBrk="true" latinLnBrk="false" hangingPunct="true">
-        <a:defRPr sz="1800" kern="1200">
+      <a:lvl2pPr hangingPunct="true" latinLnBrk="false" eaLnBrk="true" rtl="false" defTabSz="914400" algn="l" marL="457200">
+        <a:defRPr kern="1200" sz="1800">
           <a:solidFill>
             <a:schemeClr val="tx1"/>
           </a:solidFill>
@@ -2686,8 +2686,8 @@
           <a:cs typeface="+mn-cs"/>
         </a:defRPr>
       </a:lvl2pPr>
-      <a:lvl3pPr marL="914400" algn="l" defTabSz="914400" rtl="false" eaLnBrk="true" latinLnBrk="false" hangingPunct="true">
-        <a:defRPr sz="1800" kern="1200">
+      <a:lvl3pPr hangingPunct="true" latinLnBrk="false" eaLnBrk="true" rtl="false" defTabSz="914400" algn="l" marL="914400">
+        <a:defRPr kern="1200" sz="1800">
           <a:solidFill>
             <a:schemeClr val="tx1"/>
           </a:solidFill>
@@ -2696,8 +2696,8 @@
           <a:cs typeface="+mn-cs"/>
         </a:defRPr>
       </a:lvl3pPr>
-      <a:lvl4pPr marL="1371600" algn="l" defTabSz="914400" rtl="false" eaLnBrk="true" latinLnBrk="false" hangingPunct="true">
-        <a:defRPr sz="1800" kern="1200">
+      <a:lvl4pPr hangingPunct="true" latinLnBrk="false" eaLnBrk="true" rtl="false" defTabSz="914400" algn="l" marL="1371600">
+        <a:defRPr kern="1200" sz="1800">
           <a:solidFill>
             <a:schemeClr val="tx1"/>
           </a:solidFill>
@@ -2706,8 +2706,8 @@
           <a:cs typeface="+mn-cs"/>
         </a:defRPr>
       </a:lvl4pPr>
-      <a:lvl5pPr marL="1828800" algn="l" defTabSz="914400" rtl="false" eaLnBrk="true" latinLnBrk="false" hangingPunct="true">
-        <a:defRPr sz="1800" kern="1200">
+      <a:lvl5pPr hangingPunct="true" latinLnBrk="false" eaLnBrk="true" rtl="false" defTabSz="914400" algn="l" marL="1828800">
+        <a:defRPr kern="1200" sz="1800">
           <a:solidFill>
             <a:schemeClr val="tx1"/>
           </a:solidFill>
@@ -2716,8 +2716,8 @@
           <a:cs typeface="+mn-cs"/>
         </a:defRPr>
       </a:lvl5pPr>
-      <a:lvl6pPr marL="2286000" algn="l" defTabSz="914400" rtl="false" eaLnBrk="true" latinLnBrk="false" hangingPunct="true">
-        <a:defRPr sz="1800" kern="1200">
+      <a:lvl6pPr hangingPunct="true" latinLnBrk="false" eaLnBrk="true" rtl="false" defTabSz="914400" algn="l" marL="2286000">
+        <a:defRPr kern="1200" sz="1800">
           <a:solidFill>
             <a:schemeClr val="tx1"/>
           </a:solidFill>
@@ -2726,8 +2726,8 @@
           <a:cs typeface="+mn-cs"/>
         </a:defRPr>
       </a:lvl6pPr>
-      <a:lvl7pPr marL="2743200" algn="l" defTabSz="914400" rtl="false" eaLnBrk="true" latinLnBrk="false" hangingPunct="true">
-        <a:defRPr sz="1800" kern="1200">
+      <a:lvl7pPr hangingPunct="true" latinLnBrk="false" eaLnBrk="true" rtl="false" defTabSz="914400" algn="l" marL="2743200">
+        <a:defRPr kern="1200" sz="1800">
           <a:solidFill>
             <a:schemeClr val="tx1"/>
           </a:solidFill>
@@ -2736,8 +2736,8 @@
           <a:cs typeface="+mn-cs"/>
         </a:defRPr>
       </a:lvl7pPr>
-      <a:lvl8pPr marL="3200400" algn="l" defTabSz="914400" rtl="false" eaLnBrk="true" latinLnBrk="false" hangingPunct="true">
-        <a:defRPr sz="1800" kern="1200">
+      <a:lvl8pPr hangingPunct="true" latinLnBrk="false" eaLnBrk="true" rtl="false" defTabSz="914400" algn="l" marL="3200400">
+        <a:defRPr kern="1200" sz="1800">
           <a:solidFill>
             <a:schemeClr val="tx1"/>
           </a:solidFill>
@@ -2746,8 +2746,8 @@
           <a:cs typeface="+mn-cs"/>
         </a:defRPr>
       </a:lvl8pPr>
-      <a:lvl9pPr marL="3657600" algn="l" defTabSz="914400" rtl="false" eaLnBrk="true" latinLnBrk="false" hangingPunct="true">
-        <a:defRPr sz="1800" kern="1200">
+      <a:lvl9pPr hangingPunct="true" latinLnBrk="false" eaLnBrk="true" rtl="false" defTabSz="914400" algn="l" marL="3657600">
+        <a:defRPr kern="1200" sz="1800">
           <a:solidFill>
             <a:schemeClr val="tx1"/>
           </a:solidFill>
@@ -2766,24 +2766,24 @@
   <p:cSld>
     <p:spTree>
       <p:nvGrpSpPr>
-        <p:cNvPr id="1" name=""/>
+        <p:cNvPr name="" id="1"/>
         <p:cNvGrpSpPr/>
         <p:nvPr/>
       </p:nvGrpSpPr>
       <p:grpSpPr>
         <a:xfrm>
-          <a:off x="0" y="0"/>
-          <a:ext cx="0" cy="0"/>
-          <a:chOff x="0" y="0"/>
-          <a:chExt cx="0" cy="0"/>
+          <a:off y="0" x="0"/>
+          <a:ext cy="0" cx="0"/>
+          <a:chOff y="0" x="0"/>
+          <a:chExt cy="0" cx="0"/>
         </a:xfrm>
       </p:grpSpPr>
       <p:sp>
         <p:nvSpPr>
-          <p:cNvPr id="1" name="Title 1"/>
+          <p:cNvPr name="Title 1" id="1"/>
           <p:cNvSpPr/>
           <p:nvPr>
-            <p:ph type="title" idx="0"/>
+            <p:ph idx="0" type="title"/>
           </p:nvPr>
         </p:nvSpPr>
         <p:spPr/>
@@ -2800,28 +2800,28 @@
       </p:sp>
       <p:grpSp>
         <p:nvGrpSpPr>
-          <p:cNvPr id="2" name="Groupe 2"/>
+          <p:cNvPr name="Groupe 2" id="2"/>
           <p:cNvGrpSpPr/>
           <p:nvPr/>
         </p:nvGrpSpPr>
         <p:grpSpPr>
-          <a:xfrm>
-            <a:off x="838200" y="1825625"/>
-            <a:ext cx="5181600" cy="4351338"/>
-            <a:chOff x="838200" y="1825625"/>
-            <a:chExt cx="5181600" cy="4351338"/>
+          <a:xfrm rot="0">
+            <a:off y="1825625" x="838200"/>
+            <a:ext cy="4351338" cx="5181600"/>
+            <a:chOff y="1825625" x="838200"/>
+            <a:chExt cy="4351338" cx="5181600"/>
           </a:xfrm>
         </p:grpSpPr>
         <p:sp>
           <p:nvSpPr>
-            <p:cNvPr id="3" name="Rectangle 3"/>
-            <p:cNvSpPr/>
-            <p:nvPr/>
-          </p:nvSpPr>
-          <p:spPr>
-            <a:xfrm>
-              <a:off x="840528" y="1830696"/>
-              <a:ext cx="5195993" cy="4363425"/>
+            <p:cNvPr name="Rectangle 3" id="3"/>
+            <p:cNvSpPr/>
+            <p:nvPr/>
+          </p:nvSpPr>
+          <p:spPr>
+            <a:xfrm>
+              <a:off y="1830696" x="840528"/>
+              <a:ext cy="4363425" cx="5195993"/>
             </a:xfrm>
             <a:prstGeom prst="rect">
               <a:avLst/>
@@ -2849,14 +2849,14 @@
         </p:sp>
         <p:sp>
           <p:nvSpPr>
-            <p:cNvPr id="4" name="Rectangle 4"/>
-            <p:cNvSpPr/>
-            <p:nvPr/>
-          </p:nvSpPr>
-          <p:spPr>
-            <a:xfrm>
-              <a:off x="1299544" y="1998802"/>
-              <a:ext cx="3472624" cy="3696934"/>
+            <p:cNvPr name="Rectangle 4" id="4"/>
+            <p:cNvSpPr/>
+            <p:nvPr/>
+          </p:nvSpPr>
+          <p:spPr>
+            <a:xfrm>
+              <a:off y="1998802" x="1323674"/>
+              <a:ext cy="3685504" cx="3435794"/>
             </a:xfrm>
             <a:prstGeom prst="rect">
               <a:avLst/>
@@ -2875,24 +2875,24 @@
         </p:sp>
         <p:sp>
           <p:nvSpPr>
-            <p:cNvPr id="5" name="Polyline form 5"/>
-            <p:cNvSpPr/>
-            <p:nvPr/>
-          </p:nvSpPr>
-          <p:spPr>
-            <a:xfrm>
-              <a:off x="1299544" y="5527693"/>
-              <a:ext cx="3472624" cy="0"/>
+            <p:cNvPr name="Polyline form 5" id="5"/>
+            <p:cNvSpPr/>
+            <p:nvPr/>
+          </p:nvSpPr>
+          <p:spPr>
+            <a:xfrm>
+              <a:off y="5516783" x="1323674"/>
+              <a:ext cy="0" cx="3435794"/>
             </a:xfrm>
             <a:custGeom>
               <a:avLst/>
               <a:pathLst>
-                <a:path w="3472624" h="0">
+                <a:path h="0" w="3435794">
                   <a:moveTo>
-                    <a:pt x="0" y="0"/>
+                    <a:pt y="0" x="0"/>
                   </a:moveTo>
                   <a:lnTo>
-                    <a:pt x="3472624" y="0"/>
+                    <a:pt y="0" x="3435794"/>
                   </a:lnTo>
                 </a:path>
               </a:pathLst>
@@ -2915,24 +2915,24 @@
         </p:sp>
         <p:sp>
           <p:nvSpPr>
-            <p:cNvPr id="6" name="Polyline form 6"/>
-            <p:cNvSpPr/>
-            <p:nvPr/>
-          </p:nvSpPr>
-          <p:spPr>
-            <a:xfrm>
-              <a:off x="1299544" y="4388422"/>
-              <a:ext cx="3472624" cy="0"/>
+            <p:cNvPr name="Polyline form 6" id="6"/>
+            <p:cNvSpPr/>
+            <p:nvPr/>
+          </p:nvSpPr>
+          <p:spPr>
+            <a:xfrm>
+              <a:off y="4381034" x="1323674"/>
+              <a:ext cy="0" cx="3435794"/>
             </a:xfrm>
             <a:custGeom>
               <a:avLst/>
               <a:pathLst>
-                <a:path w="3472624" h="0">
+                <a:path h="0" w="3435794">
                   <a:moveTo>
-                    <a:pt x="0" y="0"/>
+                    <a:pt y="0" x="0"/>
                   </a:moveTo>
                   <a:lnTo>
-                    <a:pt x="3472624" y="0"/>
+                    <a:pt y="0" x="3435794"/>
                   </a:lnTo>
                 </a:path>
               </a:pathLst>
@@ -2955,24 +2955,24 @@
         </p:sp>
         <p:sp>
           <p:nvSpPr>
-            <p:cNvPr id="7" name="Polyline form 7"/>
-            <p:cNvSpPr/>
-            <p:nvPr/>
-          </p:nvSpPr>
-          <p:spPr>
-            <a:xfrm>
-              <a:off x="1299544" y="3249152"/>
-              <a:ext cx="3472624" cy="0"/>
+            <p:cNvPr name="Polyline form 7" id="7"/>
+            <p:cNvSpPr/>
+            <p:nvPr/>
+          </p:nvSpPr>
+          <p:spPr>
+            <a:xfrm>
+              <a:off y="3245286" x="1323674"/>
+              <a:ext cy="0" cx="3435794"/>
             </a:xfrm>
             <a:custGeom>
               <a:avLst/>
               <a:pathLst>
-                <a:path w="3472624" h="0">
+                <a:path h="0" w="3435794">
                   <a:moveTo>
-                    <a:pt x="0" y="0"/>
+                    <a:pt y="0" x="0"/>
                   </a:moveTo>
                   <a:lnTo>
-                    <a:pt x="3472624" y="0"/>
+                    <a:pt y="0" x="3435794"/>
                   </a:lnTo>
                 </a:path>
               </a:pathLst>
@@ -2995,24 +2995,24 @@
         </p:sp>
         <p:sp>
           <p:nvSpPr>
-            <p:cNvPr id="8" name="Polyline form 8"/>
-            <p:cNvSpPr/>
-            <p:nvPr/>
-          </p:nvSpPr>
-          <p:spPr>
-            <a:xfrm>
-              <a:off x="1299544" y="2109881"/>
-              <a:ext cx="3472624" cy="0"/>
+            <p:cNvPr name="Polyline form 8" id="8"/>
+            <p:cNvSpPr/>
+            <p:nvPr/>
+          </p:nvSpPr>
+          <p:spPr>
+            <a:xfrm>
+              <a:off y="2109537" x="1323674"/>
+              <a:ext cy="0" cx="3435794"/>
             </a:xfrm>
             <a:custGeom>
               <a:avLst/>
               <a:pathLst>
-                <a:path w="3472624" h="0">
+                <a:path h="0" w="3435794">
                   <a:moveTo>
-                    <a:pt x="0" y="0"/>
+                    <a:pt y="0" x="0"/>
                   </a:moveTo>
                   <a:lnTo>
-                    <a:pt x="3472624" y="0"/>
+                    <a:pt y="0" x="3435794"/>
                   </a:lnTo>
                 </a:path>
               </a:pathLst>
@@ -3035,24 +3035,24 @@
         </p:sp>
         <p:sp>
           <p:nvSpPr>
-            <p:cNvPr id="9" name="Polyline form 9"/>
-            <p:cNvSpPr/>
-            <p:nvPr/>
-          </p:nvSpPr>
-          <p:spPr>
-            <a:xfrm>
-              <a:off x="1632776" y="1998802"/>
-              <a:ext cx="0" cy="3696934"/>
+            <p:cNvPr name="Polyline form 9" id="9"/>
+            <p:cNvSpPr/>
+            <p:nvPr/>
+          </p:nvSpPr>
+          <p:spPr>
+            <a:xfrm>
+              <a:off y="1998802" x="1653371"/>
+              <a:ext cy="3685504" cx="0"/>
             </a:xfrm>
             <a:custGeom>
               <a:avLst/>
               <a:pathLst>
-                <a:path w="0" h="3696934">
+                <a:path h="3685504" w="0">
                   <a:moveTo>
-                    <a:pt x="0" y="3696934"/>
+                    <a:pt y="3685504" x="0"/>
                   </a:moveTo>
                   <a:lnTo>
-                    <a:pt x="0" y="0"/>
+                    <a:pt y="0" x="0"/>
                   </a:lnTo>
                 </a:path>
               </a:pathLst>
@@ -3075,24 +3075,24 @@
         </p:sp>
         <p:sp>
           <p:nvSpPr>
-            <p:cNvPr id="10" name="Polyline form 10"/>
-            <p:cNvSpPr/>
-            <p:nvPr/>
-          </p:nvSpPr>
-          <p:spPr>
-            <a:xfrm>
-              <a:off x="2509701" y="1998802"/>
-              <a:ext cx="0" cy="3696934"/>
+            <p:cNvPr name="Polyline form 10" id="10"/>
+            <p:cNvSpPr/>
+            <p:nvPr/>
+          </p:nvSpPr>
+          <p:spPr>
+            <a:xfrm>
+              <a:off y="1998802" x="2520996"/>
+              <a:ext cy="3685504" cx="0"/>
             </a:xfrm>
             <a:custGeom>
               <a:avLst/>
               <a:pathLst>
-                <a:path w="0" h="3696934">
+                <a:path h="3685504" w="0">
                   <a:moveTo>
-                    <a:pt x="0" y="3696934"/>
+                    <a:pt y="3685504" x="0"/>
                   </a:moveTo>
                   <a:lnTo>
-                    <a:pt x="0" y="0"/>
+                    <a:pt y="0" x="0"/>
                   </a:lnTo>
                 </a:path>
               </a:pathLst>
@@ -3115,24 +3115,24 @@
         </p:sp>
         <p:sp>
           <p:nvSpPr>
-            <p:cNvPr id="11" name="Polyline form 11"/>
-            <p:cNvSpPr/>
-            <p:nvPr/>
-          </p:nvSpPr>
-          <p:spPr>
-            <a:xfrm>
-              <a:off x="3386626" y="1998802"/>
-              <a:ext cx="0" cy="3696934"/>
+            <p:cNvPr name="Polyline form 11" id="11"/>
+            <p:cNvSpPr/>
+            <p:nvPr/>
+          </p:nvSpPr>
+          <p:spPr>
+            <a:xfrm>
+              <a:off y="1998802" x="3388621"/>
+              <a:ext cy="3685504" cx="0"/>
             </a:xfrm>
             <a:custGeom>
               <a:avLst/>
               <a:pathLst>
-                <a:path w="0" h="3696934">
+                <a:path h="3685504" w="0">
                   <a:moveTo>
-                    <a:pt x="0" y="3696934"/>
+                    <a:pt y="3685504" x="0"/>
                   </a:moveTo>
                   <a:lnTo>
-                    <a:pt x="0" y="0"/>
+                    <a:pt y="0" x="0"/>
                   </a:lnTo>
                 </a:path>
               </a:pathLst>
@@ -3155,24 +3155,24 @@
         </p:sp>
         <p:sp>
           <p:nvSpPr>
-            <p:cNvPr id="12" name="Polyline form 12"/>
-            <p:cNvSpPr/>
-            <p:nvPr/>
-          </p:nvSpPr>
-          <p:spPr>
-            <a:xfrm>
-              <a:off x="4263551" y="1998802"/>
-              <a:ext cx="0" cy="3696934"/>
+            <p:cNvPr name="Polyline form 12" id="12"/>
+            <p:cNvSpPr/>
+            <p:nvPr/>
+          </p:nvSpPr>
+          <p:spPr>
+            <a:xfrm>
+              <a:off y="1998802" x="4256245"/>
+              <a:ext cy="3685504" cx="0"/>
             </a:xfrm>
             <a:custGeom>
               <a:avLst/>
               <a:pathLst>
-                <a:path w="0" h="3696934">
+                <a:path h="3685504" w="0">
                   <a:moveTo>
-                    <a:pt x="0" y="3696934"/>
+                    <a:pt y="3685504" x="0"/>
                   </a:moveTo>
                   <a:lnTo>
-                    <a:pt x="0" y="0"/>
+                    <a:pt y="0" x="0"/>
                   </a:lnTo>
                 </a:path>
               </a:pathLst>
@@ -3195,24 +3195,24 @@
         </p:sp>
         <p:sp>
           <p:nvSpPr>
-            <p:cNvPr id="13" name="Polyline form 13"/>
-            <p:cNvSpPr/>
-            <p:nvPr/>
-          </p:nvSpPr>
-          <p:spPr>
-            <a:xfrm>
-              <a:off x="1299544" y="4958058"/>
-              <a:ext cx="3472624" cy="0"/>
+            <p:cNvPr name="Polyline form 13" id="13"/>
+            <p:cNvSpPr/>
+            <p:nvPr/>
+          </p:nvSpPr>
+          <p:spPr>
+            <a:xfrm>
+              <a:off y="4948908" x="1323674"/>
+              <a:ext cy="0" cx="3435794"/>
             </a:xfrm>
             <a:custGeom>
               <a:avLst/>
               <a:pathLst>
-                <a:path w="3472624" h="0">
+                <a:path h="0" w="3435794">
                   <a:moveTo>
-                    <a:pt x="0" y="0"/>
+                    <a:pt y="0" x="0"/>
                   </a:moveTo>
                   <a:lnTo>
-                    <a:pt x="3472624" y="0"/>
+                    <a:pt y="0" x="3435794"/>
                   </a:lnTo>
                 </a:path>
               </a:pathLst>
@@ -3235,24 +3235,24 @@
         </p:sp>
         <p:sp>
           <p:nvSpPr>
-            <p:cNvPr id="14" name="Polyline form 14"/>
-            <p:cNvSpPr/>
-            <p:nvPr/>
-          </p:nvSpPr>
-          <p:spPr>
-            <a:xfrm>
-              <a:off x="1299544" y="3818787"/>
-              <a:ext cx="3472624" cy="0"/>
+            <p:cNvPr name="Polyline form 14" id="14"/>
+            <p:cNvSpPr/>
+            <p:nvPr/>
+          </p:nvSpPr>
+          <p:spPr>
+            <a:xfrm>
+              <a:off y="3813160" x="1323674"/>
+              <a:ext cy="0" cx="3435794"/>
             </a:xfrm>
             <a:custGeom>
               <a:avLst/>
               <a:pathLst>
-                <a:path w="3472624" h="0">
+                <a:path h="0" w="3435794">
                   <a:moveTo>
-                    <a:pt x="0" y="0"/>
+                    <a:pt y="0" x="0"/>
                   </a:moveTo>
                   <a:lnTo>
-                    <a:pt x="3472624" y="0"/>
+                    <a:pt y="0" x="3435794"/>
                   </a:lnTo>
                 </a:path>
               </a:pathLst>
@@ -3275,24 +3275,24 @@
         </p:sp>
         <p:sp>
           <p:nvSpPr>
-            <p:cNvPr id="15" name="Polyline form 15"/>
-            <p:cNvSpPr/>
-            <p:nvPr/>
-          </p:nvSpPr>
-          <p:spPr>
-            <a:xfrm>
-              <a:off x="1299544" y="2679516"/>
-              <a:ext cx="3472624" cy="0"/>
+            <p:cNvPr name="Polyline form 15" id="15"/>
+            <p:cNvSpPr/>
+            <p:nvPr/>
+          </p:nvSpPr>
+          <p:spPr>
+            <a:xfrm>
+              <a:off y="2677412" x="1323674"/>
+              <a:ext cy="0" cx="3435794"/>
             </a:xfrm>
             <a:custGeom>
               <a:avLst/>
               <a:pathLst>
-                <a:path w="3472624" h="0">
+                <a:path h="0" w="3435794">
                   <a:moveTo>
-                    <a:pt x="0" y="0"/>
+                    <a:pt y="0" x="0"/>
                   </a:moveTo>
                   <a:lnTo>
-                    <a:pt x="3472624" y="0"/>
+                    <a:pt y="0" x="3435794"/>
                   </a:lnTo>
                 </a:path>
               </a:pathLst>
@@ -3315,24 +3315,24 @@
         </p:sp>
         <p:sp>
           <p:nvSpPr>
-            <p:cNvPr id="16" name="Polyline form 16"/>
-            <p:cNvSpPr/>
-            <p:nvPr/>
-          </p:nvSpPr>
-          <p:spPr>
-            <a:xfrm>
-              <a:off x="2071238" y="1998802"/>
-              <a:ext cx="0" cy="3696934"/>
+            <p:cNvPr name="Polyline form 16" id="16"/>
+            <p:cNvSpPr/>
+            <p:nvPr/>
+          </p:nvSpPr>
+          <p:spPr>
+            <a:xfrm>
+              <a:off y="1998802" x="2087184"/>
+              <a:ext cy="3685504" cx="0"/>
             </a:xfrm>
             <a:custGeom>
               <a:avLst/>
               <a:pathLst>
-                <a:path w="0" h="3696934">
+                <a:path h="3685504" w="0">
                   <a:moveTo>
-                    <a:pt x="0" y="3696934"/>
+                    <a:pt y="3685504" x="0"/>
                   </a:moveTo>
                   <a:lnTo>
-                    <a:pt x="0" y="0"/>
+                    <a:pt y="0" x="0"/>
                   </a:lnTo>
                 </a:path>
               </a:pathLst>
@@ -3355,24 +3355,24 @@
         </p:sp>
         <p:sp>
           <p:nvSpPr>
-            <p:cNvPr id="17" name="Polyline form 17"/>
-            <p:cNvSpPr/>
-            <p:nvPr/>
-          </p:nvSpPr>
-          <p:spPr>
-            <a:xfrm>
-              <a:off x="2948163" y="1998802"/>
-              <a:ext cx="0" cy="3696934"/>
+            <p:cNvPr name="Polyline form 17" id="17"/>
+            <p:cNvSpPr/>
+            <p:nvPr/>
+          </p:nvSpPr>
+          <p:spPr>
+            <a:xfrm>
+              <a:off y="1998802" x="2954808"/>
+              <a:ext cy="3685504" cx="0"/>
             </a:xfrm>
             <a:custGeom>
               <a:avLst/>
               <a:pathLst>
-                <a:path w="0" h="3696934">
+                <a:path h="3685504" w="0">
                   <a:moveTo>
-                    <a:pt x="0" y="3696934"/>
+                    <a:pt y="3685504" x="0"/>
                   </a:moveTo>
                   <a:lnTo>
-                    <a:pt x="0" y="0"/>
+                    <a:pt y="0" x="0"/>
                   </a:lnTo>
                 </a:path>
               </a:pathLst>
@@ -3395,24 +3395,24 @@
         </p:sp>
         <p:sp>
           <p:nvSpPr>
-            <p:cNvPr id="18" name="Polyline form 18"/>
-            <p:cNvSpPr/>
-            <p:nvPr/>
-          </p:nvSpPr>
-          <p:spPr>
-            <a:xfrm>
-              <a:off x="3825088" y="1998802"/>
-              <a:ext cx="0" cy="3696934"/>
+            <p:cNvPr name="Polyline form 18" id="18"/>
+            <p:cNvSpPr/>
+            <p:nvPr/>
+          </p:nvSpPr>
+          <p:spPr>
+            <a:xfrm>
+              <a:off y="1998802" x="3822433"/>
+              <a:ext cy="3685504" cx="0"/>
             </a:xfrm>
             <a:custGeom>
               <a:avLst/>
               <a:pathLst>
-                <a:path w="0" h="3696934">
+                <a:path h="3685504" w="0">
                   <a:moveTo>
-                    <a:pt x="0" y="3696934"/>
+                    <a:pt y="3685504" x="0"/>
                   </a:moveTo>
                   <a:lnTo>
-                    <a:pt x="0" y="0"/>
+                    <a:pt y="0" x="0"/>
                   </a:lnTo>
                 </a:path>
               </a:pathLst>
@@ -3435,24 +3435,24 @@
         </p:sp>
         <p:sp>
           <p:nvSpPr>
-            <p:cNvPr id="19" name="Polyline form 19"/>
-            <p:cNvSpPr/>
-            <p:nvPr/>
-          </p:nvSpPr>
-          <p:spPr>
-            <a:xfrm>
-              <a:off x="4702014" y="1998802"/>
-              <a:ext cx="0" cy="3696934"/>
+            <p:cNvPr name="Polyline form 19" id="19"/>
+            <p:cNvSpPr/>
+            <p:nvPr/>
+          </p:nvSpPr>
+          <p:spPr>
+            <a:xfrm>
+              <a:off y="1998802" x="4690058"/>
+              <a:ext cy="3685504" cx="0"/>
             </a:xfrm>
             <a:custGeom>
               <a:avLst/>
               <a:pathLst>
-                <a:path w="0" h="3696934">
+                <a:path h="3685504" w="0">
                   <a:moveTo>
-                    <a:pt x="0" y="3696934"/>
+                    <a:pt y="3685504" x="0"/>
                   </a:moveTo>
                   <a:lnTo>
-                    <a:pt x="0" y="0"/>
+                    <a:pt y="0" x="0"/>
                   </a:lnTo>
                 </a:path>
               </a:pathLst>
@@ -3475,14 +3475,14 @@
         </p:sp>
         <p:sp>
           <p:nvSpPr>
-            <p:cNvPr id="20" name="Point 20"/>
-            <p:cNvSpPr/>
-            <p:nvPr/>
-          </p:nvSpPr>
-          <p:spPr>
-            <a:xfrm>
-              <a:off x="2142550" y="5283459"/>
-              <a:ext cx="32761" cy="32761"/>
+            <p:cNvPr name="Point 20" id="20"/>
+            <p:cNvSpPr/>
+            <p:nvPr/>
+          </p:nvSpPr>
+          <p:spPr>
+            <a:xfrm>
+              <a:off y="5273253" x="2157566"/>
+              <a:ext cy="32761" cx="32761"/>
             </a:xfrm>
             <a:prstGeom prst="ellipse">
               <a:avLst/>
@@ -3501,14 +3501,14 @@
         </p:sp>
         <p:sp>
           <p:nvSpPr>
-            <p:cNvPr id="21" name="Point 21"/>
-            <p:cNvSpPr/>
-            <p:nvPr/>
-          </p:nvSpPr>
-          <p:spPr>
-            <a:xfrm>
-              <a:off x="1967165" y="5283459"/>
-              <a:ext cx="32761" cy="32761"/>
+            <p:cNvPr name="Point 21" id="21"/>
+            <p:cNvSpPr/>
+            <p:nvPr/>
+          </p:nvSpPr>
+          <p:spPr>
+            <a:xfrm>
+              <a:off y="5273253" x="1984041"/>
+              <a:ext cy="32761" cx="32761"/>
             </a:xfrm>
             <a:prstGeom prst="ellipse">
               <a:avLst/>
@@ -3527,14 +3527,14 @@
         </p:sp>
         <p:sp>
           <p:nvSpPr>
-            <p:cNvPr id="22" name="Point 22"/>
-            <p:cNvSpPr/>
-            <p:nvPr/>
-          </p:nvSpPr>
-          <p:spPr>
-            <a:xfrm>
-              <a:off x="1791780" y="5340422"/>
-              <a:ext cx="32761" cy="32761"/>
+            <p:cNvPr name="Point 22" id="22"/>
+            <p:cNvSpPr/>
+            <p:nvPr/>
+          </p:nvSpPr>
+          <p:spPr>
+            <a:xfrm>
+              <a:off y="5330040" x="1810516"/>
+              <a:ext cy="32761" cx="32761"/>
             </a:xfrm>
             <a:prstGeom prst="ellipse">
               <a:avLst/>
@@ -3553,14 +3553,14 @@
         </p:sp>
         <p:sp>
           <p:nvSpPr>
-            <p:cNvPr id="23" name="Point 23"/>
-            <p:cNvSpPr/>
-            <p:nvPr/>
-          </p:nvSpPr>
-          <p:spPr>
-            <a:xfrm>
-              <a:off x="1704088" y="5226495"/>
-              <a:ext cx="32761" cy="32761"/>
+            <p:cNvPr name="Point 23" id="23"/>
+            <p:cNvSpPr/>
+            <p:nvPr/>
+          </p:nvSpPr>
+          <p:spPr>
+            <a:xfrm>
+              <a:off y="5216465" x="1723753"/>
+              <a:ext cy="32761" cx="32761"/>
             </a:xfrm>
             <a:prstGeom prst="ellipse">
               <a:avLst/>
@@ -3579,14 +3579,14 @@
         </p:sp>
         <p:sp>
           <p:nvSpPr>
-            <p:cNvPr id="24" name="Point 24"/>
-            <p:cNvSpPr/>
-            <p:nvPr/>
-          </p:nvSpPr>
-          <p:spPr>
-            <a:xfrm>
-              <a:off x="2054858" y="5283459"/>
-              <a:ext cx="32761" cy="32761"/>
+            <p:cNvPr name="Point 24" id="24"/>
+            <p:cNvSpPr/>
+            <p:nvPr/>
+          </p:nvSpPr>
+          <p:spPr>
+            <a:xfrm>
+              <a:off y="5273253" x="2070803"/>
+              <a:ext cy="32761" cx="32761"/>
             </a:xfrm>
             <a:prstGeom prst="ellipse">
               <a:avLst/>
@@ -3605,14 +3605,14 @@
         </p:sp>
         <p:sp>
           <p:nvSpPr>
-            <p:cNvPr id="25" name="Point 25"/>
-            <p:cNvSpPr/>
-            <p:nvPr/>
-          </p:nvSpPr>
-          <p:spPr>
-            <a:xfrm>
-              <a:off x="2399942" y="5106882"/>
-              <a:ext cx="44132" cy="44132"/>
+            <p:cNvPr name="Point 25" id="25"/>
+            <p:cNvSpPr/>
+            <p:nvPr/>
+          </p:nvSpPr>
+          <p:spPr>
+            <a:xfrm>
+              <a:off y="5097205" x="2412167"/>
+              <a:ext cy="44132" cx="44132"/>
             </a:xfrm>
             <a:prstGeom prst="ellipse">
               <a:avLst/>
@@ -3631,14 +3631,14 @@
         </p:sp>
         <p:sp>
           <p:nvSpPr>
-            <p:cNvPr id="26" name="Point 26"/>
-            <p:cNvSpPr/>
-            <p:nvPr/>
-          </p:nvSpPr>
-          <p:spPr>
-            <a:xfrm>
-              <a:off x="1701245" y="5280616"/>
-              <a:ext cx="38446" cy="38446"/>
+            <p:cNvPr name="Point 26" id="26"/>
+            <p:cNvSpPr/>
+            <p:nvPr/>
+          </p:nvSpPr>
+          <p:spPr>
+            <a:xfrm>
+              <a:off y="5270410" x="1720911"/>
+              <a:ext cy="38446" cx="38446"/>
             </a:xfrm>
             <a:prstGeom prst="ellipse">
               <a:avLst/>
@@ -3657,14 +3657,14 @@
         </p:sp>
         <p:sp>
           <p:nvSpPr>
-            <p:cNvPr id="27" name="Point 27"/>
-            <p:cNvSpPr/>
-            <p:nvPr/>
-          </p:nvSpPr>
-          <p:spPr>
-            <a:xfrm>
-              <a:off x="2054858" y="5226495"/>
-              <a:ext cx="32761" cy="32761"/>
+            <p:cNvPr name="Point 27" id="27"/>
+            <p:cNvSpPr/>
+            <p:nvPr/>
+          </p:nvSpPr>
+          <p:spPr>
+            <a:xfrm>
+              <a:off y="5216465" x="2070803"/>
+              <a:ext cy="32761" cx="32761"/>
             </a:xfrm>
             <a:prstGeom prst="ellipse">
               <a:avLst/>
@@ -3683,14 +3683,14 @@
         </p:sp>
         <p:sp>
           <p:nvSpPr>
-            <p:cNvPr id="28" name="Point 28"/>
-            <p:cNvSpPr/>
-            <p:nvPr/>
-          </p:nvSpPr>
-          <p:spPr>
-            <a:xfrm>
-              <a:off x="1528703" y="5283459"/>
-              <a:ext cx="32761" cy="32761"/>
+            <p:cNvPr name="Point 28" id="28"/>
+            <p:cNvSpPr/>
+            <p:nvPr/>
+          </p:nvSpPr>
+          <p:spPr>
+            <a:xfrm>
+              <a:off y="5273253" x="1550229"/>
+              <a:ext cy="32761" cx="32761"/>
             </a:xfrm>
             <a:prstGeom prst="ellipse">
               <a:avLst/>
@@ -3709,14 +3709,14 @@
         </p:sp>
         <p:sp>
           <p:nvSpPr>
-            <p:cNvPr id="29" name="Point 29"/>
-            <p:cNvSpPr/>
-            <p:nvPr/>
-          </p:nvSpPr>
-          <p:spPr>
-            <a:xfrm>
-              <a:off x="1970008" y="5229338"/>
-              <a:ext cx="27075" cy="27075"/>
+            <p:cNvPr name="Point 29" id="29"/>
+            <p:cNvSpPr/>
+            <p:nvPr/>
+          </p:nvSpPr>
+          <p:spPr>
+            <a:xfrm>
+              <a:off y="5219308" x="1986884"/>
+              <a:ext cy="27075" cx="27075"/>
             </a:xfrm>
             <a:prstGeom prst="ellipse">
               <a:avLst/>
@@ -3735,14 +3735,14 @@
         </p:sp>
         <p:sp>
           <p:nvSpPr>
-            <p:cNvPr id="30" name="Point 30"/>
-            <p:cNvSpPr/>
-            <p:nvPr/>
-          </p:nvSpPr>
-          <p:spPr>
-            <a:xfrm>
-              <a:off x="2405628" y="5226495"/>
-              <a:ext cx="32761" cy="32761"/>
+            <p:cNvPr name="Point 30" id="30"/>
+            <p:cNvSpPr/>
+            <p:nvPr/>
+          </p:nvSpPr>
+          <p:spPr>
+            <a:xfrm>
+              <a:off y="5216465" x="2417853"/>
+              <a:ext cy="32761" cx="32761"/>
             </a:xfrm>
             <a:prstGeom prst="ellipse">
               <a:avLst/>
@@ -3761,14 +3761,14 @@
         </p:sp>
         <p:sp>
           <p:nvSpPr>
-            <p:cNvPr id="31" name="Point 31"/>
-            <p:cNvSpPr/>
-            <p:nvPr/>
-          </p:nvSpPr>
-          <p:spPr>
-            <a:xfrm>
-              <a:off x="1879473" y="5169532"/>
-              <a:ext cx="32761" cy="32761"/>
+            <p:cNvPr name="Point 31" id="31"/>
+            <p:cNvSpPr/>
+            <p:nvPr/>
+          </p:nvSpPr>
+          <p:spPr>
+            <a:xfrm>
+              <a:off y="5159678" x="1897278"/>
+              <a:ext cy="32761" cx="32761"/>
             </a:xfrm>
             <a:prstGeom prst="ellipse">
               <a:avLst/>
@@ -3787,14 +3787,14 @@
         </p:sp>
         <p:sp>
           <p:nvSpPr>
-            <p:cNvPr id="32" name="Point 32"/>
-            <p:cNvSpPr/>
-            <p:nvPr/>
-          </p:nvSpPr>
-          <p:spPr>
-            <a:xfrm>
-              <a:off x="1882316" y="5286301"/>
-              <a:ext cx="27075" cy="27075"/>
+            <p:cNvPr name="Point 32" id="32"/>
+            <p:cNvSpPr/>
+            <p:nvPr/>
+          </p:nvSpPr>
+          <p:spPr>
+            <a:xfrm>
+              <a:off y="5276095" x="1900121"/>
+              <a:ext cy="27075" cx="27075"/>
             </a:xfrm>
             <a:prstGeom prst="ellipse">
               <a:avLst/>
@@ -3813,14 +3813,14 @@
         </p:sp>
         <p:sp>
           <p:nvSpPr>
-            <p:cNvPr id="33" name="Point 33"/>
-            <p:cNvSpPr/>
-            <p:nvPr/>
-          </p:nvSpPr>
-          <p:spPr>
-            <a:xfrm>
-              <a:off x="1443853" y="5457192"/>
-              <a:ext cx="27075" cy="27075"/>
+            <p:cNvPr name="Point 33" id="33"/>
+            <p:cNvSpPr/>
+            <p:nvPr/>
+          </p:nvSpPr>
+          <p:spPr>
+            <a:xfrm>
+              <a:off y="5446458" x="1466309"/>
+              <a:ext cy="27075" cx="27075"/>
             </a:xfrm>
             <a:prstGeom prst="ellipse">
               <a:avLst/>
@@ -3839,14 +3839,14 @@
         </p:sp>
         <p:sp>
           <p:nvSpPr>
-            <p:cNvPr id="34" name="Point 34"/>
-            <p:cNvSpPr/>
-            <p:nvPr/>
-          </p:nvSpPr>
-          <p:spPr>
-            <a:xfrm>
-              <a:off x="2756398" y="5397386"/>
-              <a:ext cx="32761" cy="32761"/>
+            <p:cNvPr name="Point 34" id="34"/>
+            <p:cNvSpPr/>
+            <p:nvPr/>
+          </p:nvSpPr>
+          <p:spPr>
+            <a:xfrm>
+              <a:off y="5386827" x="2764903"/>
+              <a:ext cy="32761" cx="32761"/>
             </a:xfrm>
             <a:prstGeom prst="ellipse">
               <a:avLst/>
@@ -3865,14 +3865,14 @@
         </p:sp>
         <p:sp>
           <p:nvSpPr>
-            <p:cNvPr id="35" name="Point 35"/>
-            <p:cNvSpPr/>
-            <p:nvPr/>
-          </p:nvSpPr>
-          <p:spPr>
-            <a:xfrm>
-              <a:off x="2663020" y="5220809"/>
-              <a:ext cx="44132" cy="44132"/>
+            <p:cNvPr name="Point 35" id="35"/>
+            <p:cNvSpPr/>
+            <p:nvPr/>
+          </p:nvSpPr>
+          <p:spPr>
+            <a:xfrm>
+              <a:off y="5210779" x="2672455"/>
+              <a:ext cy="44132" cx="44132"/>
             </a:xfrm>
             <a:prstGeom prst="ellipse">
               <a:avLst/>
@@ -3891,14 +3891,14 @@
         </p:sp>
         <p:sp>
           <p:nvSpPr>
-            <p:cNvPr id="36" name="Point 36"/>
-            <p:cNvSpPr/>
-            <p:nvPr/>
-          </p:nvSpPr>
-          <p:spPr>
-            <a:xfrm>
-              <a:off x="2399942" y="5334736"/>
-              <a:ext cx="44132" cy="44132"/>
+            <p:cNvPr name="Point 36" id="36"/>
+            <p:cNvSpPr/>
+            <p:nvPr/>
+          </p:nvSpPr>
+          <p:spPr>
+            <a:xfrm>
+              <a:off y="5324354" x="2412167"/>
+              <a:ext cy="44132" cx="44132"/>
             </a:xfrm>
             <a:prstGeom prst="ellipse">
               <a:avLst/>
@@ -3917,14 +3917,14 @@
         </p:sp>
         <p:sp>
           <p:nvSpPr>
-            <p:cNvPr id="37" name="Point 37"/>
-            <p:cNvSpPr/>
-            <p:nvPr/>
-          </p:nvSpPr>
-          <p:spPr>
-            <a:xfrm>
-              <a:off x="2139707" y="5280616"/>
-              <a:ext cx="38446" cy="38446"/>
+            <p:cNvPr name="Point 37" id="37"/>
+            <p:cNvSpPr/>
+            <p:nvPr/>
+          </p:nvSpPr>
+          <p:spPr>
+            <a:xfrm>
+              <a:off y="5270410" x="2154723"/>
+              <a:ext cy="38446" cx="38446"/>
             </a:xfrm>
             <a:prstGeom prst="ellipse">
               <a:avLst/>
@@ -3943,14 +3943,14 @@
         </p:sp>
         <p:sp>
           <p:nvSpPr>
-            <p:cNvPr id="38" name="Point 38"/>
-            <p:cNvSpPr/>
-            <p:nvPr/>
-          </p:nvSpPr>
-          <p:spPr>
-            <a:xfrm>
-              <a:off x="2665863" y="5109725"/>
-              <a:ext cx="38446" cy="38446"/>
+            <p:cNvPr name="Point 38" id="38"/>
+            <p:cNvSpPr/>
+            <p:nvPr/>
+          </p:nvSpPr>
+          <p:spPr>
+            <a:xfrm>
+              <a:off y="5100047" x="2675298"/>
+              <a:ext cy="38446" cx="38446"/>
             </a:xfrm>
             <a:prstGeom prst="ellipse">
               <a:avLst/>
@@ -3969,14 +3969,14 @@
         </p:sp>
         <p:sp>
           <p:nvSpPr>
-            <p:cNvPr id="39" name="Point 39"/>
-            <p:cNvSpPr/>
-            <p:nvPr/>
-          </p:nvSpPr>
-          <p:spPr>
-            <a:xfrm>
-              <a:off x="2139707" y="5223652"/>
-              <a:ext cx="38446" cy="38446"/>
+            <p:cNvPr name="Point 39" id="39"/>
+            <p:cNvSpPr/>
+            <p:nvPr/>
+          </p:nvSpPr>
+          <p:spPr>
+            <a:xfrm>
+              <a:off y="5213622" x="2154723"/>
+              <a:ext cy="38446" cx="38446"/>
             </a:xfrm>
             <a:prstGeom prst="ellipse">
               <a:avLst/>
@@ -3995,14 +3995,14 @@
         </p:sp>
         <p:sp>
           <p:nvSpPr>
-            <p:cNvPr id="40" name="Point 40"/>
-            <p:cNvSpPr/>
-            <p:nvPr/>
-          </p:nvSpPr>
-          <p:spPr>
-            <a:xfrm>
-              <a:off x="2405628" y="5112568"/>
-              <a:ext cx="32761" cy="32761"/>
+            <p:cNvPr name="Point 40" id="40"/>
+            <p:cNvSpPr/>
+            <p:nvPr/>
+          </p:nvSpPr>
+          <p:spPr>
+            <a:xfrm>
+              <a:off y="5102890" x="2417853"/>
+              <a:ext cy="32761" cx="32761"/>
             </a:xfrm>
             <a:prstGeom prst="ellipse">
               <a:avLst/>
@@ -4021,14 +4021,14 @@
         </p:sp>
         <p:sp>
           <p:nvSpPr>
-            <p:cNvPr id="41" name="Point 41"/>
-            <p:cNvSpPr/>
-            <p:nvPr/>
-          </p:nvSpPr>
-          <p:spPr>
-            <a:xfrm>
-              <a:off x="2136865" y="5220809"/>
-              <a:ext cx="44132" cy="44132"/>
+            <p:cNvPr name="Point 41" id="41"/>
+            <p:cNvSpPr/>
+            <p:nvPr/>
+          </p:nvSpPr>
+          <p:spPr>
+            <a:xfrm>
+              <a:off y="5210779" x="2151880"/>
+              <a:ext cy="44132" cx="44132"/>
             </a:xfrm>
             <a:prstGeom prst="ellipse">
               <a:avLst/>
@@ -4047,14 +4047,14 @@
         </p:sp>
         <p:sp>
           <p:nvSpPr>
-            <p:cNvPr id="42" name="Point 42"/>
-            <p:cNvSpPr/>
-            <p:nvPr/>
-          </p:nvSpPr>
-          <p:spPr>
-            <a:xfrm>
-              <a:off x="1704088" y="5511313"/>
-              <a:ext cx="32761" cy="32761"/>
+            <p:cNvPr name="Point 42" id="42"/>
+            <p:cNvSpPr/>
+            <p:nvPr/>
+          </p:nvSpPr>
+          <p:spPr>
+            <a:xfrm>
+              <a:off y="5500402" x="1723753"/>
+              <a:ext cy="32761" cx="32761"/>
             </a:xfrm>
             <a:prstGeom prst="ellipse">
               <a:avLst/>
@@ -4073,14 +4073,14 @@
         </p:sp>
         <p:sp>
           <p:nvSpPr>
-            <p:cNvPr id="43" name="Point 43"/>
-            <p:cNvSpPr/>
-            <p:nvPr/>
-          </p:nvSpPr>
-          <p:spPr>
-            <a:xfrm>
-              <a:off x="2134157" y="5104175"/>
-              <a:ext cx="49547" cy="49547"/>
+            <p:cNvPr name="Point 43" id="43"/>
+            <p:cNvSpPr/>
+            <p:nvPr/>
+          </p:nvSpPr>
+          <p:spPr>
+            <a:xfrm>
+              <a:off y="5094497" x="2149173"/>
+              <a:ext cy="49547" cx="49547"/>
             </a:xfrm>
             <a:prstGeom prst="ellipse">
               <a:avLst/>
@@ -4099,14 +4099,14 @@
         </p:sp>
         <p:sp>
           <p:nvSpPr>
-            <p:cNvPr id="44" name="Point 44"/>
-            <p:cNvSpPr/>
-            <p:nvPr/>
-          </p:nvSpPr>
-          <p:spPr>
-            <a:xfrm>
-              <a:off x="1879473" y="4998641"/>
-              <a:ext cx="32761" cy="32761"/>
+            <p:cNvPr name="Point 44" id="44"/>
+            <p:cNvSpPr/>
+            <p:nvPr/>
+          </p:nvSpPr>
+          <p:spPr>
+            <a:xfrm>
+              <a:off y="4989315" x="1897278"/>
+              <a:ext cy="32761" cx="32761"/>
             </a:xfrm>
             <a:prstGeom prst="ellipse">
               <a:avLst/>
@@ -4125,14 +4125,14 @@
         </p:sp>
         <p:sp>
           <p:nvSpPr>
-            <p:cNvPr id="45" name="Point 45"/>
-            <p:cNvSpPr/>
-            <p:nvPr/>
-          </p:nvSpPr>
-          <p:spPr>
-            <a:xfrm>
-              <a:off x="2054858" y="5169532"/>
-              <a:ext cx="32761" cy="32761"/>
+            <p:cNvPr name="Point 45" id="45"/>
+            <p:cNvSpPr/>
+            <p:nvPr/>
+          </p:nvSpPr>
+          <p:spPr>
+            <a:xfrm>
+              <a:off y="5159678" x="2070803"/>
+              <a:ext cy="32761" cx="32761"/>
             </a:xfrm>
             <a:prstGeom prst="ellipse">
               <a:avLst/>
@@ -4151,14 +4151,14 @@
         </p:sp>
         <p:sp>
           <p:nvSpPr>
-            <p:cNvPr id="46" name="Point 46"/>
-            <p:cNvSpPr/>
-            <p:nvPr/>
-          </p:nvSpPr>
-          <p:spPr>
-            <a:xfrm>
-              <a:off x="2049172" y="5163846"/>
-              <a:ext cx="44132" cy="44132"/>
+            <p:cNvPr name="Point 46" id="46"/>
+            <p:cNvSpPr/>
+            <p:nvPr/>
+          </p:nvSpPr>
+          <p:spPr>
+            <a:xfrm>
+              <a:off y="5153992" x="2065118"/>
+              <a:ext cy="44132" cx="44132"/>
             </a:xfrm>
             <a:prstGeom prst="ellipse">
               <a:avLst/>
@@ -4177,14 +4177,14 @@
         </p:sp>
         <p:sp>
           <p:nvSpPr>
-            <p:cNvPr id="47" name="Point 47"/>
-            <p:cNvSpPr/>
-            <p:nvPr/>
-          </p:nvSpPr>
-          <p:spPr>
-            <a:xfrm>
-              <a:off x="2230243" y="5226495"/>
-              <a:ext cx="32761" cy="32761"/>
+            <p:cNvPr name="Point 47" id="47"/>
+            <p:cNvSpPr/>
+            <p:nvPr/>
+          </p:nvSpPr>
+          <p:spPr>
+            <a:xfrm>
+              <a:off y="5216465" x="2244328"/>
+              <a:ext cy="32761" cx="32761"/>
             </a:xfrm>
             <a:prstGeom prst="ellipse">
               <a:avLst/>
@@ -4203,14 +4203,14 @@
         </p:sp>
         <p:sp>
           <p:nvSpPr>
-            <p:cNvPr id="48" name="Point 48"/>
-            <p:cNvSpPr/>
-            <p:nvPr/>
-          </p:nvSpPr>
-          <p:spPr>
-            <a:xfrm>
-              <a:off x="2230243" y="5283459"/>
-              <a:ext cx="32761" cy="32761"/>
+            <p:cNvPr name="Point 48" id="48"/>
+            <p:cNvSpPr/>
+            <p:nvPr/>
+          </p:nvSpPr>
+          <p:spPr>
+            <a:xfrm>
+              <a:off y="5273253" x="2244328"/>
+              <a:ext cy="32761" cx="32761"/>
             </a:xfrm>
             <a:prstGeom prst="ellipse">
               <a:avLst/>
@@ -4229,14 +4229,14 @@
         </p:sp>
         <p:sp>
           <p:nvSpPr>
-            <p:cNvPr id="49" name="Point 49"/>
-            <p:cNvSpPr/>
-            <p:nvPr/>
-          </p:nvSpPr>
-          <p:spPr>
-            <a:xfrm>
-              <a:off x="1791780" y="5169532"/>
-              <a:ext cx="32761" cy="32761"/>
+            <p:cNvPr name="Point 49" id="49"/>
+            <p:cNvSpPr/>
+            <p:nvPr/>
+          </p:nvSpPr>
+          <p:spPr>
+            <a:xfrm>
+              <a:off y="5159678" x="1810516"/>
+              <a:ext cy="32761" cx="32761"/>
             </a:xfrm>
             <a:prstGeom prst="ellipse">
               <a:avLst/>
@@ -4255,14 +4255,14 @@
         </p:sp>
         <p:sp>
           <p:nvSpPr>
-            <p:cNvPr id="50" name="Point 50"/>
-            <p:cNvSpPr/>
-            <p:nvPr/>
-          </p:nvSpPr>
-          <p:spPr>
-            <a:xfrm>
-              <a:off x="1879473" y="5169532"/>
-              <a:ext cx="32761" cy="32761"/>
+            <p:cNvPr name="Point 50" id="50"/>
+            <p:cNvSpPr/>
+            <p:nvPr/>
+          </p:nvSpPr>
+          <p:spPr>
+            <a:xfrm>
+              <a:off y="5159678" x="1897278"/>
+              <a:ext cy="32761" cx="32761"/>
             </a:xfrm>
             <a:prstGeom prst="ellipse">
               <a:avLst/>
@@ -4281,14 +4281,14 @@
         </p:sp>
         <p:sp>
           <p:nvSpPr>
-            <p:cNvPr id="51" name="Point 51"/>
-            <p:cNvSpPr/>
-            <p:nvPr/>
-          </p:nvSpPr>
-          <p:spPr>
-            <a:xfrm>
-              <a:off x="2399942" y="5220809"/>
-              <a:ext cx="44132" cy="44132"/>
+            <p:cNvPr name="Point 51" id="51"/>
+            <p:cNvSpPr/>
+            <p:nvPr/>
+          </p:nvSpPr>
+          <p:spPr>
+            <a:xfrm>
+              <a:off y="5210779" x="2412167"/>
+              <a:ext cy="44132" cx="44132"/>
             </a:xfrm>
             <a:prstGeom prst="ellipse">
               <a:avLst/>
@@ -4307,14 +4307,14 @@
         </p:sp>
         <p:sp>
           <p:nvSpPr>
-            <p:cNvPr id="52" name="Point 52"/>
-            <p:cNvSpPr/>
-            <p:nvPr/>
-          </p:nvSpPr>
-          <p:spPr>
-            <a:xfrm>
-              <a:off x="2233086" y="5229338"/>
-              <a:ext cx="27075" cy="27075"/>
+            <p:cNvPr name="Point 52" id="52"/>
+            <p:cNvSpPr/>
+            <p:nvPr/>
+          </p:nvSpPr>
+          <p:spPr>
+            <a:xfrm>
+              <a:off y="5219308" x="2247171"/>
+              <a:ext cy="27075" cx="27075"/>
             </a:xfrm>
             <a:prstGeom prst="ellipse">
               <a:avLst/>
@@ -4333,14 +4333,14 @@
         </p:sp>
         <p:sp>
           <p:nvSpPr>
-            <p:cNvPr id="53" name="Point 53"/>
-            <p:cNvSpPr/>
-            <p:nvPr/>
-          </p:nvSpPr>
-          <p:spPr>
-            <a:xfrm>
-              <a:off x="2493320" y="5283459"/>
-              <a:ext cx="32761" cy="32761"/>
+            <p:cNvPr name="Point 53" id="53"/>
+            <p:cNvSpPr/>
+            <p:nvPr/>
+          </p:nvSpPr>
+          <p:spPr>
+            <a:xfrm>
+              <a:off y="5273253" x="2504616"/>
+              <a:ext cy="32761" cx="32761"/>
             </a:xfrm>
             <a:prstGeom prst="ellipse">
               <a:avLst/>
@@ -4359,14 +4359,14 @@
         </p:sp>
         <p:sp>
           <p:nvSpPr>
-            <p:cNvPr id="54" name="Point 54"/>
-            <p:cNvSpPr/>
-            <p:nvPr/>
-          </p:nvSpPr>
-          <p:spPr>
-            <a:xfrm>
-              <a:off x="1967165" y="5226495"/>
-              <a:ext cx="32761" cy="32761"/>
+            <p:cNvPr name="Point 54" id="54"/>
+            <p:cNvSpPr/>
+            <p:nvPr/>
+          </p:nvSpPr>
+          <p:spPr>
+            <a:xfrm>
+              <a:off y="5216465" x="1984041"/>
+              <a:ext cy="32761" cx="32761"/>
             </a:xfrm>
             <a:prstGeom prst="ellipse">
               <a:avLst/>
@@ -4385,14 +4385,14 @@
         </p:sp>
         <p:sp>
           <p:nvSpPr>
-            <p:cNvPr id="55" name="Point 55"/>
-            <p:cNvSpPr/>
-            <p:nvPr/>
-          </p:nvSpPr>
-          <p:spPr>
-            <a:xfrm>
-              <a:off x="2054858" y="5397386"/>
-              <a:ext cx="32761" cy="32761"/>
+            <p:cNvPr name="Point 55" id="55"/>
+            <p:cNvSpPr/>
+            <p:nvPr/>
+          </p:nvSpPr>
+          <p:spPr>
+            <a:xfrm>
+              <a:off y="5386827" x="2070803"/>
+              <a:ext cy="32761" cx="32761"/>
             </a:xfrm>
             <a:prstGeom prst="ellipse">
               <a:avLst/>
@@ -4411,14 +4411,14 @@
         </p:sp>
         <p:sp>
           <p:nvSpPr>
-            <p:cNvPr id="56" name="Point 56"/>
-            <p:cNvSpPr/>
-            <p:nvPr/>
-          </p:nvSpPr>
-          <p:spPr>
-            <a:xfrm>
-              <a:off x="2493320" y="5340422"/>
-              <a:ext cx="32761" cy="32761"/>
+            <p:cNvPr name="Point 56" id="56"/>
+            <p:cNvSpPr/>
+            <p:nvPr/>
+          </p:nvSpPr>
+          <p:spPr>
+            <a:xfrm>
+              <a:off y="5330040" x="2504616"/>
+              <a:ext cy="32761" cx="32761"/>
             </a:xfrm>
             <a:prstGeom prst="ellipse">
               <a:avLst/>
@@ -4437,14 +4437,14 @@
         </p:sp>
         <p:sp>
           <p:nvSpPr>
-            <p:cNvPr id="57" name="Point 57"/>
-            <p:cNvSpPr/>
-            <p:nvPr/>
-          </p:nvSpPr>
-          <p:spPr>
-            <a:xfrm>
-              <a:off x="1970008" y="5286301"/>
-              <a:ext cx="27075" cy="27075"/>
+            <p:cNvPr name="Point 57" id="57"/>
+            <p:cNvSpPr/>
+            <p:nvPr/>
+          </p:nvSpPr>
+          <p:spPr>
+            <a:xfrm>
+              <a:off y="5276095" x="1986884"/>
+              <a:ext cy="27075" cx="27075"/>
             </a:xfrm>
             <a:prstGeom prst="ellipse">
               <a:avLst/>
@@ -4463,14 +4463,14 @@
         </p:sp>
         <p:sp>
           <p:nvSpPr>
-            <p:cNvPr id="58" name="Point 58"/>
-            <p:cNvSpPr/>
-            <p:nvPr/>
-          </p:nvSpPr>
-          <p:spPr>
-            <a:xfrm>
-              <a:off x="1528703" y="5340422"/>
-              <a:ext cx="32761" cy="32761"/>
+            <p:cNvPr name="Point 58" id="58"/>
+            <p:cNvSpPr/>
+            <p:nvPr/>
+          </p:nvSpPr>
+          <p:spPr>
+            <a:xfrm>
+              <a:off y="5330040" x="1550229"/>
+              <a:ext cy="32761" cx="32761"/>
             </a:xfrm>
             <a:prstGeom prst="ellipse">
               <a:avLst/>
@@ -4489,14 +4489,14 @@
         </p:sp>
         <p:sp>
           <p:nvSpPr>
-            <p:cNvPr id="59" name="Point 59"/>
-            <p:cNvSpPr/>
-            <p:nvPr/>
-          </p:nvSpPr>
-          <p:spPr>
-            <a:xfrm>
-              <a:off x="2142550" y="5226495"/>
-              <a:ext cx="32761" cy="32761"/>
+            <p:cNvPr name="Point 59" id="59"/>
+            <p:cNvSpPr/>
+            <p:nvPr/>
+          </p:nvSpPr>
+          <p:spPr>
+            <a:xfrm>
+              <a:off y="5216465" x="2157566"/>
+              <a:ext cy="32761" cx="32761"/>
             </a:xfrm>
             <a:prstGeom prst="ellipse">
               <a:avLst/>
@@ -4515,14 +4515,14 @@
         </p:sp>
         <p:sp>
           <p:nvSpPr>
-            <p:cNvPr id="60" name="Point 60"/>
-            <p:cNvSpPr/>
-            <p:nvPr/>
-          </p:nvSpPr>
-          <p:spPr>
-            <a:xfrm>
-              <a:off x="2052015" y="5337579"/>
-              <a:ext cx="38446" cy="38446"/>
+            <p:cNvPr name="Point 60" id="60"/>
+            <p:cNvSpPr/>
+            <p:nvPr/>
+          </p:nvSpPr>
+          <p:spPr>
+            <a:xfrm>
+              <a:off y="5327197" x="2067960"/>
+              <a:ext cy="38446" cx="38446"/>
             </a:xfrm>
             <a:prstGeom prst="ellipse">
               <a:avLst/>
@@ -4541,14 +4541,14 @@
         </p:sp>
         <p:sp>
           <p:nvSpPr>
-            <p:cNvPr id="61" name="Point 61"/>
-            <p:cNvSpPr/>
-            <p:nvPr/>
-          </p:nvSpPr>
-          <p:spPr>
-            <a:xfrm>
-              <a:off x="1613552" y="5337579"/>
-              <a:ext cx="38446" cy="38446"/>
+            <p:cNvPr name="Point 61" id="61"/>
+            <p:cNvSpPr/>
+            <p:nvPr/>
+          </p:nvSpPr>
+          <p:spPr>
+            <a:xfrm>
+              <a:off y="5327197" x="1634148"/>
+              <a:ext cy="38446" cx="38446"/>
             </a:xfrm>
             <a:prstGeom prst="ellipse">
               <a:avLst/>
@@ -4567,14 +4567,14 @@
         </p:sp>
         <p:sp>
           <p:nvSpPr>
-            <p:cNvPr id="62" name="Point 62"/>
-            <p:cNvSpPr/>
-            <p:nvPr/>
-          </p:nvSpPr>
-          <p:spPr>
-            <a:xfrm>
-              <a:off x="1528703" y="5340422"/>
-              <a:ext cx="32761" cy="32761"/>
+            <p:cNvPr name="Point 62" id="62"/>
+            <p:cNvSpPr/>
+            <p:nvPr/>
+          </p:nvSpPr>
+          <p:spPr>
+            <a:xfrm>
+              <a:off y="5330040" x="1550229"/>
+              <a:ext cy="32761" cx="32761"/>
             </a:xfrm>
             <a:prstGeom prst="ellipse">
               <a:avLst/>
@@ -4593,14 +4593,14 @@
         </p:sp>
         <p:sp>
           <p:nvSpPr>
-            <p:cNvPr id="63" name="Point 63"/>
-            <p:cNvSpPr/>
-            <p:nvPr/>
-          </p:nvSpPr>
-          <p:spPr>
-            <a:xfrm>
-              <a:off x="2043622" y="5158295"/>
-              <a:ext cx="55233" cy="55233"/>
+            <p:cNvPr name="Point 63" id="63"/>
+            <p:cNvSpPr/>
+            <p:nvPr/>
+          </p:nvSpPr>
+          <p:spPr>
+            <a:xfrm>
+              <a:off y="5148442" x="2059567"/>
+              <a:ext cy="55233" cx="55233"/>
             </a:xfrm>
             <a:prstGeom prst="ellipse">
               <a:avLst/>
@@ -4619,14 +4619,14 @@
         </p:sp>
         <p:sp>
           <p:nvSpPr>
-            <p:cNvPr id="64" name="Point 64"/>
-            <p:cNvSpPr/>
-            <p:nvPr/>
-          </p:nvSpPr>
-          <p:spPr>
-            <a:xfrm>
-              <a:off x="2136865" y="4992955"/>
-              <a:ext cx="44132" cy="44132"/>
+            <p:cNvPr name="Point 64" id="64"/>
+            <p:cNvSpPr/>
+            <p:nvPr/>
+          </p:nvSpPr>
+          <p:spPr>
+            <a:xfrm>
+              <a:off y="4983630" x="2151880"/>
+              <a:ext cy="44132" cx="44132"/>
             </a:xfrm>
             <a:prstGeom prst="ellipse">
               <a:avLst/>
@@ -4645,14 +4645,14 @@
         </p:sp>
         <p:sp>
           <p:nvSpPr>
-            <p:cNvPr id="65" name="Point 65"/>
-            <p:cNvSpPr/>
-            <p:nvPr/>
-          </p:nvSpPr>
-          <p:spPr>
-            <a:xfrm>
-              <a:off x="1876630" y="5280616"/>
-              <a:ext cx="38446" cy="38446"/>
+            <p:cNvPr name="Point 65" id="65"/>
+            <p:cNvSpPr/>
+            <p:nvPr/>
+          </p:nvSpPr>
+          <p:spPr>
+            <a:xfrm>
+              <a:off y="5270410" x="1894436"/>
+              <a:ext cy="38446" cx="38446"/>
             </a:xfrm>
             <a:prstGeom prst="ellipse">
               <a:avLst/>
@@ -4671,14 +4671,14 @@
         </p:sp>
         <p:sp>
           <p:nvSpPr>
-            <p:cNvPr id="66" name="Point 66"/>
-            <p:cNvSpPr/>
-            <p:nvPr/>
-          </p:nvSpPr>
-          <p:spPr>
-            <a:xfrm>
-              <a:off x="2142550" y="5169532"/>
-              <a:ext cx="32761" cy="32761"/>
+            <p:cNvPr name="Point 66" id="66"/>
+            <p:cNvSpPr/>
+            <p:nvPr/>
+          </p:nvSpPr>
+          <p:spPr>
+            <a:xfrm>
+              <a:off y="5159678" x="2157566"/>
+              <a:ext cy="32761" cx="32761"/>
             </a:xfrm>
             <a:prstGeom prst="ellipse">
               <a:avLst/>
@@ -4697,14 +4697,14 @@
         </p:sp>
         <p:sp>
           <p:nvSpPr>
-            <p:cNvPr id="67" name="Point 67"/>
-            <p:cNvSpPr/>
-            <p:nvPr/>
-          </p:nvSpPr>
-          <p:spPr>
-            <a:xfrm>
-              <a:off x="1704088" y="5283459"/>
-              <a:ext cx="32761" cy="32761"/>
+            <p:cNvPr name="Point 67" id="67"/>
+            <p:cNvSpPr/>
+            <p:nvPr/>
+          </p:nvSpPr>
+          <p:spPr>
+            <a:xfrm>
+              <a:off y="5273253" x="1723753"/>
+              <a:ext cy="32761" cx="32761"/>
             </a:xfrm>
             <a:prstGeom prst="ellipse">
               <a:avLst/>
@@ -4723,14 +4723,14 @@
         </p:sp>
         <p:sp>
           <p:nvSpPr>
-            <p:cNvPr id="68" name="Point 68"/>
-            <p:cNvSpPr/>
-            <p:nvPr/>
-          </p:nvSpPr>
-          <p:spPr>
-            <a:xfrm>
-              <a:off x="2317935" y="5226495"/>
-              <a:ext cx="32761" cy="32761"/>
+            <p:cNvPr name="Point 68" id="68"/>
+            <p:cNvSpPr/>
+            <p:nvPr/>
+          </p:nvSpPr>
+          <p:spPr>
+            <a:xfrm>
+              <a:off y="5216465" x="2331091"/>
+              <a:ext cy="32761" cx="32761"/>
             </a:xfrm>
             <a:prstGeom prst="ellipse">
               <a:avLst/>
@@ -4749,14 +4749,14 @@
         </p:sp>
         <p:sp>
           <p:nvSpPr>
-            <p:cNvPr id="69" name="Point 69"/>
-            <p:cNvSpPr/>
-            <p:nvPr/>
-          </p:nvSpPr>
-          <p:spPr>
-            <a:xfrm>
-              <a:off x="2054858" y="5283459"/>
-              <a:ext cx="32761" cy="32761"/>
+            <p:cNvPr name="Point 69" id="69"/>
+            <p:cNvSpPr/>
+            <p:nvPr/>
+          </p:nvSpPr>
+          <p:spPr>
+            <a:xfrm>
+              <a:off y="5273253" x="2070803"/>
+              <a:ext cy="32761" cx="32761"/>
             </a:xfrm>
             <a:prstGeom prst="ellipse">
               <a:avLst/>
@@ -4775,14 +4775,14 @@
         </p:sp>
         <p:sp>
           <p:nvSpPr>
-            <p:cNvPr id="70" name="Point 70"/>
-            <p:cNvSpPr/>
-            <p:nvPr/>
-          </p:nvSpPr>
-          <p:spPr>
-            <a:xfrm>
-              <a:off x="3774864" y="3369818"/>
-              <a:ext cx="100448" cy="100448"/>
+            <p:cNvPr name="Point 70" id="70"/>
+            <p:cNvSpPr/>
+            <p:nvPr/>
+          </p:nvSpPr>
+          <p:spPr>
+            <a:xfrm>
+              <a:off y="3365424" x="3772209"/>
+              <a:ext cy="100448" cx="100448"/>
             </a:xfrm>
             <a:prstGeom prst="ellipse">
               <a:avLst/>
@@ -4801,14 +4801,14 @@
         </p:sp>
         <p:sp>
           <p:nvSpPr>
-            <p:cNvPr id="71" name="Point 71"/>
-            <p:cNvSpPr/>
-            <p:nvPr/>
-          </p:nvSpPr>
-          <p:spPr>
-            <a:xfrm>
-              <a:off x="3245866" y="3480902"/>
-              <a:ext cx="106134" cy="106134"/>
+            <p:cNvPr name="Point 71" id="71"/>
+            <p:cNvSpPr/>
+            <p:nvPr/>
+          </p:nvSpPr>
+          <p:spPr>
+            <a:xfrm>
+              <a:off y="3476156" x="3248791"/>
+              <a:ext cy="106134" cx="106134"/>
             </a:xfrm>
             <a:prstGeom prst="ellipse">
               <a:avLst/>
@@ -4827,14 +4827,14 @@
         </p:sp>
         <p:sp>
           <p:nvSpPr>
-            <p:cNvPr id="72" name="Point 72"/>
-            <p:cNvSpPr/>
-            <p:nvPr/>
-          </p:nvSpPr>
-          <p:spPr>
-            <a:xfrm>
-              <a:off x="3684329" y="3253048"/>
-              <a:ext cx="106134" cy="106134"/>
+            <p:cNvPr name="Point 72" id="72"/>
+            <p:cNvSpPr/>
+            <p:nvPr/>
+          </p:nvSpPr>
+          <p:spPr>
+            <a:xfrm>
+              <a:off y="3249006" x="3682604"/>
+              <a:ext cy="106134" cx="106134"/>
             </a:xfrm>
             <a:prstGeom prst="ellipse">
               <a:avLst/>
@@ -4853,14 +4853,14 @@
         </p:sp>
         <p:sp>
           <p:nvSpPr>
-            <p:cNvPr id="73" name="Point 73"/>
-            <p:cNvSpPr/>
-            <p:nvPr/>
-          </p:nvSpPr>
-          <p:spPr>
-            <a:xfrm>
-              <a:off x="2462319" y="3771406"/>
-              <a:ext cx="94763" cy="94763"/>
+            <p:cNvPr name="Point 73" id="73"/>
+            <p:cNvSpPr/>
+            <p:nvPr/>
+          </p:nvSpPr>
+          <p:spPr>
+            <a:xfrm>
+              <a:off y="3765779" x="2473615"/>
+              <a:ext cy="94762" cx="94762"/>
             </a:xfrm>
             <a:prstGeom prst="ellipse">
               <a:avLst/>
@@ -4879,14 +4879,14 @@
         </p:sp>
         <p:sp>
           <p:nvSpPr>
-            <p:cNvPr id="74" name="Point 74"/>
-            <p:cNvSpPr/>
-            <p:nvPr/>
-          </p:nvSpPr>
-          <p:spPr>
-            <a:xfrm>
-              <a:off x="3333559" y="3423939"/>
-              <a:ext cx="106134" cy="106134"/>
+            <p:cNvPr name="Point 74" id="74"/>
+            <p:cNvSpPr/>
+            <p:nvPr/>
+          </p:nvSpPr>
+          <p:spPr>
+            <a:xfrm>
+              <a:off y="3419368" x="3335554"/>
+              <a:ext cy="106134" cx="106134"/>
             </a:xfrm>
             <a:prstGeom prst="ellipse">
               <a:avLst/>
@@ -4905,14 +4905,14 @@
         </p:sp>
         <p:sp>
           <p:nvSpPr>
-            <p:cNvPr id="75" name="Point 75"/>
-            <p:cNvSpPr/>
-            <p:nvPr/>
-          </p:nvSpPr>
-          <p:spPr>
-            <a:xfrm>
-              <a:off x="2637705" y="3486588"/>
-              <a:ext cx="94763" cy="94763"/>
+            <p:cNvPr name="Point 75" id="75"/>
+            <p:cNvSpPr/>
+            <p:nvPr/>
+          </p:nvSpPr>
+          <p:spPr>
+            <a:xfrm>
+              <a:off y="3481842" x="2647140"/>
+              <a:ext cy="94762" cx="94762"/>
             </a:xfrm>
             <a:prstGeom prst="ellipse">
               <a:avLst/>
@@ -4931,14 +4931,14 @@
         </p:sp>
         <p:sp>
           <p:nvSpPr>
-            <p:cNvPr id="76" name="Point 76"/>
-            <p:cNvSpPr/>
-            <p:nvPr/>
-          </p:nvSpPr>
-          <p:spPr>
-            <a:xfrm>
-              <a:off x="3155466" y="3364268"/>
-              <a:ext cx="111549" cy="111549"/>
+            <p:cNvPr name="Point 76" id="76"/>
+            <p:cNvSpPr/>
+            <p:nvPr/>
+          </p:nvSpPr>
+          <p:spPr>
+            <a:xfrm>
+              <a:off y="3359874" x="3159321"/>
+              <a:ext cy="111549" cx="111549"/>
             </a:xfrm>
             <a:prstGeom prst="ellipse">
               <a:avLst/>
@@ -4957,14 +4957,14 @@
         </p:sp>
         <p:sp>
           <p:nvSpPr>
-            <p:cNvPr id="77" name="Point 77"/>
-            <p:cNvSpPr/>
-            <p:nvPr/>
-          </p:nvSpPr>
-          <p:spPr>
-            <a:xfrm>
-              <a:off x="1944558" y="4178544"/>
-              <a:ext cx="77976" cy="77976"/>
+            <p:cNvPr name="Point 77" id="77"/>
+            <p:cNvSpPr/>
+            <p:nvPr/>
+          </p:nvSpPr>
+          <p:spPr>
+            <a:xfrm>
+              <a:off y="4171684" x="1961433"/>
+              <a:ext cy="77976" cx="77976"/>
             </a:xfrm>
             <a:prstGeom prst="ellipse">
               <a:avLst/>
@@ -4983,14 +4983,14 @@
         </p:sp>
         <p:sp>
           <p:nvSpPr>
-            <p:cNvPr id="78" name="Point 78"/>
-            <p:cNvSpPr/>
-            <p:nvPr/>
-          </p:nvSpPr>
-          <p:spPr>
-            <a:xfrm>
-              <a:off x="3426937" y="3429624"/>
-              <a:ext cx="94763" cy="94763"/>
+            <p:cNvPr name="Point 78" id="78"/>
+            <p:cNvSpPr/>
+            <p:nvPr/>
+          </p:nvSpPr>
+          <p:spPr>
+            <a:xfrm>
+              <a:off y="3425054" x="3428002"/>
+              <a:ext cy="94762" cx="94762"/>
             </a:xfrm>
             <a:prstGeom prst="ellipse">
               <a:avLst/>
@@ -5009,14 +5009,14 @@
         </p:sp>
         <p:sp>
           <p:nvSpPr>
-            <p:cNvPr id="79" name="Point 79"/>
-            <p:cNvSpPr/>
-            <p:nvPr/>
-          </p:nvSpPr>
-          <p:spPr>
-            <a:xfrm>
-              <a:off x="2196399" y="3825526"/>
-              <a:ext cx="100448" cy="100448"/>
+            <p:cNvPr name="Point 79" id="79"/>
+            <p:cNvSpPr/>
+            <p:nvPr/>
+          </p:nvSpPr>
+          <p:spPr>
+            <a:xfrm>
+              <a:off y="3819723" x="2210485"/>
+              <a:ext cy="100448" cx="100448"/>
             </a:xfrm>
             <a:prstGeom prst="ellipse">
               <a:avLst/>
@@ -5035,14 +5035,14 @@
         </p:sp>
         <p:sp>
           <p:nvSpPr>
-            <p:cNvPr id="80" name="Point 80"/>
-            <p:cNvSpPr/>
-            <p:nvPr/>
-          </p:nvSpPr>
-          <p:spPr>
-            <a:xfrm>
-              <a:off x="2032250" y="4064617"/>
-              <a:ext cx="77976" cy="77976"/>
+            <p:cNvPr name="Point 80" id="80"/>
+            <p:cNvSpPr/>
+            <p:nvPr/>
+          </p:nvSpPr>
+          <p:spPr>
+            <a:xfrm>
+              <a:off y="4058109" x="2048196"/>
+              <a:ext cy="77976" cx="77976"/>
             </a:xfrm>
             <a:prstGeom prst="ellipse">
               <a:avLst/>
@@ -5061,14 +5061,14 @@
         </p:sp>
         <p:sp>
           <p:nvSpPr>
-            <p:cNvPr id="81" name="Point 81"/>
-            <p:cNvSpPr/>
-            <p:nvPr/>
-          </p:nvSpPr>
-          <p:spPr>
-            <a:xfrm>
-              <a:off x="2807404" y="3651793"/>
-              <a:ext cx="106134" cy="106134"/>
+            <p:cNvPr name="Point 81" id="81"/>
+            <p:cNvSpPr/>
+            <p:nvPr/>
+          </p:nvSpPr>
+          <p:spPr>
+            <a:xfrm>
+              <a:off y="3646518" x="2814979"/>
+              <a:ext cy="106134" cx="106134"/>
             </a:xfrm>
             <a:prstGeom prst="ellipse">
               <a:avLst/>
@@ -5087,14 +5087,14 @@
         </p:sp>
         <p:sp>
           <p:nvSpPr>
-            <p:cNvPr id="82" name="Point 82"/>
-            <p:cNvSpPr/>
-            <p:nvPr/>
-          </p:nvSpPr>
-          <p:spPr>
-            <a:xfrm>
-              <a:off x="2909175" y="3779799"/>
-              <a:ext cx="77976" cy="77976"/>
+            <p:cNvPr name="Point 82" id="82"/>
+            <p:cNvSpPr/>
+            <p:nvPr/>
+          </p:nvSpPr>
+          <p:spPr>
+            <a:xfrm>
+              <a:off y="3774172" x="2915820"/>
+              <a:ext cy="77976" cx="77976"/>
             </a:xfrm>
             <a:prstGeom prst="ellipse">
               <a:avLst/>
@@ -5113,14 +5113,14 @@
         </p:sp>
         <p:sp>
           <p:nvSpPr>
-            <p:cNvPr id="83" name="Point 83"/>
-            <p:cNvSpPr/>
-            <p:nvPr/>
-          </p:nvSpPr>
-          <p:spPr>
-            <a:xfrm>
-              <a:off x="2985632" y="3369818"/>
-              <a:ext cx="100448" cy="100448"/>
+            <p:cNvPr name="Point 83" id="83"/>
+            <p:cNvSpPr/>
+            <p:nvPr/>
+          </p:nvSpPr>
+          <p:spPr>
+            <a:xfrm>
+              <a:off y="3365424" x="2991347"/>
+              <a:ext cy="100448" cx="100448"/>
             </a:xfrm>
             <a:prstGeom prst="ellipse">
               <a:avLst/>
@@ -5139,14 +5139,14 @@
         </p:sp>
         <p:sp>
           <p:nvSpPr>
-            <p:cNvPr id="84" name="Point 84"/>
-            <p:cNvSpPr/>
-            <p:nvPr/>
-          </p:nvSpPr>
-          <p:spPr>
-            <a:xfrm>
-              <a:off x="2550012" y="3999260"/>
-              <a:ext cx="94763" cy="94763"/>
+            <p:cNvPr name="Point 84" id="84"/>
+            <p:cNvSpPr/>
+            <p:nvPr/>
+          </p:nvSpPr>
+          <p:spPr>
+            <a:xfrm>
+              <a:off y="3992928" x="2560377"/>
+              <a:ext cy="94762" cx="94762"/>
             </a:xfrm>
             <a:prstGeom prst="ellipse">
               <a:avLst/>
@@ -5165,14 +5165,14 @@
         </p:sp>
         <p:sp>
           <p:nvSpPr>
-            <p:cNvPr id="85" name="Point 85"/>
-            <p:cNvSpPr/>
-            <p:nvPr/>
-          </p:nvSpPr>
-          <p:spPr>
-            <a:xfrm>
-              <a:off x="3511787" y="3540709"/>
-              <a:ext cx="100448" cy="100448"/>
+            <p:cNvPr name="Point 85" id="85"/>
+            <p:cNvSpPr/>
+            <p:nvPr/>
+          </p:nvSpPr>
+          <p:spPr>
+            <a:xfrm>
+              <a:off y="3535786" x="3511922"/>
+              <a:ext cy="100448" cx="100448"/>
             </a:xfrm>
             <a:prstGeom prst="ellipse">
               <a:avLst/>
@@ -5191,14 +5191,14 @@
         </p:sp>
         <p:sp>
           <p:nvSpPr>
-            <p:cNvPr id="86" name="Point 86"/>
-            <p:cNvSpPr/>
-            <p:nvPr/>
-          </p:nvSpPr>
-          <p:spPr>
-            <a:xfrm>
-              <a:off x="2544326" y="3480902"/>
-              <a:ext cx="106134" cy="106134"/>
+            <p:cNvPr name="Point 86" id="86"/>
+            <p:cNvSpPr/>
+            <p:nvPr/>
+          </p:nvSpPr>
+          <p:spPr>
+            <a:xfrm>
+              <a:off y="3476156" x="2554692"/>
+              <a:ext cy="106134" cx="106134"/>
             </a:xfrm>
             <a:prstGeom prst="ellipse">
               <a:avLst/>
@@ -5217,14 +5217,14 @@
         </p:sp>
         <p:sp>
           <p:nvSpPr>
-            <p:cNvPr id="87" name="Point 87"/>
-            <p:cNvSpPr/>
-            <p:nvPr/>
-          </p:nvSpPr>
-          <p:spPr>
-            <a:xfrm>
-              <a:off x="2733790" y="3722835"/>
-              <a:ext cx="77976" cy="77976"/>
+            <p:cNvPr name="Point 87" id="87"/>
+            <p:cNvSpPr/>
+            <p:nvPr/>
+          </p:nvSpPr>
+          <p:spPr>
+            <a:xfrm>
+              <a:off y="3717385" x="2742295"/>
+              <a:ext cy="77976" cx="77976"/>
             </a:xfrm>
             <a:prstGeom prst="ellipse">
               <a:avLst/>
@@ -5243,14 +5243,14 @@
         </p:sp>
         <p:sp>
           <p:nvSpPr>
-            <p:cNvPr id="88" name="Point 88"/>
-            <p:cNvSpPr/>
-            <p:nvPr/>
-          </p:nvSpPr>
-          <p:spPr>
-            <a:xfrm>
-              <a:off x="3070481" y="3480902"/>
-              <a:ext cx="106134" cy="106134"/>
+            <p:cNvPr name="Point 88" id="88"/>
+            <p:cNvSpPr/>
+            <p:nvPr/>
+          </p:nvSpPr>
+          <p:spPr>
+            <a:xfrm>
+              <a:off y="3476156" x="3075266"/>
+              <a:ext cy="106134" cx="106134"/>
             </a:xfrm>
             <a:prstGeom prst="ellipse">
               <a:avLst/>
@@ -5269,14 +5269,14 @@
         </p:sp>
         <p:sp>
           <p:nvSpPr>
-            <p:cNvPr id="89" name="Point 89"/>
-            <p:cNvSpPr/>
-            <p:nvPr/>
-          </p:nvSpPr>
-          <p:spPr>
-            <a:xfrm>
-              <a:off x="2555698" y="3834055"/>
-              <a:ext cx="83391" cy="83391"/>
+            <p:cNvPr name="Point 89" id="89"/>
+            <p:cNvSpPr/>
+            <p:nvPr/>
+          </p:nvSpPr>
+          <p:spPr>
+            <a:xfrm>
+              <a:off y="3828252" x="2566063"/>
+              <a:ext cy="83391" cx="83391"/>
             </a:xfrm>
             <a:prstGeom prst="ellipse">
               <a:avLst/>
@@ -5295,14 +5295,14 @@
         </p:sp>
         <p:sp>
           <p:nvSpPr>
-            <p:cNvPr id="90" name="Point 90"/>
-            <p:cNvSpPr/>
-            <p:nvPr/>
-          </p:nvSpPr>
-          <p:spPr>
-            <a:xfrm>
-              <a:off x="2799011" y="3301618"/>
-              <a:ext cx="122921" cy="122921"/>
+            <p:cNvPr name="Point 90" id="90"/>
+            <p:cNvSpPr/>
+            <p:nvPr/>
+          </p:nvSpPr>
+          <p:spPr>
+            <a:xfrm>
+              <a:off y="3297400" x="2806586"/>
+              <a:ext cy="122921" cx="122921"/>
             </a:xfrm>
             <a:prstGeom prst="ellipse">
               <a:avLst/>
@@ -5321,14 +5321,14 @@
         </p:sp>
         <p:sp>
           <p:nvSpPr>
-            <p:cNvPr id="91" name="Point 91"/>
-            <p:cNvSpPr/>
-            <p:nvPr/>
-          </p:nvSpPr>
-          <p:spPr>
-            <a:xfrm>
-              <a:off x="2988475" y="3771406"/>
-              <a:ext cx="94763" cy="94763"/>
+            <p:cNvPr name="Point 91" id="91"/>
+            <p:cNvSpPr/>
+            <p:nvPr/>
+          </p:nvSpPr>
+          <p:spPr>
+            <a:xfrm>
+              <a:off y="3765779" x="2994190"/>
+              <a:ext cy="94762" cx="94762"/>
             </a:xfrm>
             <a:prstGeom prst="ellipse">
               <a:avLst/>
@@ -5347,14 +5347,14 @@
         </p:sp>
         <p:sp>
           <p:nvSpPr>
-            <p:cNvPr id="92" name="Point 92"/>
-            <p:cNvSpPr/>
-            <p:nvPr/>
-          </p:nvSpPr>
-          <p:spPr>
-            <a:xfrm>
-              <a:off x="3158174" y="3253048"/>
-              <a:ext cx="106134" cy="106134"/>
+            <p:cNvPr name="Point 92" id="92"/>
+            <p:cNvSpPr/>
+            <p:nvPr/>
+          </p:nvSpPr>
+          <p:spPr>
+            <a:xfrm>
+              <a:off y="3249006" x="3162029"/>
+              <a:ext cy="106134" cx="106134"/>
             </a:xfrm>
             <a:prstGeom prst="ellipse">
               <a:avLst/>
@@ -5373,14 +5373,14 @@
         </p:sp>
         <p:sp>
           <p:nvSpPr>
-            <p:cNvPr id="93" name="Point 93"/>
-            <p:cNvSpPr/>
-            <p:nvPr/>
-          </p:nvSpPr>
-          <p:spPr>
-            <a:xfrm>
-              <a:off x="2991317" y="3375504"/>
-              <a:ext cx="89077" cy="89077"/>
+            <p:cNvPr name="Point 93" id="93"/>
+            <p:cNvSpPr/>
+            <p:nvPr/>
+          </p:nvSpPr>
+          <p:spPr>
+            <a:xfrm>
+              <a:off y="3371110" x="2997032"/>
+              <a:ext cy="89077" cx="89077"/>
             </a:xfrm>
             <a:prstGeom prst="ellipse">
               <a:avLst/>
@@ -5399,14 +5399,14 @@
         </p:sp>
         <p:sp>
           <p:nvSpPr>
-            <p:cNvPr id="94" name="Point 94"/>
-            <p:cNvSpPr/>
-            <p:nvPr/>
-          </p:nvSpPr>
-          <p:spPr>
-            <a:xfrm>
-              <a:off x="3251552" y="3600515"/>
-              <a:ext cx="94763" cy="94763"/>
+            <p:cNvPr name="Point 94" id="94"/>
+            <p:cNvSpPr/>
+            <p:nvPr/>
+          </p:nvSpPr>
+          <p:spPr>
+            <a:xfrm>
+              <a:off y="3595416" x="3254477"/>
+              <a:ext cy="94762" cx="94762"/>
             </a:xfrm>
             <a:prstGeom prst="ellipse">
               <a:avLst/>
@@ -5425,14 +5425,14 @@
         </p:sp>
         <p:sp>
           <p:nvSpPr>
-            <p:cNvPr id="95" name="Point 95"/>
-            <p:cNvSpPr/>
-            <p:nvPr/>
-          </p:nvSpPr>
-          <p:spPr>
-            <a:xfrm>
-              <a:off x="3424094" y="3540709"/>
-              <a:ext cx="100448" cy="100448"/>
+            <p:cNvPr name="Point 95" id="95"/>
+            <p:cNvSpPr/>
+            <p:nvPr/>
+          </p:nvSpPr>
+          <p:spPr>
+            <a:xfrm>
+              <a:off y="3535786" x="3425159"/>
+              <a:ext cy="100448" cx="100448"/>
             </a:xfrm>
             <a:prstGeom prst="ellipse">
               <a:avLst/>
@@ -5451,14 +5451,14 @@
         </p:sp>
         <p:sp>
           <p:nvSpPr>
-            <p:cNvPr id="96" name="Point 96"/>
-            <p:cNvSpPr/>
-            <p:nvPr/>
-          </p:nvSpPr>
-          <p:spPr>
-            <a:xfrm>
-              <a:off x="3599479" y="3312854"/>
-              <a:ext cx="100448" cy="100448"/>
+            <p:cNvPr name="Point 96" id="96"/>
+            <p:cNvSpPr/>
+            <p:nvPr/>
+          </p:nvSpPr>
+          <p:spPr>
+            <a:xfrm>
+              <a:off y="3308636" x="3598684"/>
+              <a:ext cy="100448" cx="100448"/>
             </a:xfrm>
             <a:prstGeom prst="ellipse">
               <a:avLst/>
@@ -5477,14 +5477,14 @@
         </p:sp>
         <p:sp>
           <p:nvSpPr>
-            <p:cNvPr id="97" name="Point 97"/>
-            <p:cNvSpPr/>
-            <p:nvPr/>
-          </p:nvSpPr>
-          <p:spPr>
-            <a:xfrm>
-              <a:off x="3503394" y="3190534"/>
-              <a:ext cx="117235" cy="117235"/>
+            <p:cNvPr name="Point 97" id="97"/>
+            <p:cNvSpPr/>
+            <p:nvPr/>
+          </p:nvSpPr>
+          <p:spPr>
+            <a:xfrm>
+              <a:off y="3186668" x="3503528"/>
+              <a:ext cy="117235" cx="117235"/>
             </a:xfrm>
             <a:prstGeom prst="ellipse">
               <a:avLst/>
@@ -5503,14 +5503,14 @@
         </p:sp>
         <p:sp>
           <p:nvSpPr>
-            <p:cNvPr id="98" name="Point 98"/>
-            <p:cNvSpPr/>
-            <p:nvPr/>
-          </p:nvSpPr>
-          <p:spPr>
-            <a:xfrm>
-              <a:off x="2895096" y="3480902"/>
-              <a:ext cx="106134" cy="106134"/>
+            <p:cNvPr name="Point 98" id="98"/>
+            <p:cNvSpPr/>
+            <p:nvPr/>
+          </p:nvSpPr>
+          <p:spPr>
+            <a:xfrm>
+              <a:off y="3476156" x="2901741"/>
+              <a:ext cy="106134" cx="106134"/>
             </a:xfrm>
             <a:prstGeom prst="ellipse">
               <a:avLst/>
@@ -5529,14 +5529,14 @@
         </p:sp>
         <p:sp>
           <p:nvSpPr>
-            <p:cNvPr id="99" name="Point 99"/>
-            <p:cNvSpPr/>
-            <p:nvPr/>
-          </p:nvSpPr>
-          <p:spPr>
-            <a:xfrm>
-              <a:off x="2646098" y="4064617"/>
-              <a:ext cx="77976" cy="77976"/>
+            <p:cNvPr name="Point 99" id="99"/>
+            <p:cNvSpPr/>
+            <p:nvPr/>
+          </p:nvSpPr>
+          <p:spPr>
+            <a:xfrm>
+              <a:off y="4058109" x="2655533"/>
+              <a:ext cy="77976" cx="77976"/>
             </a:xfrm>
             <a:prstGeom prst="ellipse">
               <a:avLst/>
@@ -5555,14 +5555,14 @@
         </p:sp>
         <p:sp>
           <p:nvSpPr>
-            <p:cNvPr id="100" name="Point 100"/>
-            <p:cNvSpPr/>
-            <p:nvPr/>
-          </p:nvSpPr>
-          <p:spPr>
-            <a:xfrm>
-              <a:off x="2468005" y="3891019"/>
-              <a:ext cx="83391" cy="83391"/>
+            <p:cNvPr name="Point 100" id="100"/>
+            <p:cNvSpPr/>
+            <p:nvPr/>
+          </p:nvSpPr>
+          <p:spPr>
+            <a:xfrm>
+              <a:off y="3885039" x="2479301"/>
+              <a:ext cy="83391" cx="83391"/>
             </a:xfrm>
             <a:prstGeom prst="ellipse">
               <a:avLst/>
@@ -5581,14 +5581,14 @@
         </p:sp>
         <p:sp>
           <p:nvSpPr>
-            <p:cNvPr id="101" name="Point 101"/>
-            <p:cNvSpPr/>
-            <p:nvPr/>
-          </p:nvSpPr>
-          <p:spPr>
-            <a:xfrm>
-              <a:off x="2470713" y="3950690"/>
-              <a:ext cx="77976" cy="77976"/>
+            <p:cNvPr name="Point 101" id="101"/>
+            <p:cNvSpPr/>
+            <p:nvPr/>
+          </p:nvSpPr>
+          <p:spPr>
+            <a:xfrm>
+              <a:off y="3944534" x="2482008"/>
+              <a:ext cy="77976" cx="77976"/>
             </a:xfrm>
             <a:prstGeom prst="ellipse">
               <a:avLst/>
@@ -5607,14 +5607,14 @@
         </p:sp>
         <p:sp>
           <p:nvSpPr>
-            <p:cNvPr id="102" name="Point 102"/>
-            <p:cNvSpPr/>
-            <p:nvPr/>
-          </p:nvSpPr>
-          <p:spPr>
-            <a:xfrm>
-              <a:off x="2728240" y="3831212"/>
-              <a:ext cx="89077" cy="89077"/>
+            <p:cNvPr name="Point 102" id="102"/>
+            <p:cNvSpPr/>
+            <p:nvPr/>
+          </p:nvSpPr>
+          <p:spPr>
+            <a:xfrm>
+              <a:off y="3825409" x="2736745"/>
+              <a:ext cy="89077" cx="89077"/>
             </a:xfrm>
             <a:prstGeom prst="ellipse">
               <a:avLst/>
@@ -5633,14 +5633,14 @@
         </p:sp>
         <p:sp>
           <p:nvSpPr>
-            <p:cNvPr id="103" name="Point 103"/>
-            <p:cNvSpPr/>
-            <p:nvPr/>
-          </p:nvSpPr>
-          <p:spPr>
-            <a:xfrm>
-              <a:off x="2892389" y="3136414"/>
-              <a:ext cx="111549" cy="111549"/>
+            <p:cNvPr name="Point 103" id="103"/>
+            <p:cNvSpPr/>
+            <p:nvPr/>
+          </p:nvSpPr>
+          <p:spPr>
+            <a:xfrm>
+              <a:off y="3132724" x="2899034"/>
+              <a:ext cy="111549" cx="111549"/>
             </a:xfrm>
             <a:prstGeom prst="ellipse">
               <a:avLst/>
@@ -5659,14 +5659,14 @@
         </p:sp>
         <p:sp>
           <p:nvSpPr>
-            <p:cNvPr id="104" name="Point 104"/>
-            <p:cNvSpPr/>
-            <p:nvPr/>
-          </p:nvSpPr>
-          <p:spPr>
-            <a:xfrm>
-              <a:off x="2368941" y="3480902"/>
-              <a:ext cx="106134" cy="106134"/>
+            <p:cNvPr name="Point 104" id="104"/>
+            <p:cNvSpPr/>
+            <p:nvPr/>
+          </p:nvSpPr>
+          <p:spPr>
+            <a:xfrm>
+              <a:off y="3476156" x="2381167"/>
+              <a:ext cy="106134" cx="106134"/>
             </a:xfrm>
             <a:prstGeom prst="ellipse">
               <a:avLst/>
@@ -5685,14 +5685,14 @@
         </p:sp>
         <p:sp>
           <p:nvSpPr>
-            <p:cNvPr id="105" name="Point 105"/>
-            <p:cNvSpPr/>
-            <p:nvPr/>
-          </p:nvSpPr>
-          <p:spPr>
-            <a:xfrm>
-              <a:off x="2892389" y="3478195"/>
-              <a:ext cx="111549" cy="111549"/>
+            <p:cNvPr name="Point 105" id="105"/>
+            <p:cNvSpPr/>
+            <p:nvPr/>
+          </p:nvSpPr>
+          <p:spPr>
+            <a:xfrm>
+              <a:off y="3473448" x="2899034"/>
+              <a:ext cy="111549" cx="111549"/>
             </a:xfrm>
             <a:prstGeom prst="ellipse">
               <a:avLst/>
@@ -5711,14 +5711,14 @@
         </p:sp>
         <p:sp>
           <p:nvSpPr>
-            <p:cNvPr id="106" name="Point 106"/>
-            <p:cNvSpPr/>
-            <p:nvPr/>
-          </p:nvSpPr>
-          <p:spPr>
-            <a:xfrm>
-              <a:off x="3508944" y="3366975"/>
-              <a:ext cx="106134" cy="106134"/>
+            <p:cNvPr name="Point 106" id="106"/>
+            <p:cNvSpPr/>
+            <p:nvPr/>
+          </p:nvSpPr>
+          <p:spPr>
+            <a:xfrm>
+              <a:off y="3362581" x="3509079"/>
+              <a:ext cy="106134" cx="106134"/>
             </a:xfrm>
             <a:prstGeom prst="ellipse">
               <a:avLst/>
@@ -5737,14 +5737,14 @@
         </p:sp>
         <p:sp>
           <p:nvSpPr>
-            <p:cNvPr id="107" name="Point 107"/>
-            <p:cNvSpPr/>
-            <p:nvPr/>
-          </p:nvSpPr>
-          <p:spPr>
-            <a:xfrm>
-              <a:off x="3163860" y="3543552"/>
-              <a:ext cx="94763" cy="94763"/>
+            <p:cNvPr name="Point 107" id="107"/>
+            <p:cNvSpPr/>
+            <p:nvPr/>
+          </p:nvSpPr>
+          <p:spPr>
+            <a:xfrm>
+              <a:off y="3538629" x="3167715"/>
+              <a:ext cy="94762" cx="94762"/>
             </a:xfrm>
             <a:prstGeom prst="ellipse">
               <a:avLst/>
@@ -5763,14 +5763,14 @@
         </p:sp>
         <p:sp>
           <p:nvSpPr>
-            <p:cNvPr id="108" name="Point 108"/>
-            <p:cNvSpPr/>
-            <p:nvPr/>
-          </p:nvSpPr>
-          <p:spPr>
-            <a:xfrm>
-              <a:off x="2550012" y="3714442"/>
-              <a:ext cx="94763" cy="94763"/>
+            <p:cNvPr name="Point 108" id="108"/>
+            <p:cNvSpPr/>
+            <p:nvPr/>
+          </p:nvSpPr>
+          <p:spPr>
+            <a:xfrm>
+              <a:off y="3708991" x="2560377"/>
+              <a:ext cy="94762" cx="94762"/>
             </a:xfrm>
             <a:prstGeom prst="ellipse">
               <a:avLst/>
@@ -5789,14 +5789,14 @@
         </p:sp>
         <p:sp>
           <p:nvSpPr>
-            <p:cNvPr id="109" name="Point 109"/>
-            <p:cNvSpPr/>
-            <p:nvPr/>
-          </p:nvSpPr>
-          <p:spPr>
-            <a:xfrm>
-              <a:off x="2462319" y="3771406"/>
-              <a:ext cx="94763" cy="94763"/>
+            <p:cNvPr name="Point 109" id="109"/>
+            <p:cNvSpPr/>
+            <p:nvPr/>
+          </p:nvSpPr>
+          <p:spPr>
+            <a:xfrm>
+              <a:off y="3765779" x="2473615"/>
+              <a:ext cy="94762" cx="94762"/>
             </a:xfrm>
             <a:prstGeom prst="ellipse">
               <a:avLst/>
@@ -5815,14 +5815,14 @@
         </p:sp>
         <p:sp>
           <p:nvSpPr>
-            <p:cNvPr id="110" name="Point 110"/>
-            <p:cNvSpPr/>
-            <p:nvPr/>
-          </p:nvSpPr>
-          <p:spPr>
-            <a:xfrm>
-              <a:off x="2465162" y="3546394"/>
-              <a:ext cx="89077" cy="89077"/>
+            <p:cNvPr name="Point 110" id="110"/>
+            <p:cNvSpPr/>
+            <p:nvPr/>
+          </p:nvSpPr>
+          <p:spPr>
+            <a:xfrm>
+              <a:off y="3541472" x="2476458"/>
+              <a:ext cy="89077" cx="89077"/>
             </a:xfrm>
             <a:prstGeom prst="ellipse">
               <a:avLst/>
@@ -5841,14 +5841,14 @@
         </p:sp>
         <p:sp>
           <p:nvSpPr>
-            <p:cNvPr id="111" name="Point 111"/>
-            <p:cNvSpPr/>
-            <p:nvPr/>
-          </p:nvSpPr>
-          <p:spPr>
-            <a:xfrm>
-              <a:off x="2985632" y="3426782"/>
-              <a:ext cx="100448" cy="100448"/>
+            <p:cNvPr name="Point 111" id="111"/>
+            <p:cNvSpPr/>
+            <p:nvPr/>
+          </p:nvSpPr>
+          <p:spPr>
+            <a:xfrm>
+              <a:off y="3422211" x="2991347"/>
+              <a:ext cy="100448" cx="100448"/>
             </a:xfrm>
             <a:prstGeom prst="ellipse">
               <a:avLst/>
@@ -5867,14 +5867,14 @@
         </p:sp>
         <p:sp>
           <p:nvSpPr>
-            <p:cNvPr id="112" name="Point 112"/>
-            <p:cNvSpPr/>
-            <p:nvPr/>
-          </p:nvSpPr>
-          <p:spPr>
-            <a:xfrm>
-              <a:off x="2728240" y="3774249"/>
-              <a:ext cx="89077" cy="89077"/>
+            <p:cNvPr name="Point 112" id="112"/>
+            <p:cNvSpPr/>
+            <p:nvPr/>
+          </p:nvSpPr>
+          <p:spPr>
+            <a:xfrm>
+              <a:off y="3768622" x="2736745"/>
+              <a:ext cy="89077" cx="89077"/>
             </a:xfrm>
             <a:prstGeom prst="ellipse">
               <a:avLst/>
@@ -5893,14 +5893,14 @@
         </p:sp>
         <p:sp>
           <p:nvSpPr>
-            <p:cNvPr id="113" name="Point 113"/>
-            <p:cNvSpPr/>
-            <p:nvPr/>
-          </p:nvSpPr>
-          <p:spPr>
-            <a:xfrm>
-              <a:off x="2032250" y="4178544"/>
-              <a:ext cx="77976" cy="77976"/>
+            <p:cNvPr name="Point 113" id="113"/>
+            <p:cNvSpPr/>
+            <p:nvPr/>
+          </p:nvSpPr>
+          <p:spPr>
+            <a:xfrm>
+              <a:off y="4171684" x="2048196"/>
+              <a:ext cy="77976" cx="77976"/>
             </a:xfrm>
             <a:prstGeom prst="ellipse">
               <a:avLst/>
@@ -5919,14 +5919,14 @@
         </p:sp>
         <p:sp>
           <p:nvSpPr>
-            <p:cNvPr id="114" name="Point 114"/>
-            <p:cNvSpPr/>
-            <p:nvPr/>
-          </p:nvSpPr>
-          <p:spPr>
-            <a:xfrm>
-              <a:off x="2550012" y="3657479"/>
-              <a:ext cx="94763" cy="94763"/>
+            <p:cNvPr name="Point 114" id="114"/>
+            <p:cNvSpPr/>
+            <p:nvPr/>
+          </p:nvSpPr>
+          <p:spPr>
+            <a:xfrm>
+              <a:off y="3652204" x="2560377"/>
+              <a:ext cy="94762" cx="94762"/>
             </a:xfrm>
             <a:prstGeom prst="ellipse">
               <a:avLst/>
@@ -5945,14 +5945,14 @@
         </p:sp>
         <p:sp>
           <p:nvSpPr>
-            <p:cNvPr id="115" name="Point 115"/>
-            <p:cNvSpPr/>
-            <p:nvPr/>
-          </p:nvSpPr>
-          <p:spPr>
-            <a:xfrm>
-              <a:off x="2640547" y="3660321"/>
-              <a:ext cx="89077" cy="89077"/>
+            <p:cNvPr name="Point 115" id="115"/>
+            <p:cNvSpPr/>
+            <p:nvPr/>
+          </p:nvSpPr>
+          <p:spPr>
+            <a:xfrm>
+              <a:off y="3655047" x="2649983"/>
+              <a:ext cy="89077" cx="89077"/>
             </a:xfrm>
             <a:prstGeom prst="ellipse">
               <a:avLst/>
@@ -5971,14 +5971,14 @@
         </p:sp>
         <p:sp>
           <p:nvSpPr>
-            <p:cNvPr id="116" name="Point 116"/>
-            <p:cNvSpPr/>
-            <p:nvPr/>
-          </p:nvSpPr>
-          <p:spPr>
-            <a:xfrm>
-              <a:off x="2637705" y="3657479"/>
-              <a:ext cx="94763" cy="94763"/>
+            <p:cNvPr name="Point 116" id="116"/>
+            <p:cNvSpPr/>
+            <p:nvPr/>
+          </p:nvSpPr>
+          <p:spPr>
+            <a:xfrm>
+              <a:off y="3652204" x="2647140"/>
+              <a:ext cy="94762" cx="94762"/>
             </a:xfrm>
             <a:prstGeom prst="ellipse">
               <a:avLst/>
@@ -5997,14 +5997,14 @@
         </p:sp>
         <p:sp>
           <p:nvSpPr>
-            <p:cNvPr id="117" name="Point 117"/>
-            <p:cNvSpPr/>
-            <p:nvPr/>
-          </p:nvSpPr>
-          <p:spPr>
-            <a:xfrm>
-              <a:off x="3076167" y="3600515"/>
-              <a:ext cx="94763" cy="94763"/>
+            <p:cNvPr name="Point 117" id="117"/>
+            <p:cNvSpPr/>
+            <p:nvPr/>
+          </p:nvSpPr>
+          <p:spPr>
+            <a:xfrm>
+              <a:off y="3595416" x="3080952"/>
+              <a:ext cy="94762" cx="94762"/>
             </a:xfrm>
             <a:prstGeom prst="ellipse">
               <a:avLst/>
@@ -6023,14 +6023,14 @@
         </p:sp>
         <p:sp>
           <p:nvSpPr>
-            <p:cNvPr id="118" name="Point 118"/>
-            <p:cNvSpPr/>
-            <p:nvPr/>
-          </p:nvSpPr>
-          <p:spPr>
-            <a:xfrm>
-              <a:off x="2117235" y="4346727"/>
-              <a:ext cx="83391" cy="83391"/>
+            <p:cNvPr name="Point 118" id="118"/>
+            <p:cNvSpPr/>
+            <p:nvPr/>
+          </p:nvSpPr>
+          <p:spPr>
+            <a:xfrm>
+              <a:off y="4339339" x="2132251"/>
+              <a:ext cy="83391" cx="83391"/>
             </a:xfrm>
             <a:prstGeom prst="ellipse">
               <a:avLst/>
@@ -6049,14 +6049,14 @@
         </p:sp>
         <p:sp>
           <p:nvSpPr>
-            <p:cNvPr id="119" name="Point 119"/>
-            <p:cNvSpPr/>
-            <p:nvPr/>
-          </p:nvSpPr>
-          <p:spPr>
-            <a:xfrm>
-              <a:off x="2637705" y="3714442"/>
-              <a:ext cx="94763" cy="94763"/>
+            <p:cNvPr name="Point 119" id="119"/>
+            <p:cNvSpPr/>
+            <p:nvPr/>
+          </p:nvSpPr>
+          <p:spPr>
+            <a:xfrm>
+              <a:off y="3708991" x="2647140"/>
+              <a:ext cy="94762" cx="94762"/>
             </a:xfrm>
             <a:prstGeom prst="ellipse">
               <a:avLst/>
@@ -6075,14 +6075,14 @@
         </p:sp>
         <p:sp>
           <p:nvSpPr>
-            <p:cNvPr id="120" name="Point 120"/>
-            <p:cNvSpPr/>
-            <p:nvPr/>
-          </p:nvSpPr>
-          <p:spPr>
-            <a:xfrm>
-              <a:off x="3130016" y="2598291"/>
-              <a:ext cx="162450" cy="162450"/>
+            <p:cNvPr name="Point 120" id="120"/>
+            <p:cNvSpPr/>
+            <p:nvPr/>
+          </p:nvSpPr>
+          <p:spPr>
+            <a:xfrm>
+              <a:off y="2596187" x="3133871"/>
+              <a:ext cy="162450" cx="162450"/>
             </a:xfrm>
             <a:prstGeom prst="ellipse">
               <a:avLst/>
@@ -6101,14 +6101,14 @@
         </p:sp>
         <p:sp>
           <p:nvSpPr>
-            <p:cNvPr id="121" name="Point 121"/>
-            <p:cNvSpPr/>
-            <p:nvPr/>
-          </p:nvSpPr>
-          <p:spPr>
-            <a:xfrm>
-              <a:off x="2708475" y="3127885"/>
-              <a:ext cx="128606" cy="128606"/>
+            <p:cNvPr name="Point 121" id="121"/>
+            <p:cNvSpPr/>
+            <p:nvPr/>
+          </p:nvSpPr>
+          <p:spPr>
+            <a:xfrm>
+              <a:off y="3124195" x="2716980"/>
+              <a:ext cy="128606" cx="128606"/>
             </a:xfrm>
             <a:prstGeom prst="ellipse">
               <a:avLst/>
@@ -6127,14 +6127,14 @@
         </p:sp>
         <p:sp>
           <p:nvSpPr>
-            <p:cNvPr id="122" name="Point 122"/>
-            <p:cNvSpPr/>
-            <p:nvPr/>
-          </p:nvSpPr>
-          <p:spPr>
-            <a:xfrm>
-              <a:off x="3842792" y="2666491"/>
-              <a:ext cx="139978" cy="139978"/>
+            <p:cNvPr name="Point 122" id="122"/>
+            <p:cNvSpPr/>
+            <p:nvPr/>
+          </p:nvSpPr>
+          <p:spPr>
+            <a:xfrm>
+              <a:off y="2664210" x="3839207"/>
+              <a:ext cy="139978" cx="139978"/>
             </a:xfrm>
             <a:prstGeom prst="ellipse">
               <a:avLst/>
@@ -6153,14 +6153,14 @@
         </p:sp>
         <p:sp>
           <p:nvSpPr>
-            <p:cNvPr id="123" name="Point 123"/>
-            <p:cNvSpPr/>
-            <p:nvPr/>
-          </p:nvSpPr>
-          <p:spPr>
-            <a:xfrm>
-              <a:off x="3149781" y="2845910"/>
-              <a:ext cx="122921" cy="122921"/>
+            <p:cNvPr name="Point 123" id="123"/>
+            <p:cNvSpPr/>
+            <p:nvPr/>
+          </p:nvSpPr>
+          <p:spPr>
+            <a:xfrm>
+              <a:off y="2843101" x="3153636"/>
+              <a:ext cy="122921" cx="122921"/>
             </a:xfrm>
             <a:prstGeom prst="ellipse">
               <a:avLst/>
@@ -6179,14 +6179,14 @@
         </p:sp>
         <p:sp>
           <p:nvSpPr>
-            <p:cNvPr id="124" name="Point 124"/>
-            <p:cNvSpPr/>
-            <p:nvPr/>
-          </p:nvSpPr>
-          <p:spPr>
-            <a:xfrm>
-              <a:off x="3313794" y="2720611"/>
-              <a:ext cx="145664" cy="145664"/>
+            <p:cNvPr name="Point 124" id="124"/>
+            <p:cNvSpPr/>
+            <p:nvPr/>
+          </p:nvSpPr>
+          <p:spPr>
+            <a:xfrm>
+              <a:off y="2718155" x="3315789"/>
+              <a:ext cy="145664" cx="145664"/>
             </a:xfrm>
             <a:prstGeom prst="ellipse">
               <a:avLst/>
@@ -6205,14 +6205,14 @@
         </p:sp>
         <p:sp>
           <p:nvSpPr>
-            <p:cNvPr id="125" name="Point 125"/>
-            <p:cNvSpPr/>
-            <p:nvPr/>
-          </p:nvSpPr>
-          <p:spPr>
-            <a:xfrm>
-              <a:off x="4281255" y="2267746"/>
-              <a:ext cx="139978" cy="139978"/>
+            <p:cNvPr name="Point 125" id="125"/>
+            <p:cNvSpPr/>
+            <p:nvPr/>
+          </p:nvSpPr>
+          <p:spPr>
+            <a:xfrm>
+              <a:off y="2266698" x="4273019"/>
+              <a:ext cy="139978" cx="139978"/>
             </a:xfrm>
             <a:prstGeom prst="ellipse">
               <a:avLst/>
@@ -6231,14 +6231,14 @@
         </p:sp>
         <p:sp>
           <p:nvSpPr>
-            <p:cNvPr id="126" name="Point 126"/>
-            <p:cNvSpPr/>
-            <p:nvPr/>
-          </p:nvSpPr>
-          <p:spPr>
-            <a:xfrm>
-              <a:off x="1924928" y="3475352"/>
-              <a:ext cx="117235" cy="117235"/>
+            <p:cNvPr name="Point 126" id="126"/>
+            <p:cNvSpPr/>
+            <p:nvPr/>
+          </p:nvSpPr>
+          <p:spPr>
+            <a:xfrm>
+              <a:off y="3470606" x="1941804"/>
+              <a:ext cy="117235" cx="117235"/>
             </a:xfrm>
             <a:prstGeom prst="ellipse">
               <a:avLst/>
@@ -6257,14 +6257,14 @@
         </p:sp>
         <p:sp>
           <p:nvSpPr>
-            <p:cNvPr id="127" name="Point 127"/>
-            <p:cNvSpPr/>
-            <p:nvPr/>
-          </p:nvSpPr>
-          <p:spPr>
-            <a:xfrm>
-              <a:off x="4026706" y="2447165"/>
-              <a:ext cx="122921" cy="122921"/>
+            <p:cNvPr name="Point 127" id="127"/>
+            <p:cNvSpPr/>
+            <p:nvPr/>
+          </p:nvSpPr>
+          <p:spPr>
+            <a:xfrm>
+              <a:off y="2445589" x="4021260"/>
+              <a:ext cy="122921" cx="122921"/>
             </a:xfrm>
             <a:prstGeom prst="ellipse">
               <a:avLst/>
@@ -6283,14 +6283,14 @@
         </p:sp>
         <p:sp>
           <p:nvSpPr>
-            <p:cNvPr id="128" name="Point 128"/>
-            <p:cNvSpPr/>
-            <p:nvPr/>
-          </p:nvSpPr>
-          <p:spPr>
-            <a:xfrm>
-              <a:off x="3500551" y="2731983"/>
-              <a:ext cx="122921" cy="122921"/>
+            <p:cNvPr name="Point 128" id="128"/>
+            <p:cNvSpPr/>
+            <p:nvPr/>
+          </p:nvSpPr>
+          <p:spPr>
+            <a:xfrm>
+              <a:off y="2729526" x="3500685"/>
+              <a:ext cy="122921" cx="122921"/>
             </a:xfrm>
             <a:prstGeom prst="ellipse">
               <a:avLst/>
@@ -6309,14 +6309,14 @@
         </p:sp>
         <p:sp>
           <p:nvSpPr>
-            <p:cNvPr id="129" name="Point 129"/>
-            <p:cNvSpPr/>
-            <p:nvPr/>
-          </p:nvSpPr>
-          <p:spPr>
-            <a:xfrm>
-              <a:off x="3919249" y="2541328"/>
-              <a:ext cx="162450" cy="162450"/>
+            <p:cNvPr name="Point 129" id="129"/>
+            <p:cNvSpPr/>
+            <p:nvPr/>
+          </p:nvSpPr>
+          <p:spPr>
+            <a:xfrm>
+              <a:off y="2539399" x="3914733"/>
+              <a:ext cy="162450" cx="162450"/>
             </a:xfrm>
             <a:prstGeom prst="ellipse">
               <a:avLst/>
@@ -6335,14 +6335,14 @@
         </p:sp>
         <p:sp>
           <p:nvSpPr>
-            <p:cNvPr id="130" name="Point 130"/>
-            <p:cNvSpPr/>
-            <p:nvPr/>
-          </p:nvSpPr>
-          <p:spPr>
-            <a:xfrm>
-              <a:off x="3319480" y="3125042"/>
-              <a:ext cx="134292" cy="134292"/>
+            <p:cNvPr name="Point 130" id="130"/>
+            <p:cNvSpPr/>
+            <p:nvPr/>
+          </p:nvSpPr>
+          <p:spPr>
+            <a:xfrm>
+              <a:off y="3121352" x="3321475"/>
+              <a:ext cy="134292" cx="134292"/>
             </a:xfrm>
             <a:prstGeom prst="ellipse">
               <a:avLst/>
@@ -6361,14 +6361,14 @@
         </p:sp>
         <p:sp>
           <p:nvSpPr>
-            <p:cNvPr id="131" name="Point 131"/>
-            <p:cNvSpPr/>
-            <p:nvPr/>
-          </p:nvSpPr>
-          <p:spPr>
-            <a:xfrm>
-              <a:off x="3234630" y="3013958"/>
-              <a:ext cx="128606" cy="128606"/>
+            <p:cNvPr name="Point 131" id="131"/>
+            <p:cNvSpPr/>
+            <p:nvPr/>
+          </p:nvSpPr>
+          <p:spPr>
+            <a:xfrm>
+              <a:off y="3010620" x="3237555"/>
+              <a:ext cy="128606" cx="128606"/>
             </a:xfrm>
             <a:prstGeom prst="ellipse">
               <a:avLst/>
@@ -6387,14 +6387,14 @@
         </p:sp>
         <p:sp>
           <p:nvSpPr>
-            <p:cNvPr id="132" name="Point 132"/>
-            <p:cNvSpPr/>
-            <p:nvPr/>
-          </p:nvSpPr>
-          <p:spPr>
-            <a:xfrm>
-              <a:off x="3579715" y="2894345"/>
-              <a:ext cx="139978" cy="139978"/>
+            <p:cNvPr name="Point 132" id="132"/>
+            <p:cNvSpPr/>
+            <p:nvPr/>
+          </p:nvSpPr>
+          <p:spPr>
+            <a:xfrm>
+              <a:off y="2891360" x="3578919"/>
+              <a:ext cy="139978" cx="139978"/>
             </a:xfrm>
             <a:prstGeom prst="ellipse">
               <a:avLst/>
@@ -6413,14 +6413,14 @@
         </p:sp>
         <p:sp>
           <p:nvSpPr>
-            <p:cNvPr id="133" name="Point 133"/>
-            <p:cNvSpPr/>
-            <p:nvPr/>
-          </p:nvSpPr>
-          <p:spPr>
-            <a:xfrm>
-              <a:off x="2617940" y="3182006"/>
-              <a:ext cx="134292" cy="134292"/>
+            <p:cNvPr name="Point 133" id="133"/>
+            <p:cNvSpPr/>
+            <p:nvPr/>
+          </p:nvSpPr>
+          <p:spPr>
+            <a:xfrm>
+              <a:off y="3178140" x="2627375"/>
+              <a:ext cy="134292" cx="134292"/>
             </a:xfrm>
             <a:prstGeom prst="ellipse">
               <a:avLst/>
@@ -6439,14 +6439,14 @@
         </p:sp>
         <p:sp>
           <p:nvSpPr>
-            <p:cNvPr id="134" name="Point 134"/>
-            <p:cNvSpPr/>
-            <p:nvPr/>
-          </p:nvSpPr>
-          <p:spPr>
-            <a:xfrm>
-              <a:off x="2694396" y="3113806"/>
-              <a:ext cx="156764" cy="156764"/>
+            <p:cNvPr name="Point 134" id="134"/>
+            <p:cNvSpPr/>
+            <p:nvPr/>
+          </p:nvSpPr>
+          <p:spPr>
+            <a:xfrm>
+              <a:off y="3110116" x="2702901"/>
+              <a:ext cy="156764" cx="156764"/>
             </a:xfrm>
             <a:prstGeom prst="ellipse">
               <a:avLst/>
@@ -6465,14 +6465,14 @@
         </p:sp>
         <p:sp>
           <p:nvSpPr>
-            <p:cNvPr id="135" name="Point 135"/>
-            <p:cNvSpPr/>
-            <p:nvPr/>
-          </p:nvSpPr>
-          <p:spPr>
-            <a:xfrm>
-              <a:off x="3223394" y="3002722"/>
-              <a:ext cx="151079" cy="151079"/>
+            <p:cNvPr name="Point 135" id="135"/>
+            <p:cNvSpPr/>
+            <p:nvPr/>
+          </p:nvSpPr>
+          <p:spPr>
+            <a:xfrm>
+              <a:off y="2999384" x="3226319"/>
+              <a:ext cy="151078" cx="151078"/>
             </a:xfrm>
             <a:prstGeom prst="ellipse">
               <a:avLst/>
@@ -6491,14 +6491,14 @@
         </p:sp>
         <p:sp>
           <p:nvSpPr>
-            <p:cNvPr id="136" name="Point 136"/>
-            <p:cNvSpPr/>
-            <p:nvPr/>
-          </p:nvSpPr>
-          <p:spPr>
-            <a:xfrm>
-              <a:off x="3325166" y="2902874"/>
-              <a:ext cx="122921" cy="122921"/>
+            <p:cNvPr name="Point 136" id="136"/>
+            <p:cNvSpPr/>
+            <p:nvPr/>
+          </p:nvSpPr>
+          <p:spPr>
+            <a:xfrm>
+              <a:off y="2899888" x="3327160"/>
+              <a:ext cy="122921" cx="122921"/>
             </a:xfrm>
             <a:prstGeom prst="ellipse">
               <a:avLst/>
@@ -6517,14 +6517,14 @@
         </p:sp>
         <p:sp>
           <p:nvSpPr>
-            <p:cNvPr id="137" name="Point 137"/>
-            <p:cNvSpPr/>
-            <p:nvPr/>
-          </p:nvSpPr>
-          <p:spPr>
-            <a:xfrm>
-              <a:off x="4366104" y="2207940"/>
-              <a:ext cx="145664" cy="145664"/>
+            <p:cNvPr name="Point 137" id="137"/>
+            <p:cNvSpPr/>
+            <p:nvPr/>
+          </p:nvSpPr>
+          <p:spPr>
+            <a:xfrm>
+              <a:off y="2207068" x="4356939"/>
+              <a:ext cy="145664" cx="145664"/>
             </a:xfrm>
             <a:prstGeom prst="ellipse">
               <a:avLst/>
@@ -6543,14 +6543,14 @@
         </p:sp>
         <p:sp>
           <p:nvSpPr>
-            <p:cNvPr id="138" name="Point 138"/>
-            <p:cNvSpPr/>
-            <p:nvPr/>
-          </p:nvSpPr>
-          <p:spPr>
-            <a:xfrm>
-              <a:off x="4363397" y="2091305"/>
-              <a:ext cx="151079" cy="151079"/>
+            <p:cNvPr name="Point 138" id="138"/>
+            <p:cNvSpPr/>
+            <p:nvPr/>
+          </p:nvSpPr>
+          <p:spPr>
+            <a:xfrm>
+              <a:off y="2090785" x="4354231"/>
+              <a:ext cy="151078" cx="151078"/>
             </a:xfrm>
             <a:prstGeom prst="ellipse">
               <a:avLst/>
@@ -6569,14 +6569,14 @@
         </p:sp>
         <p:sp>
           <p:nvSpPr>
-            <p:cNvPr id="139" name="Point 139"/>
-            <p:cNvSpPr/>
-            <p:nvPr/>
-          </p:nvSpPr>
-          <p:spPr>
-            <a:xfrm>
-              <a:off x="2895096" y="3196085"/>
-              <a:ext cx="106134" cy="106134"/>
+            <p:cNvPr name="Point 139" id="139"/>
+            <p:cNvSpPr/>
+            <p:nvPr/>
+          </p:nvSpPr>
+          <p:spPr>
+            <a:xfrm>
+              <a:off y="3192219" x="2901741"/>
+              <a:ext cy="106134" cx="106134"/>
             </a:xfrm>
             <a:prstGeom prst="ellipse">
               <a:avLst/>
@@ -6595,14 +6595,14 @@
         </p:sp>
         <p:sp>
           <p:nvSpPr>
-            <p:cNvPr id="140" name="Point 140"/>
-            <p:cNvSpPr/>
-            <p:nvPr/>
-          </p:nvSpPr>
-          <p:spPr>
-            <a:xfrm>
-              <a:off x="3661857" y="2774868"/>
-              <a:ext cx="151079" cy="151079"/>
+            <p:cNvPr name="Point 140" id="140"/>
+            <p:cNvSpPr/>
+            <p:nvPr/>
+          </p:nvSpPr>
+          <p:spPr>
+            <a:xfrm>
+              <a:off y="2772235" x="3660131"/>
+              <a:ext cy="151078" cx="151078"/>
             </a:xfrm>
             <a:prstGeom prst="ellipse">
               <a:avLst/>
@@ -6621,14 +6621,14 @@
         </p:sp>
         <p:sp>
           <p:nvSpPr>
-            <p:cNvPr id="141" name="Point 141"/>
-            <p:cNvSpPr/>
-            <p:nvPr/>
-          </p:nvSpPr>
-          <p:spPr>
-            <a:xfrm>
-              <a:off x="2530247" y="3238969"/>
-              <a:ext cx="134292" cy="134292"/>
+            <p:cNvPr name="Point 141" id="141"/>
+            <p:cNvSpPr/>
+            <p:nvPr/>
+          </p:nvSpPr>
+          <p:spPr>
+            <a:xfrm>
+              <a:off y="3234927" x="2540613"/>
+              <a:ext cy="134292" cx="134292"/>
             </a:xfrm>
             <a:prstGeom prst="ellipse">
               <a:avLst/>
@@ -6647,14 +6647,14 @@
         </p:sp>
         <p:sp>
           <p:nvSpPr>
-            <p:cNvPr id="142" name="Point 142"/>
-            <p:cNvSpPr/>
-            <p:nvPr/>
-          </p:nvSpPr>
-          <p:spPr>
-            <a:xfrm>
-              <a:off x="4371790" y="2213625"/>
-              <a:ext cx="134292" cy="134292"/>
+            <p:cNvPr name="Point 142" id="142"/>
+            <p:cNvSpPr/>
+            <p:nvPr/>
+          </p:nvSpPr>
+          <p:spPr>
+            <a:xfrm>
+              <a:off y="2212754" x="4362624"/>
+              <a:ext cy="134292" cx="134292"/>
             </a:xfrm>
             <a:prstGeom prst="ellipse">
               <a:avLst/>
@@ -6673,14 +6673,14 @@
         </p:sp>
         <p:sp>
           <p:nvSpPr>
-            <p:cNvPr id="143" name="Point 143"/>
-            <p:cNvSpPr/>
-            <p:nvPr/>
-          </p:nvSpPr>
-          <p:spPr>
-            <a:xfrm>
-              <a:off x="3149781" y="3244655"/>
-              <a:ext cx="122921" cy="122921"/>
+            <p:cNvPr name="Point 143" id="143"/>
+            <p:cNvSpPr/>
+            <p:nvPr/>
+          </p:nvSpPr>
+          <p:spPr>
+            <a:xfrm>
+              <a:off y="3240613" x="3153636"/>
+              <a:ext cy="122921" cx="122921"/>
             </a:xfrm>
             <a:prstGeom prst="ellipse">
               <a:avLst/>
@@ -6699,14 +6699,14 @@
         </p:sp>
         <p:sp>
           <p:nvSpPr>
-            <p:cNvPr id="144" name="Point 144"/>
-            <p:cNvSpPr/>
-            <p:nvPr/>
-          </p:nvSpPr>
-          <p:spPr>
-            <a:xfrm>
-              <a:off x="3492022" y="2780418"/>
-              <a:ext cx="139978" cy="139978"/>
+            <p:cNvPr name="Point 144" id="144"/>
+            <p:cNvSpPr/>
+            <p:nvPr/>
+          </p:nvSpPr>
+          <p:spPr>
+            <a:xfrm>
+              <a:off y="2777785" x="3492157"/>
+              <a:ext cy="139978" cx="139978"/>
             </a:xfrm>
             <a:prstGeom prst="ellipse">
               <a:avLst/>
@@ -6725,14 +6725,14 @@
         </p:sp>
         <p:sp>
           <p:nvSpPr>
-            <p:cNvPr id="145" name="Point 145"/>
-            <p:cNvSpPr/>
-            <p:nvPr/>
-          </p:nvSpPr>
-          <p:spPr>
-            <a:xfrm>
-              <a:off x="3939013" y="2618056"/>
-              <a:ext cx="122921" cy="122921"/>
+            <p:cNvPr name="Point 145" id="145"/>
+            <p:cNvSpPr/>
+            <p:nvPr/>
+          </p:nvSpPr>
+          <p:spPr>
+            <a:xfrm>
+              <a:off y="2615951" x="3934498"/>
+              <a:ext cy="122921" cx="122921"/>
             </a:xfrm>
             <a:prstGeom prst="ellipse">
               <a:avLst/>
@@ -6751,14 +6751,14 @@
         </p:sp>
         <p:sp>
           <p:nvSpPr>
-            <p:cNvPr id="146" name="Point 146"/>
-            <p:cNvSpPr/>
-            <p:nvPr/>
-          </p:nvSpPr>
-          <p:spPr>
-            <a:xfrm>
-              <a:off x="3062088" y="3301618"/>
-              <a:ext cx="122921" cy="122921"/>
+            <p:cNvPr name="Point 146" id="146"/>
+            <p:cNvSpPr/>
+            <p:nvPr/>
+          </p:nvSpPr>
+          <p:spPr>
+            <a:xfrm>
+              <a:off y="3297400" x="3066873"/>
+              <a:ext cy="122921" cx="122921"/>
             </a:xfrm>
             <a:prstGeom prst="ellipse">
               <a:avLst/>
@@ -6777,14 +6777,14 @@
         </p:sp>
         <p:sp>
           <p:nvSpPr>
-            <p:cNvPr id="147" name="Point 147"/>
-            <p:cNvSpPr/>
-            <p:nvPr/>
-          </p:nvSpPr>
-          <p:spPr>
-            <a:xfrm>
-              <a:off x="2974396" y="3244655"/>
-              <a:ext cx="122921" cy="122921"/>
+            <p:cNvPr name="Point 147" id="147"/>
+            <p:cNvSpPr/>
+            <p:nvPr/>
+          </p:nvSpPr>
+          <p:spPr>
+            <a:xfrm>
+              <a:off y="3240613" x="2980111"/>
+              <a:ext cy="122921" cx="122921"/>
             </a:xfrm>
             <a:prstGeom prst="ellipse">
               <a:avLst/>
@@ -6803,14 +6803,14 @@
         </p:sp>
         <p:sp>
           <p:nvSpPr>
-            <p:cNvPr id="148" name="Point 148"/>
-            <p:cNvSpPr/>
-            <p:nvPr/>
-          </p:nvSpPr>
-          <p:spPr>
-            <a:xfrm>
-              <a:off x="3228945" y="2837381"/>
-              <a:ext cx="139978" cy="139978"/>
+            <p:cNvPr name="Point 148" id="148"/>
+            <p:cNvSpPr/>
+            <p:nvPr/>
+          </p:nvSpPr>
+          <p:spPr>
+            <a:xfrm>
+              <a:off y="2834572" x="3231869"/>
+              <a:ext cy="139978" cx="139978"/>
             </a:xfrm>
             <a:prstGeom prst="ellipse">
               <a:avLst/>
@@ -6829,14 +6829,14 @@
         </p:sp>
         <p:sp>
           <p:nvSpPr>
-            <p:cNvPr id="149" name="Point 149"/>
-            <p:cNvSpPr/>
-            <p:nvPr/>
-          </p:nvSpPr>
-          <p:spPr>
-            <a:xfrm>
-              <a:off x="3944699" y="2737669"/>
-              <a:ext cx="111549" cy="111549"/>
+            <p:cNvPr name="Point 149" id="149"/>
+            <p:cNvSpPr/>
+            <p:nvPr/>
+          </p:nvSpPr>
+          <p:spPr>
+            <a:xfrm>
+              <a:off y="2735212" x="3940183"/>
+              <a:ext cy="111549" cx="111549"/>
             </a:xfrm>
             <a:prstGeom prst="ellipse">
               <a:avLst/>
@@ -6855,14 +6855,14 @@
         </p:sp>
         <p:sp>
           <p:nvSpPr>
-            <p:cNvPr id="150" name="Point 150"/>
-            <p:cNvSpPr/>
-            <p:nvPr/>
-          </p:nvSpPr>
-          <p:spPr>
-            <a:xfrm>
-              <a:off x="4111555" y="2558249"/>
-              <a:ext cx="128606" cy="128606"/>
+            <p:cNvPr name="Point 150" id="150"/>
+            <p:cNvSpPr/>
+            <p:nvPr/>
+          </p:nvSpPr>
+          <p:spPr>
+            <a:xfrm>
+              <a:off y="2556321" x="4105180"/>
+              <a:ext cy="128606" cx="128606"/>
             </a:xfrm>
             <a:prstGeom prst="ellipse">
               <a:avLst/>
@@ -6881,14 +6881,14 @@
         </p:sp>
         <p:sp>
           <p:nvSpPr>
-            <p:cNvPr id="151" name="Point 151"/>
-            <p:cNvSpPr/>
-            <p:nvPr/>
-          </p:nvSpPr>
-          <p:spPr>
-            <a:xfrm>
-              <a:off x="4547175" y="2384516"/>
-              <a:ext cx="134292" cy="134292"/>
+            <p:cNvPr name="Point 151" id="151"/>
+            <p:cNvSpPr/>
+            <p:nvPr/>
+          </p:nvSpPr>
+          <p:spPr>
+            <a:xfrm>
+              <a:off y="2383116" x="4536149"/>
+              <a:ext cy="134292" cx="134292"/>
             </a:xfrm>
             <a:prstGeom prst="ellipse">
               <a:avLst/>
@@ -6907,14 +6907,14 @@
         </p:sp>
         <p:sp>
           <p:nvSpPr>
-            <p:cNvPr id="152" name="Point 152"/>
-            <p:cNvSpPr/>
-            <p:nvPr/>
-          </p:nvSpPr>
-          <p:spPr>
-            <a:xfrm>
-              <a:off x="3226102" y="2834539"/>
-              <a:ext cx="145664" cy="145664"/>
+            <p:cNvPr name="Point 152" id="152"/>
+            <p:cNvSpPr/>
+            <p:nvPr/>
+          </p:nvSpPr>
+          <p:spPr>
+            <a:xfrm>
+              <a:off y="2831729" x="3229026"/>
+              <a:ext cy="145664" cx="145664"/>
             </a:xfrm>
             <a:prstGeom prst="ellipse">
               <a:avLst/>
@@ -6933,14 +6933,14 @@
         </p:sp>
         <p:sp>
           <p:nvSpPr>
-            <p:cNvPr id="153" name="Point 153"/>
-            <p:cNvSpPr/>
-            <p:nvPr/>
-          </p:nvSpPr>
-          <p:spPr>
-            <a:xfrm>
-              <a:off x="3158174" y="3139121"/>
-              <a:ext cx="106134" cy="106134"/>
+            <p:cNvPr name="Point 153" id="153"/>
+            <p:cNvSpPr/>
+            <p:nvPr/>
+          </p:nvSpPr>
+          <p:spPr>
+            <a:xfrm>
+              <a:off y="3135431" x="3162029"/>
+              <a:ext cy="106134" cx="106134"/>
             </a:xfrm>
             <a:prstGeom prst="ellipse">
               <a:avLst/>
@@ -6959,14 +6959,14 @@
         </p:sp>
         <p:sp>
           <p:nvSpPr>
-            <p:cNvPr id="154" name="Point 154"/>
-            <p:cNvSpPr/>
-            <p:nvPr/>
-          </p:nvSpPr>
-          <p:spPr>
-            <a:xfrm>
-              <a:off x="2985632" y="2857146"/>
-              <a:ext cx="100448" cy="100448"/>
+            <p:cNvPr name="Point 154" id="154"/>
+            <p:cNvSpPr/>
+            <p:nvPr/>
+          </p:nvSpPr>
+          <p:spPr>
+            <a:xfrm>
+              <a:off y="2854337" x="2991347"/>
+              <a:ext cy="100448" cx="100448"/>
             </a:xfrm>
             <a:prstGeom prst="ellipse">
               <a:avLst/>
@@ -6985,14 +6985,14 @@
         </p:sp>
         <p:sp>
           <p:nvSpPr>
-            <p:cNvPr id="155" name="Point 155"/>
-            <p:cNvSpPr/>
-            <p:nvPr/>
-          </p:nvSpPr>
-          <p:spPr>
-            <a:xfrm>
-              <a:off x="4363397" y="2547013"/>
-              <a:ext cx="151079" cy="151079"/>
+            <p:cNvPr name="Point 155" id="155"/>
+            <p:cNvSpPr/>
+            <p:nvPr/>
+          </p:nvSpPr>
+          <p:spPr>
+            <a:xfrm>
+              <a:off y="2545085" x="4354231"/>
+              <a:ext cy="151078" cx="151078"/>
             </a:xfrm>
             <a:prstGeom prst="ellipse">
               <a:avLst/>
@@ -7011,14 +7011,14 @@
         </p:sp>
         <p:sp>
           <p:nvSpPr>
-            <p:cNvPr id="156" name="Point 156"/>
-            <p:cNvSpPr/>
-            <p:nvPr/>
-          </p:nvSpPr>
-          <p:spPr>
-            <a:xfrm>
-              <a:off x="3132859" y="2828988"/>
-              <a:ext cx="156764" cy="156764"/>
+            <p:cNvPr name="Point 156" id="156"/>
+            <p:cNvSpPr/>
+            <p:nvPr/>
+          </p:nvSpPr>
+          <p:spPr>
+            <a:xfrm>
+              <a:off y="2826179" x="3136714"/>
+              <a:ext cy="156764" cx="156764"/>
             </a:xfrm>
             <a:prstGeom prst="ellipse">
               <a:avLst/>
@@ -7037,14 +7037,14 @@
         </p:sp>
         <p:sp>
           <p:nvSpPr>
-            <p:cNvPr id="157" name="Point 157"/>
-            <p:cNvSpPr/>
-            <p:nvPr/>
-          </p:nvSpPr>
-          <p:spPr>
-            <a:xfrm>
-              <a:off x="3237473" y="2902874"/>
-              <a:ext cx="122921" cy="122921"/>
+            <p:cNvPr name="Point 157" id="157"/>
+            <p:cNvSpPr/>
+            <p:nvPr/>
+          </p:nvSpPr>
+          <p:spPr>
+            <a:xfrm>
+              <a:off y="2899888" x="3240398"/>
+              <a:ext cy="122921" cx="122921"/>
             </a:xfrm>
             <a:prstGeom prst="ellipse">
               <a:avLst/>
@@ -7063,14 +7063,14 @@
         </p:sp>
         <p:sp>
           <p:nvSpPr>
-            <p:cNvPr id="158" name="Point 158"/>
-            <p:cNvSpPr/>
-            <p:nvPr/>
-          </p:nvSpPr>
-          <p:spPr>
-            <a:xfrm>
-              <a:off x="2886703" y="3301618"/>
-              <a:ext cx="122921" cy="122921"/>
+            <p:cNvPr name="Point 158" id="158"/>
+            <p:cNvSpPr/>
+            <p:nvPr/>
+          </p:nvSpPr>
+          <p:spPr>
+            <a:xfrm>
+              <a:off y="3297400" x="2893348"/>
+              <a:ext cy="122921" cx="122921"/>
             </a:xfrm>
             <a:prstGeom prst="ellipse">
               <a:avLst/>
@@ -7089,14 +7089,14 @@
         </p:sp>
         <p:sp>
           <p:nvSpPr>
-            <p:cNvPr id="159" name="Point 159"/>
-            <p:cNvSpPr/>
-            <p:nvPr/>
-          </p:nvSpPr>
-          <p:spPr>
-            <a:xfrm>
-              <a:off x="3667407" y="2951309"/>
-              <a:ext cx="139978" cy="139978"/>
+            <p:cNvPr name="Point 159" id="159"/>
+            <p:cNvSpPr/>
+            <p:nvPr/>
+          </p:nvSpPr>
+          <p:spPr>
+            <a:xfrm>
+              <a:off y="2948147" x="3665682"/>
+              <a:ext cy="139978" cx="139978"/>
             </a:xfrm>
             <a:prstGeom prst="ellipse">
               <a:avLst/>
@@ -7115,14 +7115,14 @@
         </p:sp>
         <p:sp>
           <p:nvSpPr>
-            <p:cNvPr id="160" name="Point 160"/>
-            <p:cNvSpPr/>
-            <p:nvPr/>
-          </p:nvSpPr>
-          <p:spPr>
-            <a:xfrm>
-              <a:off x="3483629" y="2828988"/>
-              <a:ext cx="156764" cy="156764"/>
+            <p:cNvPr name="Point 160" id="160"/>
+            <p:cNvSpPr/>
+            <p:nvPr/>
+          </p:nvSpPr>
+          <p:spPr>
+            <a:xfrm>
+              <a:off y="2826179" x="3483764"/>
+              <a:ext cy="156764" cx="156764"/>
             </a:xfrm>
             <a:prstGeom prst="ellipse">
               <a:avLst/>
@@ -7141,14 +7141,14 @@
         </p:sp>
         <p:sp>
           <p:nvSpPr>
-            <p:cNvPr id="161" name="Point 161"/>
-            <p:cNvSpPr/>
-            <p:nvPr/>
-          </p:nvSpPr>
-          <p:spPr>
-            <a:xfrm>
-              <a:off x="3661857" y="3116649"/>
-              <a:ext cx="151079" cy="151079"/>
+            <p:cNvPr name="Point 161" id="161"/>
+            <p:cNvSpPr/>
+            <p:nvPr/>
+          </p:nvSpPr>
+          <p:spPr>
+            <a:xfrm>
+              <a:off y="3112959" x="3660131"/>
+              <a:ext cy="151078" cx="151078"/>
             </a:xfrm>
             <a:prstGeom prst="ellipse">
               <a:avLst/>
@@ -7167,14 +7167,14 @@
         </p:sp>
         <p:sp>
           <p:nvSpPr>
-            <p:cNvPr id="162" name="Point 162"/>
-            <p:cNvSpPr/>
-            <p:nvPr/>
-          </p:nvSpPr>
-          <p:spPr>
-            <a:xfrm>
-              <a:off x="2708475" y="3127885"/>
-              <a:ext cx="128606" cy="128606"/>
+            <p:cNvPr name="Point 162" id="162"/>
+            <p:cNvSpPr/>
+            <p:nvPr/>
+          </p:nvSpPr>
+          <p:spPr>
+            <a:xfrm>
+              <a:off y="3124195" x="2716980"/>
+              <a:ext cy="128606" cx="128606"/>
             </a:xfrm>
             <a:prstGeom prst="ellipse">
               <a:avLst/>
@@ -7193,14 +7193,14 @@
         </p:sp>
         <p:sp>
           <p:nvSpPr>
-            <p:cNvPr id="163" name="Point 163"/>
-            <p:cNvSpPr/>
-            <p:nvPr/>
-          </p:nvSpPr>
-          <p:spPr>
-            <a:xfrm>
-              <a:off x="3574164" y="2660940"/>
-              <a:ext cx="151079" cy="151079"/>
+            <p:cNvPr name="Point 163" id="163"/>
+            <p:cNvSpPr/>
+            <p:nvPr/>
+          </p:nvSpPr>
+          <p:spPr>
+            <a:xfrm>
+              <a:off y="2658660" x="3573369"/>
+              <a:ext cy="151078" cx="151078"/>
             </a:xfrm>
             <a:prstGeom prst="ellipse">
               <a:avLst/>
@@ -7219,14 +7219,14 @@
         </p:sp>
         <p:sp>
           <p:nvSpPr>
-            <p:cNvPr id="164" name="Point 164"/>
-            <p:cNvSpPr/>
-            <p:nvPr/>
-          </p:nvSpPr>
-          <p:spPr>
-            <a:xfrm>
-              <a:off x="3480786" y="2769182"/>
-              <a:ext cx="162450" cy="162450"/>
+            <p:cNvPr name="Point 164" id="164"/>
+            <p:cNvSpPr/>
+            <p:nvPr/>
+          </p:nvSpPr>
+          <p:spPr>
+            <a:xfrm>
+              <a:off y="2766549" x="3480921"/>
+              <a:ext cy="162450" cx="162450"/>
             </a:xfrm>
             <a:prstGeom prst="ellipse">
               <a:avLst/>
@@ -7245,14 +7245,14 @@
         </p:sp>
         <p:sp>
           <p:nvSpPr>
-            <p:cNvPr id="165" name="Point 165"/>
-            <p:cNvSpPr/>
-            <p:nvPr/>
-          </p:nvSpPr>
-          <p:spPr>
-            <a:xfrm>
-              <a:off x="3486472" y="3059685"/>
-              <a:ext cx="151079" cy="151079"/>
+            <p:cNvPr name="Point 165" id="165"/>
+            <p:cNvSpPr/>
+            <p:nvPr/>
+          </p:nvSpPr>
+          <p:spPr>
+            <a:xfrm>
+              <a:off y="3056172" x="3486606"/>
+              <a:ext cy="151078" cx="151078"/>
             </a:xfrm>
             <a:prstGeom prst="ellipse">
               <a:avLst/>
@@ -7271,14 +7271,14 @@
         </p:sp>
         <p:sp>
           <p:nvSpPr>
-            <p:cNvPr id="166" name="Point 166"/>
-            <p:cNvSpPr/>
-            <p:nvPr/>
-          </p:nvSpPr>
-          <p:spPr>
-            <a:xfrm>
-              <a:off x="3146938" y="3184848"/>
-              <a:ext cx="128606" cy="128606"/>
+            <p:cNvPr name="Point 166" id="166"/>
+            <p:cNvSpPr/>
+            <p:nvPr/>
+          </p:nvSpPr>
+          <p:spPr>
+            <a:xfrm>
+              <a:off y="3180983" x="3150793"/>
+              <a:ext cy="128606" cx="128606"/>
             </a:xfrm>
             <a:prstGeom prst="ellipse">
               <a:avLst/>
@@ -7297,14 +7297,14 @@
         </p:sp>
         <p:sp>
           <p:nvSpPr>
-            <p:cNvPr id="167" name="Point 167"/>
-            <p:cNvSpPr/>
-            <p:nvPr/>
-          </p:nvSpPr>
-          <p:spPr>
-            <a:xfrm>
-              <a:off x="3319480" y="3068078"/>
-              <a:ext cx="134292" cy="134292"/>
+            <p:cNvPr name="Point 167" id="167"/>
+            <p:cNvSpPr/>
+            <p:nvPr/>
+          </p:nvSpPr>
+          <p:spPr>
+            <a:xfrm>
+              <a:off y="3064565" x="3321475"/>
+              <a:ext cy="134292" cx="134292"/>
             </a:xfrm>
             <a:prstGeom prst="ellipse">
               <a:avLst/>
@@ -7323,14 +7323,14 @@
         </p:sp>
         <p:sp>
           <p:nvSpPr>
-            <p:cNvPr id="168" name="Point 168"/>
-            <p:cNvSpPr/>
-            <p:nvPr/>
-          </p:nvSpPr>
-          <p:spPr>
-            <a:xfrm>
-              <a:off x="3048009" y="2945758"/>
-              <a:ext cx="151079" cy="151079"/>
+            <p:cNvPr name="Point 168" id="168"/>
+            <p:cNvSpPr/>
+            <p:nvPr/>
+          </p:nvSpPr>
+          <p:spPr>
+            <a:xfrm>
+              <a:off y="2942597" x="3052794"/>
+              <a:ext cy="151078" cx="151078"/>
             </a:xfrm>
             <a:prstGeom prst="ellipse">
               <a:avLst/>
@@ -7349,14 +7349,14 @@
         </p:sp>
         <p:sp>
           <p:nvSpPr>
-            <p:cNvPr id="169" name="Point 169"/>
-            <p:cNvSpPr/>
-            <p:nvPr/>
-          </p:nvSpPr>
-          <p:spPr>
-            <a:xfrm>
-              <a:off x="2799011" y="3130728"/>
-              <a:ext cx="122921" cy="122921"/>
+            <p:cNvPr name="Point 169" id="169"/>
+            <p:cNvSpPr/>
+            <p:nvPr/>
+          </p:nvSpPr>
+          <p:spPr>
+            <a:xfrm>
+              <a:off y="3127038" x="2806586"/>
+              <a:ext cy="122921" cx="122921"/>
             </a:xfrm>
             <a:prstGeom prst="ellipse">
               <a:avLst/>
@@ -7375,14 +7375,14 @@
         </p:sp>
         <p:sp>
           <p:nvSpPr>
-            <p:cNvPr id="170" name="Text 170"/>
+            <p:cNvPr name="Text 170" id="170"/>
             <p:cNvSpPr/>
             <p:nvPr/>
           </p:nvSpPr>
           <p:spPr>
             <a:xfrm rot="0">
-              <a:off x="1082294" y="4887573"/>
-              <a:ext cx="127000" cy="121920"/>
+              <a:off y="4878423" x="1081024"/>
+              <a:ext cy="121920" cx="152400"/>
             </a:xfrm>
             <a:prstGeom prst="rect">
               <a:avLst/>
@@ -7390,12 +7390,12 @@
             <a:noFill/>
           </p:spPr>
           <p:txBody>
-            <a:bodyPr lIns="0" tIns="0" rIns="0" bIns="0" anchor="b">
+            <a:bodyPr anchor="b" bIns="0" rIns="0" tIns="0" lIns="0">
               <a:spAutoFit/>
             </a:bodyPr>
             <a:lstStyle/>
             <a:p>
-              <a:pPr marL="0" marR="0" indent="0" algn="r">
+              <a:pPr algn="r" indent="0" marR="0" marL="0">
                 <a:lnSpc>
                   <a:spcPts val="960"/>
                 </a:lnSpc>
@@ -7413,8 +7413,8 @@
                       <a:alpha val="100000"/>
                     </a:srgbClr>
                   </a:solidFill>
-                  <a:latin typeface="Arial"/>
-                  <a:cs typeface="Arial"/>
+                  <a:latin typeface="Verdana"/>
+                  <a:cs typeface="Verdana"/>
                 </a:rPr>
                 <a:t>2</a:t>
               </a:r>
@@ -7423,14 +7423,14 @@
         </p:sp>
         <p:sp>
           <p:nvSpPr>
-            <p:cNvPr id="171" name="Text 171"/>
+            <p:cNvPr name="Text 171" id="171"/>
             <p:cNvSpPr/>
             <p:nvPr/>
           </p:nvSpPr>
           <p:spPr>
             <a:xfrm rot="0">
-              <a:off x="1082294" y="3748302"/>
-              <a:ext cx="127000" cy="121920"/>
+              <a:off y="3742675" x="1081024"/>
+              <a:ext cy="121920" cx="152400"/>
             </a:xfrm>
             <a:prstGeom prst="rect">
               <a:avLst/>
@@ -7438,12 +7438,12 @@
             <a:noFill/>
           </p:spPr>
           <p:txBody>
-            <a:bodyPr lIns="0" tIns="0" rIns="0" bIns="0" anchor="b">
+            <a:bodyPr anchor="b" bIns="0" rIns="0" tIns="0" lIns="0">
               <a:spAutoFit/>
             </a:bodyPr>
             <a:lstStyle/>
             <a:p>
-              <a:pPr marL="0" marR="0" indent="0" algn="r">
+              <a:pPr algn="r" indent="0" marR="0" marL="0">
                 <a:lnSpc>
                   <a:spcPts val="960"/>
                 </a:lnSpc>
@@ -7461,8 +7461,8 @@
                       <a:alpha val="100000"/>
                     </a:srgbClr>
                   </a:solidFill>
-                  <a:latin typeface="Arial"/>
-                  <a:cs typeface="Arial"/>
+                  <a:latin typeface="Verdana"/>
+                  <a:cs typeface="Verdana"/>
                 </a:rPr>
                 <a:t>4</a:t>
               </a:r>
@@ -7471,14 +7471,14 @@
         </p:sp>
         <p:sp>
           <p:nvSpPr>
-            <p:cNvPr id="172" name="Text 172"/>
+            <p:cNvPr name="Text 172" id="172"/>
             <p:cNvSpPr/>
             <p:nvPr/>
           </p:nvSpPr>
           <p:spPr>
             <a:xfrm rot="0">
-              <a:off x="1082294" y="2609031"/>
-              <a:ext cx="127000" cy="121920"/>
+              <a:off y="2606927" x="1081024"/>
+              <a:ext cy="121920" cx="152400"/>
             </a:xfrm>
             <a:prstGeom prst="rect">
               <a:avLst/>
@@ -7486,12 +7486,12 @@
             <a:noFill/>
           </p:spPr>
           <p:txBody>
-            <a:bodyPr lIns="0" tIns="0" rIns="0" bIns="0" anchor="b">
+            <a:bodyPr anchor="b" bIns="0" rIns="0" tIns="0" lIns="0">
               <a:spAutoFit/>
             </a:bodyPr>
             <a:lstStyle/>
             <a:p>
-              <a:pPr marL="0" marR="0" indent="0" algn="r">
+              <a:pPr algn="r" indent="0" marR="0" marL="0">
                 <a:lnSpc>
                   <a:spcPts val="960"/>
                 </a:lnSpc>
@@ -7509,8 +7509,8 @@
                       <a:alpha val="100000"/>
                     </a:srgbClr>
                   </a:solidFill>
-                  <a:latin typeface="Arial"/>
-                  <a:cs typeface="Arial"/>
+                  <a:latin typeface="Verdana"/>
+                  <a:cs typeface="Verdana"/>
                 </a:rPr>
                 <a:t>6</a:t>
               </a:r>
@@ -7519,24 +7519,24 @@
         </p:sp>
         <p:sp>
           <p:nvSpPr>
-            <p:cNvPr id="173" name="Polyline form 173"/>
-            <p:cNvSpPr/>
-            <p:nvPr/>
-          </p:nvSpPr>
-          <p:spPr>
-            <a:xfrm>
-              <a:off x="1245394" y="4958058"/>
-              <a:ext cx="54150" cy="0"/>
+            <p:cNvPr name="Polyline form 173" id="173"/>
+            <p:cNvSpPr/>
+            <p:nvPr/>
+          </p:nvSpPr>
+          <p:spPr>
+            <a:xfrm>
+              <a:off y="4948908" x="1269524"/>
+              <a:ext cy="0" cx="54150"/>
             </a:xfrm>
             <a:custGeom>
               <a:avLst/>
               <a:pathLst>
-                <a:path w="54150" h="0">
+                <a:path h="0" w="54150">
                   <a:moveTo>
-                    <a:pt x="0" y="0"/>
+                    <a:pt y="0" x="0"/>
                   </a:moveTo>
                   <a:lnTo>
-                    <a:pt x="54150" y="0"/>
+                    <a:pt y="0" x="54150"/>
                   </a:lnTo>
                 </a:path>
               </a:pathLst>
@@ -7559,24 +7559,24 @@
         </p:sp>
         <p:sp>
           <p:nvSpPr>
-            <p:cNvPr id="174" name="Polyline form 174"/>
-            <p:cNvSpPr/>
-            <p:nvPr/>
-          </p:nvSpPr>
-          <p:spPr>
-            <a:xfrm>
-              <a:off x="1245394" y="3818787"/>
-              <a:ext cx="54150" cy="0"/>
+            <p:cNvPr name="Polyline form 174" id="174"/>
+            <p:cNvSpPr/>
+            <p:nvPr/>
+          </p:nvSpPr>
+          <p:spPr>
+            <a:xfrm>
+              <a:off y="3813160" x="1269524"/>
+              <a:ext cy="0" cx="54150"/>
             </a:xfrm>
             <a:custGeom>
               <a:avLst/>
               <a:pathLst>
-                <a:path w="54150" h="0">
+                <a:path h="0" w="54150">
                   <a:moveTo>
-                    <a:pt x="0" y="0"/>
+                    <a:pt y="0" x="0"/>
                   </a:moveTo>
                   <a:lnTo>
-                    <a:pt x="54150" y="0"/>
+                    <a:pt y="0" x="54150"/>
                   </a:lnTo>
                 </a:path>
               </a:pathLst>
@@ -7599,24 +7599,24 @@
         </p:sp>
         <p:sp>
           <p:nvSpPr>
-            <p:cNvPr id="175" name="Polyline form 175"/>
-            <p:cNvSpPr/>
-            <p:nvPr/>
-          </p:nvSpPr>
-          <p:spPr>
-            <a:xfrm>
-              <a:off x="1245394" y="2679516"/>
-              <a:ext cx="54150" cy="0"/>
+            <p:cNvPr name="Polyline form 175" id="175"/>
+            <p:cNvSpPr/>
+            <p:nvPr/>
+          </p:nvSpPr>
+          <p:spPr>
+            <a:xfrm>
+              <a:off y="2677412" x="1269524"/>
+              <a:ext cy="0" cx="54150"/>
             </a:xfrm>
             <a:custGeom>
               <a:avLst/>
               <a:pathLst>
-                <a:path w="54150" h="0">
+                <a:path h="0" w="54150">
                   <a:moveTo>
-                    <a:pt x="0" y="0"/>
+                    <a:pt y="0" x="0"/>
                   </a:moveTo>
                   <a:lnTo>
-                    <a:pt x="54150" y="0"/>
+                    <a:pt y="0" x="54150"/>
                   </a:lnTo>
                 </a:path>
               </a:pathLst>
@@ -7639,24 +7639,24 @@
         </p:sp>
         <p:sp>
           <p:nvSpPr>
-            <p:cNvPr id="176" name="Polyline form 176"/>
-            <p:cNvSpPr/>
-            <p:nvPr/>
-          </p:nvSpPr>
-          <p:spPr>
-            <a:xfrm>
-              <a:off x="2071238" y="5695736"/>
-              <a:ext cx="0" cy="54150"/>
+            <p:cNvPr name="Polyline form 176" id="176"/>
+            <p:cNvSpPr/>
+            <p:nvPr/>
+          </p:nvSpPr>
+          <p:spPr>
+            <a:xfrm>
+              <a:off y="5684306" x="2087184"/>
+              <a:ext cy="54150" cx="0"/>
             </a:xfrm>
             <a:custGeom>
               <a:avLst/>
               <a:pathLst>
-                <a:path w="0" h="54150">
+                <a:path h="54150" w="0">
                   <a:moveTo>
-                    <a:pt x="0" y="54150"/>
+                    <a:pt y="54150" x="0"/>
                   </a:moveTo>
                   <a:lnTo>
-                    <a:pt x="0" y="0"/>
+                    <a:pt y="0" x="0"/>
                   </a:lnTo>
                 </a:path>
               </a:pathLst>
@@ -7679,24 +7679,24 @@
         </p:sp>
         <p:sp>
           <p:nvSpPr>
-            <p:cNvPr id="177" name="Polyline form 177"/>
-            <p:cNvSpPr/>
-            <p:nvPr/>
-          </p:nvSpPr>
-          <p:spPr>
-            <a:xfrm>
-              <a:off x="2948163" y="5695736"/>
-              <a:ext cx="0" cy="54150"/>
+            <p:cNvPr name="Polyline form 177" id="177"/>
+            <p:cNvSpPr/>
+            <p:nvPr/>
+          </p:nvSpPr>
+          <p:spPr>
+            <a:xfrm>
+              <a:off y="5684306" x="2954808"/>
+              <a:ext cy="54150" cx="0"/>
             </a:xfrm>
             <a:custGeom>
               <a:avLst/>
               <a:pathLst>
-                <a:path w="0" h="54150">
+                <a:path h="54150" w="0">
                   <a:moveTo>
-                    <a:pt x="0" y="54150"/>
+                    <a:pt y="54150" x="0"/>
                   </a:moveTo>
                   <a:lnTo>
-                    <a:pt x="0" y="0"/>
+                    <a:pt y="0" x="0"/>
                   </a:lnTo>
                 </a:path>
               </a:pathLst>
@@ -7719,24 +7719,24 @@
         </p:sp>
         <p:sp>
           <p:nvSpPr>
-            <p:cNvPr id="178" name="Polyline form 178"/>
-            <p:cNvSpPr/>
-            <p:nvPr/>
-          </p:nvSpPr>
-          <p:spPr>
-            <a:xfrm>
-              <a:off x="3825088" y="5695736"/>
-              <a:ext cx="0" cy="54150"/>
+            <p:cNvPr name="Polyline form 178" id="178"/>
+            <p:cNvSpPr/>
+            <p:nvPr/>
+          </p:nvSpPr>
+          <p:spPr>
+            <a:xfrm>
+              <a:off y="5684306" x="3822433"/>
+              <a:ext cy="54150" cx="0"/>
             </a:xfrm>
             <a:custGeom>
               <a:avLst/>
               <a:pathLst>
-                <a:path w="0" h="54150">
+                <a:path h="54150" w="0">
                   <a:moveTo>
-                    <a:pt x="0" y="54150"/>
+                    <a:pt y="54150" x="0"/>
                   </a:moveTo>
                   <a:lnTo>
-                    <a:pt x="0" y="0"/>
+                    <a:pt y="0" x="0"/>
                   </a:lnTo>
                 </a:path>
               </a:pathLst>
@@ -7759,24 +7759,24 @@
         </p:sp>
         <p:sp>
           <p:nvSpPr>
-            <p:cNvPr id="179" name="Polyline form 179"/>
-            <p:cNvSpPr/>
-            <p:nvPr/>
-          </p:nvSpPr>
-          <p:spPr>
-            <a:xfrm>
-              <a:off x="4702014" y="5695736"/>
-              <a:ext cx="0" cy="54150"/>
+            <p:cNvPr name="Polyline form 179" id="179"/>
+            <p:cNvSpPr/>
+            <p:nvPr/>
+          </p:nvSpPr>
+          <p:spPr>
+            <a:xfrm>
+              <a:off y="5684306" x="4690058"/>
+              <a:ext cy="54150" cx="0"/>
             </a:xfrm>
             <a:custGeom>
               <a:avLst/>
               <a:pathLst>
-                <a:path w="0" h="54150">
+                <a:path h="54150" w="0">
                   <a:moveTo>
-                    <a:pt x="0" y="54150"/>
+                    <a:pt y="54150" x="0"/>
                   </a:moveTo>
                   <a:lnTo>
-                    <a:pt x="0" y="0"/>
+                    <a:pt y="0" x="0"/>
                   </a:lnTo>
                 </a:path>
               </a:pathLst>
@@ -7799,14 +7799,14 @@
         </p:sp>
         <p:sp>
           <p:nvSpPr>
-            <p:cNvPr id="180" name="Text 180"/>
+            <p:cNvPr name="Text 180" id="180"/>
             <p:cNvSpPr/>
             <p:nvPr/>
           </p:nvSpPr>
           <p:spPr>
             <a:xfrm rot="0">
-              <a:off x="2007738" y="5766936"/>
-              <a:ext cx="127000" cy="121920"/>
+              <a:off y="5755506" x="2010984"/>
+              <a:ext cy="121920" cx="152400"/>
             </a:xfrm>
             <a:prstGeom prst="rect">
               <a:avLst/>
@@ -7814,12 +7814,12 @@
             <a:noFill/>
           </p:spPr>
           <p:txBody>
-            <a:bodyPr lIns="0" tIns="0" rIns="0" bIns="0" anchor="b">
+            <a:bodyPr anchor="b" bIns="0" rIns="0" tIns="0" lIns="0">
               <a:spAutoFit/>
             </a:bodyPr>
             <a:lstStyle/>
             <a:p>
-              <a:pPr marL="0" marR="0" indent="0" algn="ctr">
+              <a:pPr algn="ctr" indent="0" marR="0" marL="0">
                 <a:lnSpc>
                   <a:spcPts val="960"/>
                 </a:lnSpc>
@@ -7837,8 +7837,8 @@
                       <a:alpha val="100000"/>
                     </a:srgbClr>
                   </a:solidFill>
-                  <a:latin typeface="Arial"/>
-                  <a:cs typeface="Arial"/>
+                  <a:latin typeface="Verdana"/>
+                  <a:cs typeface="Verdana"/>
                 </a:rPr>
                 <a:t>5</a:t>
               </a:r>
@@ -7847,14 +7847,14 @@
         </p:sp>
         <p:sp>
           <p:nvSpPr>
-            <p:cNvPr id="181" name="Text 181"/>
+            <p:cNvPr name="Text 181" id="181"/>
             <p:cNvSpPr/>
             <p:nvPr/>
           </p:nvSpPr>
           <p:spPr>
             <a:xfrm rot="0">
-              <a:off x="2884663" y="5766936"/>
-              <a:ext cx="127000" cy="121920"/>
+              <a:off y="5755506" x="2878608"/>
+              <a:ext cy="121920" cx="152400"/>
             </a:xfrm>
             <a:prstGeom prst="rect">
               <a:avLst/>
@@ -7862,12 +7862,12 @@
             <a:noFill/>
           </p:spPr>
           <p:txBody>
-            <a:bodyPr lIns="0" tIns="0" rIns="0" bIns="0" anchor="b">
+            <a:bodyPr anchor="b" bIns="0" rIns="0" tIns="0" lIns="0">
               <a:spAutoFit/>
             </a:bodyPr>
             <a:lstStyle/>
             <a:p>
-              <a:pPr marL="0" marR="0" indent="0" algn="ctr">
+              <a:pPr algn="ctr" indent="0" marR="0" marL="0">
                 <a:lnSpc>
                   <a:spcPts val="960"/>
                 </a:lnSpc>
@@ -7885,8 +7885,8 @@
                       <a:alpha val="100000"/>
                     </a:srgbClr>
                   </a:solidFill>
-                  <a:latin typeface="Arial"/>
-                  <a:cs typeface="Arial"/>
+                  <a:latin typeface="Verdana"/>
+                  <a:cs typeface="Verdana"/>
                 </a:rPr>
                 <a:t>6</a:t>
               </a:r>
@@ -7895,14 +7895,14 @@
         </p:sp>
         <p:sp>
           <p:nvSpPr>
-            <p:cNvPr id="182" name="Text 182"/>
+            <p:cNvPr name="Text 182" id="182"/>
             <p:cNvSpPr/>
             <p:nvPr/>
           </p:nvSpPr>
           <p:spPr>
             <a:xfrm rot="0">
-              <a:off x="3761588" y="5766936"/>
-              <a:ext cx="127000" cy="121920"/>
+              <a:off y="5755506" x="3746233"/>
+              <a:ext cy="121920" cx="152400"/>
             </a:xfrm>
             <a:prstGeom prst="rect">
               <a:avLst/>
@@ -7910,12 +7910,12 @@
             <a:noFill/>
           </p:spPr>
           <p:txBody>
-            <a:bodyPr lIns="0" tIns="0" rIns="0" bIns="0" anchor="b">
+            <a:bodyPr anchor="b" bIns="0" rIns="0" tIns="0" lIns="0">
               <a:spAutoFit/>
             </a:bodyPr>
             <a:lstStyle/>
             <a:p>
-              <a:pPr marL="0" marR="0" indent="0" algn="ctr">
+              <a:pPr algn="ctr" indent="0" marR="0" marL="0">
                 <a:lnSpc>
                   <a:spcPts val="960"/>
                 </a:lnSpc>
@@ -7933,8 +7933,8 @@
                       <a:alpha val="100000"/>
                     </a:srgbClr>
                   </a:solidFill>
-                  <a:latin typeface="Arial"/>
-                  <a:cs typeface="Arial"/>
+                  <a:latin typeface="Verdana"/>
+                  <a:cs typeface="Verdana"/>
                 </a:rPr>
                 <a:t>7</a:t>
               </a:r>
@@ -7943,14 +7943,14 @@
         </p:sp>
         <p:sp>
           <p:nvSpPr>
-            <p:cNvPr id="183" name="Text 183"/>
+            <p:cNvPr name="Text 183" id="183"/>
             <p:cNvSpPr/>
             <p:nvPr/>
           </p:nvSpPr>
           <p:spPr>
             <a:xfrm rot="0">
-              <a:off x="4638514" y="5766936"/>
-              <a:ext cx="127000" cy="121920"/>
+              <a:off y="5755506" x="4613858"/>
+              <a:ext cy="121920" cx="152400"/>
             </a:xfrm>
             <a:prstGeom prst="rect">
               <a:avLst/>
@@ -7958,12 +7958,12 @@
             <a:noFill/>
           </p:spPr>
           <p:txBody>
-            <a:bodyPr lIns="0" tIns="0" rIns="0" bIns="0" anchor="b">
+            <a:bodyPr anchor="b" bIns="0" rIns="0" tIns="0" lIns="0">
               <a:spAutoFit/>
             </a:bodyPr>
             <a:lstStyle/>
             <a:p>
-              <a:pPr marL="0" marR="0" indent="0" algn="ctr">
+              <a:pPr algn="ctr" indent="0" marR="0" marL="0">
                 <a:lnSpc>
                   <a:spcPts val="960"/>
                 </a:lnSpc>
@@ -7981,8 +7981,8 @@
                       <a:alpha val="100000"/>
                     </a:srgbClr>
                   </a:solidFill>
-                  <a:latin typeface="Arial"/>
-                  <a:cs typeface="Arial"/>
+                  <a:latin typeface="Verdana"/>
+                  <a:cs typeface="Verdana"/>
                 </a:rPr>
                 <a:t>8</a:t>
               </a:r>
@@ -7991,14 +7991,14 @@
         </p:sp>
         <p:sp>
           <p:nvSpPr>
-            <p:cNvPr id="184" name="Text 184"/>
+            <p:cNvPr name="Text 184" id="184"/>
             <p:cNvSpPr/>
             <p:nvPr/>
           </p:nvSpPr>
           <p:spPr>
             <a:xfrm rot="0">
-              <a:off x="2456418" y="5915642"/>
-              <a:ext cx="1158875" cy="152400"/>
+              <a:off y="5915642" x="2422446"/>
+              <a:ext cy="152400" cx="1238250"/>
             </a:xfrm>
             <a:prstGeom prst="rect">
               <a:avLst/>
@@ -8006,12 +8006,12 @@
             <a:noFill/>
           </p:spPr>
           <p:txBody>
-            <a:bodyPr lIns="0" tIns="0" rIns="0" bIns="0" anchor="b">
+            <a:bodyPr anchor="b" bIns="0" rIns="0" tIns="0" lIns="0">
               <a:spAutoFit/>
             </a:bodyPr>
             <a:lstStyle/>
             <a:p>
-              <a:pPr marL="0" marR="0" indent="0" algn="ctr">
+              <a:pPr algn="ctr" indent="0" marR="0" marL="0">
                 <a:lnSpc>
                   <a:spcPts val="1200"/>
                 </a:lnSpc>
@@ -8029,8 +8029,8 @@
                       <a:alpha val="100000"/>
                     </a:srgbClr>
                   </a:solidFill>
-                  <a:latin typeface="Arial"/>
-                  <a:cs typeface="Arial"/>
+                  <a:latin typeface="Verdana"/>
+                  <a:cs typeface="Verdana"/>
                 </a:rPr>
                 <a:t>Sepal.Length</a:t>
               </a:r>
@@ -8039,14 +8039,14 @@
         </p:sp>
         <p:sp>
           <p:nvSpPr>
-            <p:cNvPr id="185" name="Text 185"/>
+            <p:cNvPr name="Text 185" id="185"/>
             <p:cNvSpPr/>
             <p:nvPr/>
           </p:nvSpPr>
           <p:spPr>
             <a:xfrm rot="-5400000">
-              <a:off x="479880" y="3771069"/>
-              <a:ext cx="1095375" cy="152400"/>
+              <a:off y="3765354" x="443685"/>
+              <a:ext cy="152400" cx="1190625"/>
             </a:xfrm>
             <a:prstGeom prst="rect">
               <a:avLst/>
@@ -8054,12 +8054,12 @@
             <a:noFill/>
           </p:spPr>
           <p:txBody>
-            <a:bodyPr lIns="0" tIns="0" rIns="0" bIns="0" anchor="b">
+            <a:bodyPr anchor="b" bIns="0" rIns="0" tIns="0" lIns="0">
               <a:spAutoFit/>
             </a:bodyPr>
             <a:lstStyle/>
             <a:p>
-              <a:pPr marL="0" marR="0" indent="0" algn="ctr">
+              <a:pPr algn="ctr" indent="0" marR="0" marL="0">
                 <a:lnSpc>
                   <a:spcPts val="1200"/>
                 </a:lnSpc>
@@ -8077,8 +8077,8 @@
                       <a:alpha val="100000"/>
                     </a:srgbClr>
                   </a:solidFill>
-                  <a:latin typeface="Arial"/>
-                  <a:cs typeface="Arial"/>
+                  <a:latin typeface="Verdana"/>
+                  <a:cs typeface="Verdana"/>
                 </a:rPr>
                 <a:t>Petal.Length</a:t>
               </a:r>
@@ -8087,14 +8087,14 @@
         </p:sp>
         <p:sp>
           <p:nvSpPr>
-            <p:cNvPr id="186" name="Rectangle 186"/>
-            <p:cNvSpPr/>
-            <p:nvPr/>
-          </p:nvSpPr>
-          <p:spPr>
-            <a:xfrm>
-              <a:off x="4892321" y="2729297"/>
-              <a:ext cx="855943" cy="866782"/>
+            <p:cNvPr name="Rectangle 186" id="186"/>
+            <p:cNvSpPr/>
+            <p:nvPr/>
+          </p:nvSpPr>
+          <p:spPr>
+            <a:xfrm>
+              <a:off y="2723582" x="4879621"/>
+              <a:ext cy="866782" cx="868643"/>
             </a:xfrm>
             <a:prstGeom prst="rect">
               <a:avLst/>
@@ -8113,14 +8113,14 @@
         </p:sp>
         <p:sp>
           <p:nvSpPr>
-            <p:cNvPr id="187" name="Text 187"/>
+            <p:cNvPr name="Text 187" id="187"/>
             <p:cNvSpPr/>
             <p:nvPr/>
           </p:nvSpPr>
           <p:spPr>
             <a:xfrm rot="0">
-              <a:off x="4946471" y="2764397"/>
-              <a:ext cx="635000" cy="121920"/>
+              <a:off y="2758682" x="4933771"/>
+              <a:ext cy="121920" cx="671286"/>
             </a:xfrm>
             <a:prstGeom prst="rect">
               <a:avLst/>
@@ -8128,12 +8128,12 @@
             <a:noFill/>
           </p:spPr>
           <p:txBody>
-            <a:bodyPr lIns="0" tIns="0" rIns="0" bIns="0" anchor="b">
+            <a:bodyPr anchor="b" bIns="0" rIns="0" tIns="0" lIns="0">
               <a:spAutoFit/>
             </a:bodyPr>
             <a:lstStyle/>
             <a:p>
-              <a:pPr marL="0" marR="0" indent="0" algn="l">
+              <a:pPr algn="l" indent="0" marR="0" marL="0">
                 <a:lnSpc>
                   <a:spcPts val="960"/>
                 </a:lnSpc>
@@ -8145,14 +8145,14 @@
                 </a:spcAft>
               </a:pPr>
               <a:r>
-                <a:rPr sz="960" b="true">
+                <a:rPr b="true" sz="960">
                   <a:solidFill>
                     <a:srgbClr val="000000">
                       <a:alpha val="100000"/>
                     </a:srgbClr>
                   </a:solidFill>
-                  <a:latin typeface="Arial"/>
-                  <a:cs typeface="Arial"/>
+                  <a:latin typeface="Verdana"/>
+                  <a:cs typeface="Verdana"/>
                 </a:rPr>
                 <a:t>Species</a:t>
               </a:r>
@@ -8161,14 +8161,14 @@
         </p:sp>
         <p:sp>
           <p:nvSpPr>
-            <p:cNvPr id="188" name="Rectangle 188"/>
-            <p:cNvSpPr/>
-            <p:nvPr/>
-          </p:nvSpPr>
-          <p:spPr>
-            <a:xfrm>
-              <a:off x="4946471" y="2936748"/>
-              <a:ext cx="201727" cy="201727"/>
+            <p:cNvPr name="Rectangle 188" id="188"/>
+            <p:cNvSpPr/>
+            <p:nvPr/>
+          </p:nvSpPr>
+          <p:spPr>
+            <a:xfrm>
+              <a:off y="2931033" x="4933771"/>
+              <a:ext cy="201727" cx="201727"/>
             </a:xfrm>
             <a:prstGeom prst="rect">
               <a:avLst/>
@@ -8196,14 +8196,14 @@
         </p:sp>
         <p:sp>
           <p:nvSpPr>
-            <p:cNvPr id="189" name="Point 189"/>
-            <p:cNvSpPr/>
-            <p:nvPr/>
-          </p:nvSpPr>
-          <p:spPr>
-            <a:xfrm>
-              <a:off x="5020259" y="3010537"/>
-              <a:ext cx="54150" cy="54150"/>
+            <p:cNvPr name="Point 189" id="189"/>
+            <p:cNvSpPr/>
+            <p:nvPr/>
+          </p:nvSpPr>
+          <p:spPr>
+            <a:xfrm>
+              <a:off y="3004822" x="5007559"/>
+              <a:ext cy="54150" cx="54150"/>
             </a:xfrm>
             <a:prstGeom prst="ellipse">
               <a:avLst/>
@@ -8222,14 +8222,14 @@
         </p:sp>
         <p:sp>
           <p:nvSpPr>
-            <p:cNvPr id="190" name="Rectangle 190"/>
-            <p:cNvSpPr/>
-            <p:nvPr/>
-          </p:nvSpPr>
-          <p:spPr>
-            <a:xfrm>
-              <a:off x="4946471" y="3138475"/>
-              <a:ext cx="201727" cy="201727"/>
+            <p:cNvPr name="Rectangle 190" id="190"/>
+            <p:cNvSpPr/>
+            <p:nvPr/>
+          </p:nvSpPr>
+          <p:spPr>
+            <a:xfrm>
+              <a:off y="3132760" x="4933771"/>
+              <a:ext cy="201727" cx="201727"/>
             </a:xfrm>
             <a:prstGeom prst="rect">
               <a:avLst/>
@@ -8257,14 +8257,14 @@
         </p:sp>
         <p:sp>
           <p:nvSpPr>
-            <p:cNvPr id="191" name="Point 191"/>
-            <p:cNvSpPr/>
-            <p:nvPr/>
-          </p:nvSpPr>
-          <p:spPr>
-            <a:xfrm>
-              <a:off x="5020259" y="3212264"/>
-              <a:ext cx="54150" cy="54150"/>
+            <p:cNvPr name="Point 191" id="191"/>
+            <p:cNvSpPr/>
+            <p:nvPr/>
+          </p:nvSpPr>
+          <p:spPr>
+            <a:xfrm>
+              <a:off y="3206549" x="5007559"/>
+              <a:ext cy="54150" cx="54150"/>
             </a:xfrm>
             <a:prstGeom prst="ellipse">
               <a:avLst/>
@@ -8283,14 +8283,14 @@
         </p:sp>
         <p:sp>
           <p:nvSpPr>
-            <p:cNvPr id="192" name="Rectangle 192"/>
-            <p:cNvSpPr/>
-            <p:nvPr/>
-          </p:nvSpPr>
-          <p:spPr>
-            <a:xfrm>
-              <a:off x="4946471" y="3340202"/>
-              <a:ext cx="201727" cy="201727"/>
+            <p:cNvPr name="Rectangle 192" id="192"/>
+            <p:cNvSpPr/>
+            <p:nvPr/>
+          </p:nvSpPr>
+          <p:spPr>
+            <a:xfrm>
+              <a:off y="3334487" x="4933771"/>
+              <a:ext cy="201727" cx="201727"/>
             </a:xfrm>
             <a:prstGeom prst="rect">
               <a:avLst/>
@@ -8318,14 +8318,14 @@
         </p:sp>
         <p:sp>
           <p:nvSpPr>
-            <p:cNvPr id="193" name="Point 193"/>
-            <p:cNvSpPr/>
-            <p:nvPr/>
-          </p:nvSpPr>
-          <p:spPr>
-            <a:xfrm>
-              <a:off x="5020259" y="3413990"/>
-              <a:ext cx="54150" cy="54150"/>
+            <p:cNvPr name="Point 193" id="193"/>
+            <p:cNvSpPr/>
+            <p:nvPr/>
+          </p:nvSpPr>
+          <p:spPr>
+            <a:xfrm>
+              <a:off y="3408275" x="5007559"/>
+              <a:ext cy="54150" cx="54150"/>
             </a:xfrm>
             <a:prstGeom prst="ellipse">
               <a:avLst/>
@@ -8344,14 +8344,14 @@
         </p:sp>
         <p:sp>
           <p:nvSpPr>
-            <p:cNvPr id="194" name="Text 194"/>
+            <p:cNvPr name="Text 194" id="194"/>
             <p:cNvSpPr/>
             <p:nvPr/>
           </p:nvSpPr>
           <p:spPr>
             <a:xfrm rot="0">
-              <a:off x="5173413" y="2967127"/>
-              <a:ext cx="533400" cy="121920"/>
+              <a:off y="2961412" x="5160713"/>
+              <a:ext cy="121920" cx="552450"/>
             </a:xfrm>
             <a:prstGeom prst="rect">
               <a:avLst/>
@@ -8359,12 +8359,12 @@
             <a:noFill/>
           </p:spPr>
           <p:txBody>
-            <a:bodyPr lIns="0" tIns="0" rIns="0" bIns="0" anchor="b">
+            <a:bodyPr anchor="b" bIns="0" rIns="0" tIns="0" lIns="0">
               <a:spAutoFit/>
             </a:bodyPr>
             <a:lstStyle/>
             <a:p>
-              <a:pPr marL="0" marR="0" indent="0" algn="l">
+              <a:pPr algn="l" indent="0" marR="0" marL="0">
                 <a:lnSpc>
                   <a:spcPts val="960"/>
                 </a:lnSpc>
@@ -8382,8 +8382,8 @@
                       <a:alpha val="100000"/>
                     </a:srgbClr>
                   </a:solidFill>
-                  <a:latin typeface="Arial"/>
-                  <a:cs typeface="Arial"/>
+                  <a:latin typeface="Verdana"/>
+                  <a:cs typeface="Verdana"/>
                 </a:rPr>
                 <a:t>setosa</a:t>
               </a:r>
@@ -8392,14 +8392,14 @@
         </p:sp>
         <p:sp>
           <p:nvSpPr>
-            <p:cNvPr id="195" name="Text 195"/>
+            <p:cNvPr name="Text 195" id="195"/>
             <p:cNvSpPr/>
             <p:nvPr/>
           </p:nvSpPr>
           <p:spPr>
             <a:xfrm rot="0">
-              <a:off x="5173413" y="3168854"/>
-              <a:ext cx="676910" cy="121920"/>
+              <a:off y="3163139" x="5160713"/>
+              <a:ext cy="121920" cx="693420"/>
             </a:xfrm>
             <a:prstGeom prst="rect">
               <a:avLst/>
@@ -8407,12 +8407,12 @@
             <a:noFill/>
           </p:spPr>
           <p:txBody>
-            <a:bodyPr lIns="0" tIns="0" rIns="0" bIns="0" anchor="b">
+            <a:bodyPr anchor="b" bIns="0" rIns="0" tIns="0" lIns="0">
               <a:spAutoFit/>
             </a:bodyPr>
             <a:lstStyle/>
             <a:p>
-              <a:pPr marL="0" marR="0" indent="0" algn="l">
+              <a:pPr algn="l" indent="0" marR="0" marL="0">
                 <a:lnSpc>
                   <a:spcPts val="960"/>
                 </a:lnSpc>
@@ -8430,8 +8430,8 @@
                       <a:alpha val="100000"/>
                     </a:srgbClr>
                   </a:solidFill>
-                  <a:latin typeface="Arial"/>
-                  <a:cs typeface="Arial"/>
+                  <a:latin typeface="Verdana"/>
+                  <a:cs typeface="Verdana"/>
                 </a:rPr>
                 <a:t>versicolor</a:t>
               </a:r>
@@ -8440,14 +8440,14 @@
         </p:sp>
         <p:sp>
           <p:nvSpPr>
-            <p:cNvPr id="196" name="Text 196"/>
+            <p:cNvPr name="Text 196" id="196"/>
             <p:cNvSpPr/>
             <p:nvPr/>
           </p:nvSpPr>
           <p:spPr>
             <a:xfrm rot="0">
-              <a:off x="5173413" y="3370580"/>
-              <a:ext cx="592667" cy="121920"/>
+              <a:off y="3364865" x="5160713"/>
+              <a:ext cy="121920" cx="626533"/>
             </a:xfrm>
             <a:prstGeom prst="rect">
               <a:avLst/>
@@ -8455,12 +8455,12 @@
             <a:noFill/>
           </p:spPr>
           <p:txBody>
-            <a:bodyPr lIns="0" tIns="0" rIns="0" bIns="0" anchor="b">
+            <a:bodyPr anchor="b" bIns="0" rIns="0" tIns="0" lIns="0">
               <a:spAutoFit/>
             </a:bodyPr>
             <a:lstStyle/>
             <a:p>
-              <a:pPr marL="0" marR="0" indent="0" algn="l">
+              <a:pPr algn="l" indent="0" marR="0" marL="0">
                 <a:lnSpc>
                   <a:spcPts val="960"/>
                 </a:lnSpc>
@@ -8478,8 +8478,8 @@
                       <a:alpha val="100000"/>
                     </a:srgbClr>
                   </a:solidFill>
-                  <a:latin typeface="Arial"/>
-                  <a:cs typeface="Arial"/>
+                  <a:latin typeface="Verdana"/>
+                  <a:cs typeface="Verdana"/>
                 </a:rPr>
                 <a:t>virginica</a:t>
               </a:r>
@@ -8488,14 +8488,14 @@
         </p:sp>
         <p:sp>
           <p:nvSpPr>
-            <p:cNvPr id="197" name="Rectangle 197"/>
-            <p:cNvSpPr/>
-            <p:nvPr/>
-          </p:nvSpPr>
-          <p:spPr>
-            <a:xfrm>
-              <a:off x="4892321" y="3680132"/>
-              <a:ext cx="768700" cy="1285109"/>
+            <p:cNvPr name="Rectangle 197" id="197"/>
+            <p:cNvSpPr/>
+            <p:nvPr/>
+          </p:nvSpPr>
+          <p:spPr>
+            <a:xfrm>
+              <a:off y="3674417" x="4879621"/>
+              <a:ext cy="1285109" cx="844900"/>
             </a:xfrm>
             <a:prstGeom prst="rect">
               <a:avLst/>
@@ -8514,14 +8514,14 @@
         </p:sp>
         <p:sp>
           <p:nvSpPr>
-            <p:cNvPr id="198" name="Text 198"/>
+            <p:cNvPr name="Text 198" id="198"/>
             <p:cNvSpPr/>
             <p:nvPr/>
           </p:nvSpPr>
           <p:spPr>
             <a:xfrm rot="0">
-              <a:off x="4946471" y="3715232"/>
-              <a:ext cx="840509" cy="121920"/>
+              <a:off y="3709517" x="4933771"/>
+              <a:ext cy="121920" cx="937491"/>
             </a:xfrm>
             <a:prstGeom prst="rect">
               <a:avLst/>
@@ -8529,12 +8529,12 @@
             <a:noFill/>
           </p:spPr>
           <p:txBody>
-            <a:bodyPr lIns="0" tIns="0" rIns="0" bIns="0" anchor="b">
+            <a:bodyPr anchor="b" bIns="0" rIns="0" tIns="0" lIns="0">
               <a:spAutoFit/>
             </a:bodyPr>
             <a:lstStyle/>
             <a:p>
-              <a:pPr marL="0" marR="0" indent="0" algn="l">
+              <a:pPr algn="l" indent="0" marR="0" marL="0">
                 <a:lnSpc>
                   <a:spcPts val="960"/>
                 </a:lnSpc>
@@ -8546,14 +8546,14 @@
                 </a:spcAft>
               </a:pPr>
               <a:r>
-                <a:rPr sz="960" b="true">
+                <a:rPr b="true" sz="960">
                   <a:solidFill>
                     <a:srgbClr val="000000">
                       <a:alpha val="100000"/>
                     </a:srgbClr>
                   </a:solidFill>
-                  <a:latin typeface="Arial"/>
-                  <a:cs typeface="Arial"/>
+                  <a:latin typeface="Verdana"/>
+                  <a:cs typeface="Verdana"/>
                 </a:rPr>
                 <a:t>Petal.Width</a:t>
               </a:r>
@@ -8562,14 +8562,14 @@
         </p:sp>
         <p:sp>
           <p:nvSpPr>
-            <p:cNvPr id="199" name="Rectangle 199"/>
-            <p:cNvSpPr/>
-            <p:nvPr/>
-          </p:nvSpPr>
-          <p:spPr>
-            <a:xfrm>
-              <a:off x="4946471" y="3887583"/>
-              <a:ext cx="216600" cy="201727"/>
+            <p:cNvPr name="Rectangle 199" id="199"/>
+            <p:cNvSpPr/>
+            <p:nvPr/>
+          </p:nvSpPr>
+          <p:spPr>
+            <a:xfrm>
+              <a:off y="3881868" x="4933771"/>
+              <a:ext cy="201727" cx="216600"/>
             </a:xfrm>
             <a:prstGeom prst="rect">
               <a:avLst/>
@@ -8597,14 +8597,14 @@
         </p:sp>
         <p:sp>
           <p:nvSpPr>
-            <p:cNvPr id="200" name="Point 200"/>
-            <p:cNvSpPr/>
-            <p:nvPr/>
-          </p:nvSpPr>
-          <p:spPr>
-            <a:xfrm>
-              <a:off x="5029997" y="3963673"/>
-              <a:ext cx="49547" cy="49547"/>
+            <p:cNvPr name="Point 200" id="200"/>
+            <p:cNvSpPr/>
+            <p:nvPr/>
+          </p:nvSpPr>
+          <p:spPr>
+            <a:xfrm>
+              <a:off y="3957958" x="5017297"/>
+              <a:ext cy="49547" cx="49547"/>
             </a:xfrm>
             <a:prstGeom prst="ellipse">
               <a:avLst/>
@@ -8623,14 +8623,14 @@
         </p:sp>
         <p:sp>
           <p:nvSpPr>
-            <p:cNvPr id="201" name="Rectangle 201"/>
-            <p:cNvSpPr/>
-            <p:nvPr/>
-          </p:nvSpPr>
-          <p:spPr>
-            <a:xfrm>
-              <a:off x="4946471" y="4089310"/>
-              <a:ext cx="216600" cy="201727"/>
+            <p:cNvPr name="Rectangle 201" id="201"/>
+            <p:cNvSpPr/>
+            <p:nvPr/>
+          </p:nvSpPr>
+          <p:spPr>
+            <a:xfrm>
+              <a:off y="4083595" x="4933771"/>
+              <a:ext cy="201727" cx="216600"/>
             </a:xfrm>
             <a:prstGeom prst="rect">
               <a:avLst/>
@@ -8658,14 +8658,14 @@
         </p:sp>
         <p:sp>
           <p:nvSpPr>
-            <p:cNvPr id="202" name="Point 202"/>
-            <p:cNvSpPr/>
-            <p:nvPr/>
-          </p:nvSpPr>
-          <p:spPr>
-            <a:xfrm>
-              <a:off x="5015783" y="4151186"/>
-              <a:ext cx="77976" cy="77976"/>
+            <p:cNvPr name="Point 202" id="202"/>
+            <p:cNvSpPr/>
+            <p:nvPr/>
+          </p:nvSpPr>
+          <p:spPr>
+            <a:xfrm>
+              <a:off y="4145471" x="5003083"/>
+              <a:ext cy="77976" cx="77976"/>
             </a:xfrm>
             <a:prstGeom prst="ellipse">
               <a:avLst/>
@@ -8684,14 +8684,14 @@
         </p:sp>
         <p:sp>
           <p:nvSpPr>
-            <p:cNvPr id="203" name="Rectangle 203"/>
-            <p:cNvSpPr/>
-            <p:nvPr/>
-          </p:nvSpPr>
-          <p:spPr>
-            <a:xfrm>
-              <a:off x="4946471" y="4291037"/>
-              <a:ext cx="216600" cy="201727"/>
+            <p:cNvPr name="Rectangle 203" id="203"/>
+            <p:cNvSpPr/>
+            <p:nvPr/>
+          </p:nvSpPr>
+          <p:spPr>
+            <a:xfrm>
+              <a:off y="4285322" x="4933771"/>
+              <a:ext cy="201727" cx="216600"/>
             </a:xfrm>
             <a:prstGeom prst="rect">
               <a:avLst/>
@@ -8719,14 +8719,14 @@
         </p:sp>
         <p:sp>
           <p:nvSpPr>
-            <p:cNvPr id="204" name="Point 204"/>
-            <p:cNvSpPr/>
-            <p:nvPr/>
-          </p:nvSpPr>
-          <p:spPr>
-            <a:xfrm>
-              <a:off x="5001704" y="4338833"/>
-              <a:ext cx="106134" cy="106134"/>
+            <p:cNvPr name="Point 204" id="204"/>
+            <p:cNvSpPr/>
+            <p:nvPr/>
+          </p:nvSpPr>
+          <p:spPr>
+            <a:xfrm>
+              <a:off y="4333118" x="4989004"/>
+              <a:ext cy="106134" cx="106134"/>
             </a:xfrm>
             <a:prstGeom prst="ellipse">
               <a:avLst/>
@@ -8745,14 +8745,14 @@
         </p:sp>
         <p:sp>
           <p:nvSpPr>
-            <p:cNvPr id="205" name="Rectangle 205"/>
-            <p:cNvSpPr/>
-            <p:nvPr/>
-          </p:nvSpPr>
-          <p:spPr>
-            <a:xfrm>
-              <a:off x="4946471" y="4492764"/>
-              <a:ext cx="216600" cy="201727"/>
+            <p:cNvPr name="Rectangle 205" id="205"/>
+            <p:cNvSpPr/>
+            <p:nvPr/>
+          </p:nvSpPr>
+          <p:spPr>
+            <a:xfrm>
+              <a:off y="4487049" x="4933771"/>
+              <a:ext cy="201727" cx="216600"/>
             </a:xfrm>
             <a:prstGeom prst="rect">
               <a:avLst/>
@@ -8780,14 +8780,14 @@
         </p:sp>
         <p:sp>
           <p:nvSpPr>
-            <p:cNvPr id="206" name="Point 206"/>
-            <p:cNvSpPr/>
-            <p:nvPr/>
-          </p:nvSpPr>
-          <p:spPr>
-            <a:xfrm>
-              <a:off x="4987625" y="4526481"/>
-              <a:ext cx="134292" cy="134292"/>
+            <p:cNvPr name="Point 206" id="206"/>
+            <p:cNvSpPr/>
+            <p:nvPr/>
+          </p:nvSpPr>
+          <p:spPr>
+            <a:xfrm>
+              <a:off y="4520766" x="4974925"/>
+              <a:ext cy="134292" cx="134292"/>
             </a:xfrm>
             <a:prstGeom prst="ellipse">
               <a:avLst/>
@@ -8806,14 +8806,14 @@
         </p:sp>
         <p:sp>
           <p:nvSpPr>
-            <p:cNvPr id="207" name="Rectangle 207"/>
-            <p:cNvSpPr/>
-            <p:nvPr/>
-          </p:nvSpPr>
-          <p:spPr>
-            <a:xfrm>
-              <a:off x="4946471" y="4694491"/>
-              <a:ext cx="216600" cy="216600"/>
+            <p:cNvPr name="Rectangle 207" id="207"/>
+            <p:cNvSpPr/>
+            <p:nvPr/>
+          </p:nvSpPr>
+          <p:spPr>
+            <a:xfrm>
+              <a:off y="4688776" x="4933771"/>
+              <a:ext cy="216600" cx="216600"/>
             </a:xfrm>
             <a:prstGeom prst="rect">
               <a:avLst/>
@@ -8841,14 +8841,14 @@
         </p:sp>
         <p:sp>
           <p:nvSpPr>
-            <p:cNvPr id="208" name="Point 208"/>
-            <p:cNvSpPr/>
-            <p:nvPr/>
-          </p:nvSpPr>
-          <p:spPr>
-            <a:xfrm>
-              <a:off x="4973546" y="4721566"/>
-              <a:ext cx="162450" cy="162450"/>
+            <p:cNvPr name="Point 208" id="208"/>
+            <p:cNvSpPr/>
+            <p:nvPr/>
+          </p:nvSpPr>
+          <p:spPr>
+            <a:xfrm>
+              <a:off y="4715851" x="4960846"/>
+              <a:ext cy="162450" cx="162450"/>
             </a:xfrm>
             <a:prstGeom prst="ellipse">
               <a:avLst/>
@@ -8867,14 +8867,14 @@
         </p:sp>
         <p:sp>
           <p:nvSpPr>
-            <p:cNvPr id="209" name="Text 209"/>
+            <p:cNvPr name="Text 209" id="209"/>
             <p:cNvSpPr/>
             <p:nvPr/>
           </p:nvSpPr>
           <p:spPr>
             <a:xfrm rot="0">
-              <a:off x="5188286" y="3917962"/>
-              <a:ext cx="330200" cy="121920"/>
+              <a:off y="3912247" x="5175586"/>
+              <a:ext cy="121920" cx="381000"/>
             </a:xfrm>
             <a:prstGeom prst="rect">
               <a:avLst/>
@@ -8882,12 +8882,12 @@
             <a:noFill/>
           </p:spPr>
           <p:txBody>
-            <a:bodyPr lIns="0" tIns="0" rIns="0" bIns="0" anchor="b">
+            <a:bodyPr anchor="b" bIns="0" rIns="0" tIns="0" lIns="0">
               <a:spAutoFit/>
             </a:bodyPr>
             <a:lstStyle/>
             <a:p>
-              <a:pPr marL="0" marR="0" indent="0" algn="l">
+              <a:pPr algn="l" indent="0" marR="0" marL="0">
                 <a:lnSpc>
                   <a:spcPts val="960"/>
                 </a:lnSpc>
@@ -8905,8 +8905,8 @@
                       <a:alpha val="100000"/>
                     </a:srgbClr>
                   </a:solidFill>
-                  <a:latin typeface="Arial"/>
-                  <a:cs typeface="Arial"/>
+                  <a:latin typeface="Verdana"/>
+                  <a:cs typeface="Verdana"/>
                 </a:rPr>
                 <a:t>0.5</a:t>
               </a:r>
@@ -8915,14 +8915,14 @@
         </p:sp>
         <p:sp>
           <p:nvSpPr>
-            <p:cNvPr id="210" name="Text 210"/>
+            <p:cNvPr name="Text 210" id="210"/>
             <p:cNvSpPr/>
             <p:nvPr/>
           </p:nvSpPr>
           <p:spPr>
             <a:xfrm rot="0">
-              <a:off x="5188286" y="4119689"/>
-              <a:ext cx="330200" cy="121920"/>
+              <a:off y="4113974" x="5175586"/>
+              <a:ext cy="121920" cx="381000"/>
             </a:xfrm>
             <a:prstGeom prst="rect">
               <a:avLst/>
@@ -8930,12 +8930,12 @@
             <a:noFill/>
           </p:spPr>
           <p:txBody>
-            <a:bodyPr lIns="0" tIns="0" rIns="0" bIns="0" anchor="b">
+            <a:bodyPr anchor="b" bIns="0" rIns="0" tIns="0" lIns="0">
               <a:spAutoFit/>
             </a:bodyPr>
             <a:lstStyle/>
             <a:p>
-              <a:pPr marL="0" marR="0" indent="0" algn="l">
+              <a:pPr algn="l" indent="0" marR="0" marL="0">
                 <a:lnSpc>
                   <a:spcPts val="960"/>
                 </a:lnSpc>
@@ -8953,8 +8953,8 @@
                       <a:alpha val="100000"/>
                     </a:srgbClr>
                   </a:solidFill>
-                  <a:latin typeface="Arial"/>
-                  <a:cs typeface="Arial"/>
+                  <a:latin typeface="Verdana"/>
+                  <a:cs typeface="Verdana"/>
                 </a:rPr>
                 <a:t>1.0</a:t>
               </a:r>
@@ -8963,14 +8963,14 @@
         </p:sp>
         <p:sp>
           <p:nvSpPr>
-            <p:cNvPr id="211" name="Text 211"/>
+            <p:cNvPr name="Text 211" id="211"/>
             <p:cNvSpPr/>
             <p:nvPr/>
           </p:nvSpPr>
           <p:spPr>
             <a:xfrm rot="0">
-              <a:off x="5188286" y="4321415"/>
-              <a:ext cx="330200" cy="121920"/>
+              <a:off y="4315700" x="5175586"/>
+              <a:ext cy="121920" cx="381000"/>
             </a:xfrm>
             <a:prstGeom prst="rect">
               <a:avLst/>
@@ -8978,12 +8978,12 @@
             <a:noFill/>
           </p:spPr>
           <p:txBody>
-            <a:bodyPr lIns="0" tIns="0" rIns="0" bIns="0" anchor="b">
+            <a:bodyPr anchor="b" bIns="0" rIns="0" tIns="0" lIns="0">
               <a:spAutoFit/>
             </a:bodyPr>
             <a:lstStyle/>
             <a:p>
-              <a:pPr marL="0" marR="0" indent="0" algn="l">
+              <a:pPr algn="l" indent="0" marR="0" marL="0">
                 <a:lnSpc>
                   <a:spcPts val="960"/>
                 </a:lnSpc>
@@ -9001,8 +9001,8 @@
                       <a:alpha val="100000"/>
                     </a:srgbClr>
                   </a:solidFill>
-                  <a:latin typeface="Arial"/>
-                  <a:cs typeface="Arial"/>
+                  <a:latin typeface="Verdana"/>
+                  <a:cs typeface="Verdana"/>
                 </a:rPr>
                 <a:t>1.5</a:t>
               </a:r>
@@ -9011,14 +9011,14 @@
         </p:sp>
         <p:sp>
           <p:nvSpPr>
-            <p:cNvPr id="212" name="Text 212"/>
+            <p:cNvPr name="Text 212" id="212"/>
             <p:cNvSpPr/>
             <p:nvPr/>
           </p:nvSpPr>
           <p:spPr>
             <a:xfrm rot="0">
-              <a:off x="5188286" y="4523142"/>
-              <a:ext cx="330200" cy="121920"/>
+              <a:off y="4517427" x="5175586"/>
+              <a:ext cy="121920" cx="381000"/>
             </a:xfrm>
             <a:prstGeom prst="rect">
               <a:avLst/>
@@ -9026,12 +9026,12 @@
             <a:noFill/>
           </p:spPr>
           <p:txBody>
-            <a:bodyPr lIns="0" tIns="0" rIns="0" bIns="0" anchor="b">
+            <a:bodyPr anchor="b" bIns="0" rIns="0" tIns="0" lIns="0">
               <a:spAutoFit/>
             </a:bodyPr>
             <a:lstStyle/>
             <a:p>
-              <a:pPr marL="0" marR="0" indent="0" algn="l">
+              <a:pPr algn="l" indent="0" marR="0" marL="0">
                 <a:lnSpc>
                   <a:spcPts val="960"/>
                 </a:lnSpc>
@@ -9049,8 +9049,8 @@
                       <a:alpha val="100000"/>
                     </a:srgbClr>
                   </a:solidFill>
-                  <a:latin typeface="Arial"/>
-                  <a:cs typeface="Arial"/>
+                  <a:latin typeface="Verdana"/>
+                  <a:cs typeface="Verdana"/>
                 </a:rPr>
                 <a:t>2.0</a:t>
               </a:r>
@@ -9059,14 +9059,14 @@
         </p:sp>
         <p:sp>
           <p:nvSpPr>
-            <p:cNvPr id="213" name="Text 213"/>
+            <p:cNvPr name="Text 213" id="213"/>
             <p:cNvSpPr/>
             <p:nvPr/>
           </p:nvSpPr>
           <p:spPr>
             <a:xfrm rot="0">
-              <a:off x="5188286" y="4732306"/>
-              <a:ext cx="330200" cy="121920"/>
+              <a:off y="4726591" x="5175586"/>
+              <a:ext cy="121920" cx="381000"/>
             </a:xfrm>
             <a:prstGeom prst="rect">
               <a:avLst/>
@@ -9074,12 +9074,12 @@
             <a:noFill/>
           </p:spPr>
           <p:txBody>
-            <a:bodyPr lIns="0" tIns="0" rIns="0" bIns="0" anchor="b">
+            <a:bodyPr anchor="b" bIns="0" rIns="0" tIns="0" lIns="0">
               <a:spAutoFit/>
             </a:bodyPr>
             <a:lstStyle/>
             <a:p>
-              <a:pPr marL="0" marR="0" indent="0" algn="l">
+              <a:pPr algn="l" indent="0" marR="0" marL="0">
                 <a:lnSpc>
                   <a:spcPts val="960"/>
                 </a:lnSpc>
@@ -9097,8 +9097,8 @@
                       <a:alpha val="100000"/>
                     </a:srgbClr>
                   </a:solidFill>
-                  <a:latin typeface="Arial"/>
-                  <a:cs typeface="Arial"/>
+                  <a:latin typeface="Verdana"/>
+                  <a:cs typeface="Verdana"/>
                 </a:rPr>
                 <a:t>2.5</a:t>
               </a:r>
@@ -9108,7 +9108,7 @@
       </p:grpSp>
       <p:pic>
         <p:nvPicPr>
-          <p:cNvPr id="3" name="Picture 3"/>
+          <p:cNvPr name="Picture 3" id="3"/>
           <p:cNvPicPr>
             <a:picLocks noChangeAspect="true"/>
           </p:cNvPicPr>
@@ -9117,15 +9117,15 @@
           </p:nvPr>
         </p:nvPicPr>
         <p:blipFill>
-          <a:blip cstate="print" r:embed="rId2"/>
+          <a:blip r:embed="rId2" cstate="print"/>
           <a:stretch>
             <a:fillRect/>
           </a:stretch>
         </p:blipFill>
         <p:spPr>
-          <a:xfrm>
-            <a:off x="6172200" y="1825625"/>
-            <a:ext cx="5181600" cy="4351338"/>
+          <a:xfrm rot="0">
+            <a:off y="1825625" x="6172200"/>
+            <a:ext cy="4351338" cx="5181600"/>
           </a:xfrm>
           <a:prstGeom prst="rect">
             <a:avLst/>

--- a/examples/EVG_example.pptx
+++ b/examples/EVG_example.pptx
@@ -5,7 +5,7 @@
     <p:sldMasterId r:id="rId1" id="2147483648"/>
   </p:sldMasterIdLst>
   <p:sldIdLst>
-    <p:sldId r:id="rId6" id="1814627229"/>
+    <p:sldId r:id="rId6" id="1465395683"/>
   </p:sldIdLst>
   <p:sldSz cy="6858000" cx="12192000"/>
   <p:notesSz cy="9144000" cx="6858000"/>

--- a/examples/EVG_example.pptx
+++ b/examples/EVG_example.pptx
@@ -5,7 +5,7 @@
     <p:sldMasterId r:id="rId1" id="2147483648"/>
   </p:sldMasterIdLst>
   <p:sldIdLst>
-    <p:sldId r:id="rId6" id="1465395683"/>
+    <p:sldId r:id="rId6" id="708128687"/>
   </p:sldIdLst>
   <p:sldSz cy="6858000" cx="12192000"/>
   <p:notesSz cy="9144000" cx="6858000"/>
